--- a/315.pptx
+++ b/315.pptx
@@ -847,10 +847,10 @@
                 <a:cs typeface="Times New Roman" charset="0"/>
                 <a:sym typeface="Times New Roman" charset="0"/>
               </a:rPr>
-              <a:t> to have a more strongly branded UI, including a custom tab bar and custom navigation.  For the first time, we’ll really need to pursue a fairly unique window management approach per</a:t>
-            </a:r>
-            <a:r>
-              <a:rPr lang="en-US" baseline="0" smtClean="0">
+              <a:t> to have a more strongly branded UI, including a custom tab bar and custom navigation.  For the first time, we’ll really need to pursue a fairly unique window management approach per-platform</a:t>
+            </a:r>
+            <a:r>
+              <a:rPr lang="en-US" baseline="0" dirty="0" smtClean="0">
                 <a:solidFill>
                   <a:srgbClr val="000000"/>
                 </a:solidFill>
@@ -859,7 +859,97 @@
                 <a:cs typeface="Times New Roman" charset="0"/>
                 <a:sym typeface="Times New Roman" charset="0"/>
               </a:rPr>
-              <a:t>-platform.</a:t>
+              <a:t>.</a:t>
+            </a:r>
+          </a:p>
+          <a:p>
+            <a:pPr marL="119063" eaLnBrk="1" hangingPunct="1">
+              <a:spcBef>
+                <a:spcPts val="450"/>
+              </a:spcBef>
+            </a:pPr>
+            <a:endParaRPr lang="en-US" baseline="0" dirty="0" smtClean="0">
+              <a:solidFill>
+                <a:srgbClr val="000000"/>
+              </a:solidFill>
+              <a:latin typeface="Times New Roman" charset="0"/>
+              <a:ea typeface="ＭＳ Ｐゴシック" charset="0"/>
+              <a:cs typeface="Times New Roman" charset="0"/>
+              <a:sym typeface="Times New Roman" charset="0"/>
+            </a:endParaRPr>
+          </a:p>
+          <a:p>
+            <a:pPr marL="119063" eaLnBrk="1" hangingPunct="1">
+              <a:spcBef>
+                <a:spcPts val="450"/>
+              </a:spcBef>
+            </a:pPr>
+            <a:r>
+              <a:rPr lang="en-US" baseline="0" dirty="0" smtClean="0">
+                <a:solidFill>
+                  <a:srgbClr val="000000"/>
+                </a:solidFill>
+                <a:latin typeface="Times New Roman" charset="0"/>
+                <a:ea typeface="ＭＳ Ｐゴシック" charset="0"/>
+                <a:cs typeface="Times New Roman" charset="0"/>
+                <a:sym typeface="Times New Roman" charset="0"/>
+              </a:rPr>
+              <a:t>walk through the finished code</a:t>
+            </a:r>
+          </a:p>
+          <a:p>
+            <a:pPr marL="119063" eaLnBrk="1" hangingPunct="1">
+              <a:spcBef>
+                <a:spcPts val="450"/>
+              </a:spcBef>
+            </a:pPr>
+            <a:r>
+              <a:rPr lang="en-US" baseline="0" dirty="0" smtClean="0">
+                <a:solidFill>
+                  <a:srgbClr val="000000"/>
+                </a:solidFill>
+                <a:latin typeface="Times New Roman" charset="0"/>
+                <a:ea typeface="ＭＳ Ｐゴシック" charset="0"/>
+                <a:cs typeface="Times New Roman" charset="0"/>
+                <a:sym typeface="Times New Roman" charset="0"/>
+              </a:rPr>
+              <a:t>Can also walk through the finished </a:t>
+            </a:r>
+            <a:r>
+              <a:rPr lang="en-US" baseline="0" dirty="0" err="1" smtClean="0">
+                <a:solidFill>
+                  <a:srgbClr val="000000"/>
+                </a:solidFill>
+                <a:latin typeface="Times New Roman" charset="0"/>
+                <a:ea typeface="ＭＳ Ｐゴシック" charset="0"/>
+                <a:cs typeface="Times New Roman" charset="0"/>
+                <a:sym typeface="Times New Roman" charset="0"/>
+              </a:rPr>
+              <a:t>TiBH</a:t>
+            </a:r>
+            <a:r>
+              <a:rPr lang="en-US" baseline="0" dirty="0" smtClean="0">
+                <a:solidFill>
+                  <a:srgbClr val="000000"/>
+                </a:solidFill>
+                <a:latin typeface="Times New Roman" charset="0"/>
+                <a:ea typeface="ＭＳ Ｐゴシック" charset="0"/>
+                <a:cs typeface="Times New Roman" charset="0"/>
+                <a:sym typeface="Times New Roman" charset="0"/>
+              </a:rPr>
+              <a:t> </a:t>
+            </a:r>
+            <a:r>
+              <a:rPr lang="en-US" baseline="0" smtClean="0">
+                <a:solidFill>
+                  <a:srgbClr val="000000"/>
+                </a:solidFill>
+                <a:latin typeface="Times New Roman" charset="0"/>
+                <a:ea typeface="ＭＳ Ｐゴシック" charset="0"/>
+                <a:cs typeface="Times New Roman" charset="0"/>
+                <a:sym typeface="Times New Roman" charset="0"/>
+              </a:rPr>
+              <a:t>custom component code</a:t>
             </a:r>
             <a:endParaRPr lang="en-US" dirty="0">
               <a:solidFill>
@@ -963,7 +1053,82 @@
                 <a:cs typeface="Lucida Grande" charset="0"/>
                 <a:sym typeface="Lucida Grande" charset="0"/>
               </a:rPr>
-              <a:t>Quick overview of building a good app. More and more apps are adopting a custom tab bar as</a:t>
+              <a:t>Take your app from </a:t>
+            </a:r>
+            <a:r>
+              <a:rPr lang="en-US" dirty="0" err="1" smtClean="0">
+                <a:solidFill>
+                  <a:srgbClr val="000000"/>
+                </a:solidFill>
+                <a:latin typeface="Lucida Grande" charset="0"/>
+                <a:ea typeface="ＭＳ Ｐゴシック" charset="0"/>
+                <a:cs typeface="Lucida Grande" charset="0"/>
+                <a:sym typeface="Lucida Grande" charset="0"/>
+              </a:rPr>
+              <a:t>unexisting</a:t>
+            </a:r>
+            <a:r>
+              <a:rPr lang="en-US" dirty="0" smtClean="0">
+                <a:solidFill>
+                  <a:srgbClr val="000000"/>
+                </a:solidFill>
+                <a:latin typeface="Lucida Grande" charset="0"/>
+                <a:ea typeface="ＭＳ Ｐゴシック" charset="0"/>
+                <a:cs typeface="Lucida Grande" charset="0"/>
+                <a:sym typeface="Lucida Grande" charset="0"/>
+              </a:rPr>
+              <a:t> to exceptional</a:t>
+            </a:r>
+          </a:p>
+          <a:p>
+            <a:pPr marL="79375" eaLnBrk="1" hangingPunct="1"/>
+            <a:endParaRPr lang="en-US" dirty="0" smtClean="0">
+              <a:solidFill>
+                <a:srgbClr val="000000"/>
+              </a:solidFill>
+              <a:latin typeface="Lucida Grande" charset="0"/>
+              <a:ea typeface="ＭＳ Ｐゴシック" charset="0"/>
+              <a:cs typeface="Lucida Grande" charset="0"/>
+              <a:sym typeface="Lucida Grande" charset="0"/>
+            </a:endParaRPr>
+          </a:p>
+          <a:p>
+            <a:pPr marL="79375" eaLnBrk="1" hangingPunct="1"/>
+            <a:endParaRPr lang="en-US" dirty="0" smtClean="0">
+              <a:solidFill>
+                <a:srgbClr val="000000"/>
+              </a:solidFill>
+              <a:latin typeface="Lucida Grande" charset="0"/>
+              <a:ea typeface="ＭＳ Ｐゴシック" charset="0"/>
+              <a:cs typeface="Lucida Grande" charset="0"/>
+              <a:sym typeface="Lucida Grande" charset="0"/>
+            </a:endParaRPr>
+          </a:p>
+          <a:p>
+            <a:pPr marL="79375" eaLnBrk="1" hangingPunct="1"/>
+            <a:r>
+              <a:rPr lang="en-US" dirty="0" smtClean="0">
+                <a:solidFill>
+                  <a:srgbClr val="000000"/>
+                </a:solidFill>
+                <a:latin typeface="Lucida Grande" charset="0"/>
+                <a:ea typeface="ＭＳ Ｐゴシック" charset="0"/>
+                <a:cs typeface="Lucida Grande" charset="0"/>
+                <a:sym typeface="Lucida Grande" charset="0"/>
+              </a:rPr>
+              <a:t>Quick </a:t>
+            </a:r>
+            <a:r>
+              <a:rPr lang="en-US" dirty="0" smtClean="0">
+                <a:solidFill>
+                  <a:srgbClr val="000000"/>
+                </a:solidFill>
+                <a:latin typeface="Lucida Grande" charset="0"/>
+                <a:ea typeface="ＭＳ Ｐゴシック" charset="0"/>
+                <a:cs typeface="Lucida Grande" charset="0"/>
+                <a:sym typeface="Lucida Grande" charset="0"/>
+              </a:rPr>
+              <a:t>overview of building a good app. More and more apps are adopting a custom tab bar as</a:t>
             </a:r>
             <a:r>
               <a:rPr lang="en-US" baseline="0" dirty="0" smtClean="0">
@@ -2455,7 +2620,7 @@
                 <a:cs typeface="Lucida Grande" charset="0"/>
                 <a:sym typeface="Lucida Grande" charset="0"/>
               </a:rPr>
-              <a:t>on the last point, it’s worth noting that once you decide to use custom navigation components,</a:t>
+              <a:t>Views</a:t>
             </a:r>
             <a:r>
               <a:rPr lang="en-US" baseline="0" dirty="0" smtClean="0">
@@ -2467,7 +2632,7 @@
                 <a:cs typeface="Lucida Grande" charset="0"/>
                 <a:sym typeface="Lucida Grande" charset="0"/>
               </a:rPr>
-              <a:t> you lose A LOT of built-in behavior – sliding behavior, back button behavior, </a:t>
+              <a:t> &amp; </a:t>
             </a:r>
             <a:r>
               <a:rPr lang="en-US" baseline="0" dirty="0" err="1" smtClean="0">
@@ -2479,7 +2644,7 @@
                 <a:cs typeface="Lucida Grande" charset="0"/>
                 <a:sym typeface="Lucida Grande" charset="0"/>
               </a:rPr>
-              <a:t>currentTab</a:t>
+              <a:t>imageViews</a:t>
             </a:r>
             <a:r>
               <a:rPr lang="en-US" baseline="0" dirty="0" smtClean="0">
@@ -2491,10 +2656,26 @@
                 <a:cs typeface="Lucida Grande" charset="0"/>
                 <a:sym typeface="Lucida Grande" charset="0"/>
               </a:rPr>
-              <a:t>/</a:t>
-            </a:r>
-            <a:r>
-              <a:rPr lang="en-US" baseline="0" dirty="0" err="1" smtClean="0">
+              <a:t> are the primary means to create custom UI components</a:t>
+            </a:r>
+          </a:p>
+          <a:p>
+            <a:pPr marL="420688" indent="-341313" eaLnBrk="1" hangingPunct="1">
+              <a:spcBef>
+                <a:spcPts val="600"/>
+              </a:spcBef>
+              <a:tabLst>
+                <a:tab pos="114300" algn="l"/>
+                <a:tab pos="990600" algn="l"/>
+                <a:tab pos="1905000" algn="l"/>
+                <a:tab pos="2819400" algn="l"/>
+                <a:tab pos="3733800" algn="l"/>
+                <a:tab pos="4648200" algn="l"/>
+                <a:tab pos="5562600" algn="l"/>
+              </a:tabLst>
+            </a:pPr>
+            <a:r>
+              <a:rPr lang="en-US" baseline="0" dirty="0" smtClean="0">
                 <a:solidFill>
                   <a:srgbClr val="122956"/>
                 </a:solidFill>
@@ -2503,19 +2684,7 @@
                 <a:cs typeface="Lucida Grande" charset="0"/>
                 <a:sym typeface="Lucida Grande" charset="0"/>
               </a:rPr>
-              <a:t>currentWindow</a:t>
-            </a:r>
-            <a:r>
-              <a:rPr lang="en-US" baseline="0" dirty="0" smtClean="0">
-                <a:solidFill>
-                  <a:srgbClr val="122956"/>
-                </a:solidFill>
-                <a:latin typeface="Lucida Grande" charset="0"/>
-                <a:ea typeface="ＭＳ Ｐゴシック" charset="0"/>
-                <a:cs typeface="Lucida Grande" charset="0"/>
-                <a:sym typeface="Lucida Grande" charset="0"/>
-              </a:rPr>
-              <a:t>, etc.</a:t>
+              <a:t>Use background images, for example</a:t>
             </a:r>
           </a:p>
           <a:p>
@@ -2559,7 +2728,7 @@
               </a:tabLst>
             </a:pPr>
             <a:r>
-              <a:rPr lang="en-US" baseline="0" dirty="0" smtClean="0">
+              <a:rPr lang="en-US" dirty="0" smtClean="0">
                 <a:solidFill>
                   <a:srgbClr val="122956"/>
                 </a:solidFill>
@@ -2568,10 +2737,10 @@
                 <a:cs typeface="Lucida Grande" charset="0"/>
                 <a:sym typeface="Lucida Grande" charset="0"/>
               </a:rPr>
-              <a:t>Do a quick demo of a custom </a:t>
-            </a:r>
-            <a:r>
-              <a:rPr lang="en-US" baseline="0" dirty="0" err="1" smtClean="0">
+              <a:t>It’s </a:t>
+            </a:r>
+            <a:r>
+              <a:rPr lang="en-US" dirty="0" smtClean="0">
                 <a:solidFill>
                   <a:srgbClr val="122956"/>
                 </a:solidFill>
@@ -2580,7 +2749,7 @@
                 <a:cs typeface="Lucida Grande" charset="0"/>
                 <a:sym typeface="Lucida Grande" charset="0"/>
               </a:rPr>
-              <a:t>nav</a:t>
+              <a:t>worth noting that once you decide to use custom navigation components,</a:t>
             </a:r>
             <a:r>
               <a:rPr lang="en-US" baseline="0" dirty="0" smtClean="0">
@@ -2592,9 +2761,363 @@
                 <a:cs typeface="Lucida Grande" charset="0"/>
                 <a:sym typeface="Lucida Grande" charset="0"/>
               </a:rPr>
-              <a:t> bar component/API - </a:t>
-            </a:r>
-            <a:endParaRPr lang="en-US" dirty="0">
+              <a:t> you lose A LOT of built-in behavior – sliding behavior, back button behavior, </a:t>
+            </a:r>
+            <a:r>
+              <a:rPr lang="en-US" baseline="0" dirty="0" err="1" smtClean="0">
+                <a:solidFill>
+                  <a:srgbClr val="122956"/>
+                </a:solidFill>
+                <a:latin typeface="Lucida Grande" charset="0"/>
+                <a:ea typeface="ＭＳ Ｐゴシック" charset="0"/>
+                <a:cs typeface="Lucida Grande" charset="0"/>
+                <a:sym typeface="Lucida Grande" charset="0"/>
+              </a:rPr>
+              <a:t>currentTab</a:t>
+            </a:r>
+            <a:r>
+              <a:rPr lang="en-US" baseline="0" dirty="0" smtClean="0">
+                <a:solidFill>
+                  <a:srgbClr val="122956"/>
+                </a:solidFill>
+                <a:latin typeface="Lucida Grande" charset="0"/>
+                <a:ea typeface="ＭＳ Ｐゴシック" charset="0"/>
+                <a:cs typeface="Lucida Grande" charset="0"/>
+                <a:sym typeface="Lucida Grande" charset="0"/>
+              </a:rPr>
+              <a:t>/</a:t>
+            </a:r>
+            <a:r>
+              <a:rPr lang="en-US" baseline="0" dirty="0" err="1" smtClean="0">
+                <a:solidFill>
+                  <a:srgbClr val="122956"/>
+                </a:solidFill>
+                <a:latin typeface="Lucida Grande" charset="0"/>
+                <a:ea typeface="ＭＳ Ｐゴシック" charset="0"/>
+                <a:cs typeface="Lucida Grande" charset="0"/>
+                <a:sym typeface="Lucida Grande" charset="0"/>
+              </a:rPr>
+              <a:t>currentWindow</a:t>
+            </a:r>
+            <a:r>
+              <a:rPr lang="en-US" baseline="0" dirty="0" smtClean="0">
+                <a:solidFill>
+                  <a:srgbClr val="122956"/>
+                </a:solidFill>
+                <a:latin typeface="Lucida Grande" charset="0"/>
+                <a:ea typeface="ＭＳ Ｐゴシック" charset="0"/>
+                <a:cs typeface="Lucida Grande" charset="0"/>
+                <a:sym typeface="Lucida Grande" charset="0"/>
+              </a:rPr>
+              <a:t>, etc</a:t>
+            </a:r>
+            <a:r>
+              <a:rPr lang="en-US" baseline="0" dirty="0" smtClean="0">
+                <a:solidFill>
+                  <a:srgbClr val="122956"/>
+                </a:solidFill>
+                <a:latin typeface="Lucida Grande" charset="0"/>
+                <a:ea typeface="ＭＳ Ｐゴシック" charset="0"/>
+                <a:cs typeface="Lucida Grande" charset="0"/>
+                <a:sym typeface="Lucida Grande" charset="0"/>
+              </a:rPr>
+              <a:t>.</a:t>
+            </a:r>
+          </a:p>
+          <a:p>
+            <a:pPr marL="420688" indent="-341313" eaLnBrk="1" hangingPunct="1">
+              <a:spcBef>
+                <a:spcPts val="600"/>
+              </a:spcBef>
+              <a:tabLst>
+                <a:tab pos="114300" algn="l"/>
+                <a:tab pos="990600" algn="l"/>
+                <a:tab pos="1905000" algn="l"/>
+                <a:tab pos="2819400" algn="l"/>
+                <a:tab pos="3733800" algn="l"/>
+                <a:tab pos="4648200" algn="l"/>
+                <a:tab pos="5562600" algn="l"/>
+              </a:tabLst>
+            </a:pPr>
+            <a:r>
+              <a:rPr lang="en-US" baseline="0" dirty="0" smtClean="0">
+                <a:solidFill>
+                  <a:srgbClr val="122956"/>
+                </a:solidFill>
+                <a:latin typeface="Lucida Grande" charset="0"/>
+                <a:ea typeface="ＭＳ Ｐゴシック" charset="0"/>
+                <a:cs typeface="Lucida Grande" charset="0"/>
+                <a:sym typeface="Lucida Grande" charset="0"/>
+              </a:rPr>
+              <a:t>You have to implement all that functionality</a:t>
+            </a:r>
+            <a:endParaRPr lang="en-US" baseline="0" dirty="0" smtClean="0">
+              <a:solidFill>
+                <a:srgbClr val="122956"/>
+              </a:solidFill>
+              <a:latin typeface="Lucida Grande" charset="0"/>
+              <a:ea typeface="ＭＳ Ｐゴシック" charset="0"/>
+              <a:cs typeface="Lucida Grande" charset="0"/>
+              <a:sym typeface="Lucida Grande" charset="0"/>
+            </a:endParaRPr>
+          </a:p>
+          <a:p>
+            <a:pPr marL="420688" indent="-341313" eaLnBrk="1" hangingPunct="1">
+              <a:spcBef>
+                <a:spcPts val="600"/>
+              </a:spcBef>
+              <a:tabLst>
+                <a:tab pos="114300" algn="l"/>
+                <a:tab pos="990600" algn="l"/>
+                <a:tab pos="1905000" algn="l"/>
+                <a:tab pos="2819400" algn="l"/>
+                <a:tab pos="3733800" algn="l"/>
+                <a:tab pos="4648200" algn="l"/>
+                <a:tab pos="5562600" algn="l"/>
+              </a:tabLst>
+            </a:pPr>
+            <a:endParaRPr lang="en-US" baseline="0" dirty="0" smtClean="0">
+              <a:solidFill>
+                <a:srgbClr val="122956"/>
+              </a:solidFill>
+              <a:latin typeface="Lucida Grande" charset="0"/>
+              <a:ea typeface="ＭＳ Ｐゴシック" charset="0"/>
+              <a:cs typeface="Lucida Grande" charset="0"/>
+              <a:sym typeface="Lucida Grande" charset="0"/>
+            </a:endParaRPr>
+          </a:p>
+          <a:p>
+            <a:pPr marL="420688" indent="-341313" eaLnBrk="1" hangingPunct="1">
+              <a:spcBef>
+                <a:spcPts val="600"/>
+              </a:spcBef>
+              <a:tabLst>
+                <a:tab pos="114300" algn="l"/>
+                <a:tab pos="990600" algn="l"/>
+                <a:tab pos="1905000" algn="l"/>
+                <a:tab pos="2819400" algn="l"/>
+                <a:tab pos="3733800" algn="l"/>
+                <a:tab pos="4648200" algn="l"/>
+                <a:tab pos="5562600" algn="l"/>
+              </a:tabLst>
+            </a:pPr>
+            <a:r>
+              <a:rPr lang="en-US" baseline="0" dirty="0" smtClean="0">
+                <a:solidFill>
+                  <a:srgbClr val="122956"/>
+                </a:solidFill>
+                <a:latin typeface="Lucida Grande" charset="0"/>
+                <a:ea typeface="ＭＳ Ｐゴシック" charset="0"/>
+                <a:cs typeface="Lucida Grande" charset="0"/>
+                <a:sym typeface="Lucida Grande" charset="0"/>
+              </a:rPr>
+              <a:t>Do a quick demo of a custom </a:t>
+            </a:r>
+            <a:r>
+              <a:rPr lang="en-US" baseline="0" dirty="0" err="1" smtClean="0">
+                <a:solidFill>
+                  <a:srgbClr val="122956"/>
+                </a:solidFill>
+                <a:latin typeface="Lucida Grande" charset="0"/>
+                <a:ea typeface="ＭＳ Ｐゴシック" charset="0"/>
+                <a:cs typeface="Lucida Grande" charset="0"/>
+                <a:sym typeface="Lucida Grande" charset="0"/>
+              </a:rPr>
+              <a:t>nav</a:t>
+            </a:r>
+            <a:r>
+              <a:rPr lang="en-US" baseline="0" dirty="0" smtClean="0">
+                <a:solidFill>
+                  <a:srgbClr val="122956"/>
+                </a:solidFill>
+                <a:latin typeface="Lucida Grande" charset="0"/>
+                <a:ea typeface="ＭＳ Ｐゴシック" charset="0"/>
+                <a:cs typeface="Lucida Grande" charset="0"/>
+                <a:sym typeface="Lucida Grande" charset="0"/>
+              </a:rPr>
+              <a:t> bar component/API </a:t>
+            </a:r>
+            <a:r>
+              <a:rPr lang="en-US" baseline="0" dirty="0" smtClean="0">
+                <a:solidFill>
+                  <a:srgbClr val="122956"/>
+                </a:solidFill>
+                <a:latin typeface="Lucida Grande" charset="0"/>
+                <a:ea typeface="ＭＳ Ｐゴシック" charset="0"/>
+                <a:cs typeface="Lucida Grande" charset="0"/>
+                <a:sym typeface="Lucida Grande" charset="0"/>
+              </a:rPr>
+              <a:t>– </a:t>
+            </a:r>
+          </a:p>
+          <a:p>
+            <a:pPr marL="420688" indent="-341313" eaLnBrk="1" hangingPunct="1">
+              <a:spcBef>
+                <a:spcPts val="600"/>
+              </a:spcBef>
+              <a:buFont typeface="+mj-lt"/>
+              <a:buAutoNum type="arabicPeriod"/>
+              <a:tabLst>
+                <a:tab pos="114300" algn="l"/>
+                <a:tab pos="990600" algn="l"/>
+                <a:tab pos="1905000" algn="l"/>
+                <a:tab pos="2819400" algn="l"/>
+                <a:tab pos="3733800" algn="l"/>
+                <a:tab pos="4648200" algn="l"/>
+                <a:tab pos="5562600" algn="l"/>
+              </a:tabLst>
+            </a:pPr>
+            <a:r>
+              <a:rPr lang="en-US" baseline="0" dirty="0" smtClean="0">
+                <a:solidFill>
+                  <a:srgbClr val="122956"/>
+                </a:solidFill>
+                <a:latin typeface="Lucida Grande" charset="0"/>
+                <a:ea typeface="ＭＳ Ｐゴシック" charset="0"/>
+                <a:cs typeface="Lucida Grande" charset="0"/>
+                <a:sym typeface="Lucida Grande" charset="0"/>
+              </a:rPr>
+              <a:t>Create New project and delete contents of </a:t>
+            </a:r>
+            <a:r>
+              <a:rPr lang="en-US" baseline="0" dirty="0" err="1" smtClean="0">
+                <a:solidFill>
+                  <a:srgbClr val="122956"/>
+                </a:solidFill>
+                <a:latin typeface="Lucida Grande" charset="0"/>
+                <a:ea typeface="ＭＳ Ｐゴシック" charset="0"/>
+                <a:cs typeface="Lucida Grande" charset="0"/>
+                <a:sym typeface="Lucida Grande" charset="0"/>
+              </a:rPr>
+              <a:t>app.js</a:t>
+            </a:r>
+            <a:endParaRPr lang="en-US" baseline="0" dirty="0" smtClean="0">
+              <a:solidFill>
+                <a:srgbClr val="122956"/>
+              </a:solidFill>
+              <a:latin typeface="Lucida Grande" charset="0"/>
+              <a:ea typeface="ＭＳ Ｐゴシック" charset="0"/>
+              <a:cs typeface="Lucida Grande" charset="0"/>
+              <a:sym typeface="Lucida Grande" charset="0"/>
+            </a:endParaRPr>
+          </a:p>
+          <a:p>
+            <a:pPr marL="420688" indent="-341313" eaLnBrk="1" hangingPunct="1">
+              <a:spcBef>
+                <a:spcPts val="600"/>
+              </a:spcBef>
+              <a:buFont typeface="+mj-lt"/>
+              <a:buAutoNum type="arabicPeriod"/>
+              <a:tabLst>
+                <a:tab pos="114300" algn="l"/>
+                <a:tab pos="990600" algn="l"/>
+                <a:tab pos="1905000" algn="l"/>
+                <a:tab pos="2819400" algn="l"/>
+                <a:tab pos="3733800" algn="l"/>
+                <a:tab pos="4648200" algn="l"/>
+                <a:tab pos="5562600" algn="l"/>
+              </a:tabLst>
+            </a:pPr>
+            <a:r>
+              <a:rPr lang="en-US" baseline="0" dirty="0" smtClean="0">
+                <a:solidFill>
+                  <a:srgbClr val="122956"/>
+                </a:solidFill>
+                <a:latin typeface="Lucida Grande" charset="0"/>
+                <a:ea typeface="ＭＳ Ｐゴシック" charset="0"/>
+                <a:cs typeface="Lucida Grande" charset="0"/>
+                <a:sym typeface="Lucida Grande" charset="0"/>
+              </a:rPr>
+              <a:t>Add the code from </a:t>
+            </a:r>
+            <a:r>
+              <a:rPr lang="en-US" b="1" baseline="0" dirty="0" smtClean="0">
+                <a:solidFill>
+                  <a:srgbClr val="122956"/>
+                </a:solidFill>
+                <a:latin typeface="Lucida Grande" charset="0"/>
+                <a:ea typeface="ＭＳ Ｐゴシック" charset="0"/>
+                <a:cs typeface="Lucida Grande" charset="0"/>
+                <a:sym typeface="Lucida Grande" charset="0"/>
+              </a:rPr>
+              <a:t>Module 315 demo </a:t>
+            </a:r>
+            <a:r>
+              <a:rPr lang="en-US" b="1" baseline="0" dirty="0" err="1" smtClean="0">
+                <a:solidFill>
+                  <a:srgbClr val="122956"/>
+                </a:solidFill>
+                <a:latin typeface="Lucida Grande" charset="0"/>
+                <a:ea typeface="ＭＳ Ｐゴシック" charset="0"/>
+                <a:cs typeface="Lucida Grande" charset="0"/>
+                <a:sym typeface="Lucida Grande" charset="0"/>
+              </a:rPr>
+              <a:t>app.js</a:t>
+            </a:r>
+            <a:r>
+              <a:rPr lang="en-US" b="1" baseline="0" dirty="0" smtClean="0">
+                <a:solidFill>
+                  <a:srgbClr val="122956"/>
+                </a:solidFill>
+                <a:latin typeface="Lucida Grande" charset="0"/>
+                <a:ea typeface="ＭＳ Ｐゴシック" charset="0"/>
+                <a:cs typeface="Lucida Grande" charset="0"/>
+                <a:sym typeface="Lucida Grande" charset="0"/>
+              </a:rPr>
+              <a:t> </a:t>
+            </a:r>
+            <a:r>
+              <a:rPr lang="en-US" b="1" baseline="0" dirty="0" err="1" smtClean="0">
+                <a:solidFill>
+                  <a:srgbClr val="122956"/>
+                </a:solidFill>
+                <a:latin typeface="Lucida Grande" charset="0"/>
+                <a:ea typeface="ＭＳ Ｐゴシック" charset="0"/>
+                <a:cs typeface="Lucida Grande" charset="0"/>
+                <a:sym typeface="Lucida Grande" charset="0"/>
+              </a:rPr>
+              <a:t>file.txt</a:t>
+            </a:r>
+            <a:endParaRPr lang="en-US" b="1" baseline="0" dirty="0" smtClean="0">
+              <a:solidFill>
+                <a:srgbClr val="122956"/>
+              </a:solidFill>
+              <a:latin typeface="Lucida Grande" charset="0"/>
+              <a:ea typeface="ＭＳ Ｐゴシック" charset="0"/>
+              <a:cs typeface="Lucida Grande" charset="0"/>
+              <a:sym typeface="Lucida Grande" charset="0"/>
+            </a:endParaRPr>
+          </a:p>
+          <a:p>
+            <a:pPr marL="420688" indent="-341313" eaLnBrk="1" hangingPunct="1">
+              <a:spcBef>
+                <a:spcPts val="600"/>
+              </a:spcBef>
+              <a:buFont typeface="+mj-lt"/>
+              <a:buAutoNum type="arabicPeriod"/>
+              <a:tabLst>
+                <a:tab pos="114300" algn="l"/>
+                <a:tab pos="990600" algn="l"/>
+                <a:tab pos="1905000" algn="l"/>
+                <a:tab pos="2819400" algn="l"/>
+                <a:tab pos="3733800" algn="l"/>
+                <a:tab pos="4648200" algn="l"/>
+                <a:tab pos="5562600" algn="l"/>
+              </a:tabLst>
+            </a:pPr>
+            <a:r>
+              <a:rPr lang="en-US" b="0" baseline="0" dirty="0" smtClean="0">
+                <a:solidFill>
+                  <a:srgbClr val="122956"/>
+                </a:solidFill>
+                <a:latin typeface="Lucida Grande" charset="0"/>
+                <a:ea typeface="ＭＳ Ｐゴシック" charset="0"/>
+                <a:cs typeface="Lucida Grande" charset="0"/>
+                <a:sym typeface="Lucida Grande" charset="0"/>
+              </a:rPr>
+              <a:t>Explain how the custom component is built and used, relate to how you’d use this type of technique to build your apps</a:t>
+            </a:r>
+            <a:endParaRPr lang="en-US" b="0" dirty="0">
               <a:solidFill>
                 <a:srgbClr val="122956"/>
               </a:solidFill>
@@ -3024,7 +3547,7 @@
               <a:pPr>
                 <a:defRPr/>
               </a:pPr>
-              <a:t>7/17/11</a:t>
+              <a:t>7/21/11</a:t>
             </a:fld>
             <a:endParaRPr lang="en-US"/>
           </a:p>
@@ -3440,7 +3963,7 @@
               <a:pPr>
                 <a:defRPr/>
               </a:pPr>
-              <a:t>7/17/11</a:t>
+              <a:t>7/21/11</a:t>
             </a:fld>
             <a:endParaRPr lang="en-US"/>
           </a:p>
@@ -4160,7 +4683,7 @@
               <a:pPr>
                 <a:defRPr/>
               </a:pPr>
-              <a:t>7/17/11</a:t>
+              <a:t>7/21/11</a:t>
             </a:fld>
             <a:endParaRPr lang="en-US"/>
           </a:p>
@@ -4713,7 +5236,7 @@
               <a:pPr>
                 <a:defRPr/>
               </a:pPr>
-              <a:t>7/17/11</a:t>
+              <a:t>7/21/11</a:t>
             </a:fld>
             <a:endParaRPr lang="en-US"/>
           </a:p>
@@ -5064,7 +5587,7 @@
               <a:pPr>
                 <a:defRPr/>
               </a:pPr>
-              <a:t>7/17/11</a:t>
+              <a:t>7/21/11</a:t>
             </a:fld>
             <a:endParaRPr lang="en-US"/>
           </a:p>
@@ -5422,7 +5945,7 @@
               <a:pPr>
                 <a:defRPr/>
               </a:pPr>
-              <a:t>7/17/11</a:t>
+              <a:t>7/21/11</a:t>
             </a:fld>
             <a:endParaRPr lang="en-US"/>
           </a:p>
@@ -5657,7 +6180,7 @@
               <a:pPr>
                 <a:defRPr/>
               </a:pPr>
-              <a:t>7/17/11</a:t>
+              <a:t>7/21/11</a:t>
             </a:fld>
             <a:endParaRPr lang="en-US"/>
           </a:p>
@@ -5949,7 +6472,7 @@
               <a:pPr>
                 <a:defRPr/>
               </a:pPr>
-              <a:t>7/17/11</a:t>
+              <a:t>7/21/11</a:t>
             </a:fld>
             <a:endParaRPr lang="en-US"/>
           </a:p>

--- a/315.pptx
+++ b/315.pptx
@@ -5,7 +5,7 @@
     <p:sldMasterId id="2147483816" r:id="rId1"/>
   </p:sldMasterIdLst>
   <p:notesMasterIdLst>
-    <p:notesMasterId r:id="rId13"/>
+    <p:notesMasterId r:id="rId14"/>
   </p:notesMasterIdLst>
   <p:sldIdLst>
     <p:sldId id="256" r:id="rId2"/>
@@ -18,7 +18,8 @@
     <p:sldId id="331" r:id="rId9"/>
     <p:sldId id="341" r:id="rId10"/>
     <p:sldId id="327" r:id="rId11"/>
-    <p:sldId id="328" r:id="rId12"/>
+    <p:sldId id="342" r:id="rId12"/>
+    <p:sldId id="328" r:id="rId13"/>
   </p:sldIdLst>
   <p:sldSz cx="9144000" cy="6858000" type="screen4x3"/>
   <p:notesSz cx="6858000" cy="9144000"/>
@@ -744,6 +745,117 @@
       </p:grpSpPr>
       <p:sp>
         <p:nvSpPr>
+          <p:cNvPr id="2" name="Slide Image Placeholder 1"/>
+          <p:cNvSpPr>
+            <a:spLocks noGrp="1" noRot="1" noChangeAspect="1"/>
+          </p:cNvSpPr>
+          <p:nvPr>
+            <p:ph type="sldImg"/>
+          </p:nvPr>
+        </p:nvSpPr>
+        <p:spPr/>
+      </p:sp>
+      <p:sp>
+        <p:nvSpPr>
+          <p:cNvPr id="3" name="Notes Placeholder 2"/>
+          <p:cNvSpPr>
+            <a:spLocks noGrp="1"/>
+          </p:cNvSpPr>
+          <p:nvPr>
+            <p:ph type="body" idx="1"/>
+          </p:nvPr>
+        </p:nvSpPr>
+        <p:spPr/>
+        <p:txBody>
+          <a:bodyPr/>
+          <a:lstStyle/>
+          <a:p>
+            <a:pPr marL="119063" eaLnBrk="1" hangingPunct="1">
+              <a:spcBef>
+                <a:spcPts val="450"/>
+              </a:spcBef>
+            </a:pPr>
+            <a:endParaRPr lang="en-US" baseline="0" dirty="0" smtClean="0">
+              <a:solidFill>
+                <a:srgbClr val="000000"/>
+              </a:solidFill>
+              <a:latin typeface="Times New Roman" charset="0"/>
+              <a:ea typeface="ＭＳ Ｐゴシック" charset="0"/>
+              <a:cs typeface="Times New Roman" charset="0"/>
+              <a:sym typeface="Times New Roman" charset="0"/>
+            </a:endParaRPr>
+          </a:p>
+        </p:txBody>
+      </p:sp>
+      <p:sp>
+        <p:nvSpPr>
+          <p:cNvPr id="4" name="Slide Number Placeholder 3"/>
+          <p:cNvSpPr>
+            <a:spLocks noGrp="1"/>
+          </p:cNvSpPr>
+          <p:nvPr>
+            <p:ph type="sldNum" sz="quarter" idx="10"/>
+          </p:nvPr>
+        </p:nvSpPr>
+        <p:spPr>
+          <a:xfrm>
+            <a:off x="3884613" y="8685213"/>
+            <a:ext cx="2971800" cy="457200"/>
+          </a:xfrm>
+          <a:prstGeom prst="rect">
+            <a:avLst/>
+          </a:prstGeom>
+        </p:spPr>
+        <p:txBody>
+          <a:bodyPr/>
+          <a:lstStyle/>
+          <a:p>
+            <a:pPr>
+              <a:defRPr/>
+            </a:pPr>
+            <a:fld id="{C704D923-8FB6-2040-A5D7-BD75ED8E8368}" type="slidenum">
+              <a:rPr lang="en-US" smtClean="0"/>
+              <a:pPr>
+                <a:defRPr/>
+              </a:pPr>
+              <a:t>11</a:t>
+            </a:fld>
+            <a:endParaRPr lang="en-US"/>
+          </a:p>
+        </p:txBody>
+      </p:sp>
+    </p:spTree>
+    <p:extLst>
+      <p:ext uri="{BB962C8B-B14F-4D97-AF65-F5344CB8AC3E}">
+        <p14:creationId xmlns:p14="http://schemas.microsoft.com/office/powerpoint/2010/main" val="2440708566"/>
+      </p:ext>
+    </p:extLst>
+  </p:cSld>
+  <p:clrMapOvr>
+    <a:masterClrMapping/>
+  </p:clrMapOvr>
+</p:notes>
+</file>
+
+<file path=ppt/notesSlides/notesSlide12.xml><?xml version="1.0" encoding="utf-8"?>
+<p:notes xmlns:a="http://schemas.openxmlformats.org/drawingml/2006/main" xmlns:r="http://schemas.openxmlformats.org/officeDocument/2006/relationships" xmlns:p="http://schemas.openxmlformats.org/presentationml/2006/main">
+  <p:cSld>
+    <p:spTree>
+      <p:nvGrpSpPr>
+        <p:cNvPr id="1" name=""/>
+        <p:cNvGrpSpPr/>
+        <p:nvPr/>
+      </p:nvGrpSpPr>
+      <p:grpSpPr>
+        <a:xfrm>
+          <a:off x="0" y="0"/>
+          <a:ext cx="0" cy="0"/>
+          <a:chOff x="0" y="0"/>
+          <a:chExt cx="0" cy="0"/>
+        </a:xfrm>
+      </p:grpSpPr>
+      <p:sp>
+        <p:nvSpPr>
           <p:cNvPr id="17409" name="Rectangle 1"/>
           <p:cNvSpPr>
             <a:spLocks noGrp="1" noRot="1" noChangeAspect="1" noChangeArrowheads="1"/>
@@ -802,7 +914,7 @@
               </a:spcBef>
             </a:pPr>
             <a:r>
-              <a:rPr lang="en-US" dirty="0" smtClean="0">
+              <a:rPr lang="en-US" baseline="0" dirty="0" smtClean="0">
                 <a:solidFill>
                   <a:srgbClr val="000000"/>
                 </a:solidFill>
@@ -811,7 +923,7 @@
                 <a:cs typeface="Times New Roman" charset="0"/>
                 <a:sym typeface="Times New Roman" charset="0"/>
               </a:rPr>
-              <a:t>For the lab, we will be remixing</a:t>
+              <a:t>Walk </a:t>
             </a:r>
             <a:r>
               <a:rPr lang="en-US" baseline="0" dirty="0" smtClean="0">
@@ -823,78 +935,7 @@
                 <a:cs typeface="Times New Roman" charset="0"/>
                 <a:sym typeface="Times New Roman" charset="0"/>
               </a:rPr>
-              <a:t> </a:t>
-            </a:r>
-            <a:r>
-              <a:rPr lang="en-US" baseline="0" dirty="0" err="1" smtClean="0">
-                <a:solidFill>
-                  <a:srgbClr val="000000"/>
-                </a:solidFill>
-                <a:latin typeface="Times New Roman" charset="0"/>
-                <a:ea typeface="ＭＳ Ｐゴシック" charset="0"/>
-                <a:cs typeface="Times New Roman" charset="0"/>
-                <a:sym typeface="Times New Roman" charset="0"/>
-              </a:rPr>
-              <a:t>TiBountyHunter</a:t>
-            </a:r>
-            <a:r>
-              <a:rPr lang="en-US" baseline="0" dirty="0" smtClean="0">
-                <a:solidFill>
-                  <a:srgbClr val="000000"/>
-                </a:solidFill>
-                <a:latin typeface="Times New Roman" charset="0"/>
-                <a:ea typeface="ＭＳ Ｐゴシック" charset="0"/>
-                <a:cs typeface="Times New Roman" charset="0"/>
-                <a:sym typeface="Times New Roman" charset="0"/>
-              </a:rPr>
-              <a:t> to have a more strongly branded UI, including a custom tab bar and custom navigation.  For the first time, we’ll really need to pursue a fairly unique window management approach per-platform</a:t>
-            </a:r>
-            <a:r>
-              <a:rPr lang="en-US" baseline="0" dirty="0" smtClean="0">
-                <a:solidFill>
-                  <a:srgbClr val="000000"/>
-                </a:solidFill>
-                <a:latin typeface="Times New Roman" charset="0"/>
-                <a:ea typeface="ＭＳ Ｐゴシック" charset="0"/>
-                <a:cs typeface="Times New Roman" charset="0"/>
-                <a:sym typeface="Times New Roman" charset="0"/>
-              </a:rPr>
-              <a:t>.</a:t>
-            </a:r>
-          </a:p>
-          <a:p>
-            <a:pPr marL="119063" eaLnBrk="1" hangingPunct="1">
-              <a:spcBef>
-                <a:spcPts val="450"/>
-              </a:spcBef>
-            </a:pPr>
-            <a:endParaRPr lang="en-US" baseline="0" dirty="0" smtClean="0">
-              <a:solidFill>
-                <a:srgbClr val="000000"/>
-              </a:solidFill>
-              <a:latin typeface="Times New Roman" charset="0"/>
-              <a:ea typeface="ＭＳ Ｐゴシック" charset="0"/>
-              <a:cs typeface="Times New Roman" charset="0"/>
-              <a:sym typeface="Times New Roman" charset="0"/>
-            </a:endParaRPr>
-          </a:p>
-          <a:p>
-            <a:pPr marL="119063" eaLnBrk="1" hangingPunct="1">
-              <a:spcBef>
-                <a:spcPts val="450"/>
-              </a:spcBef>
-            </a:pPr>
-            <a:r>
-              <a:rPr lang="en-US" baseline="0" dirty="0" smtClean="0">
-                <a:solidFill>
-                  <a:srgbClr val="000000"/>
-                </a:solidFill>
-                <a:latin typeface="Times New Roman" charset="0"/>
-                <a:ea typeface="ＭＳ Ｐゴシック" charset="0"/>
-                <a:cs typeface="Times New Roman" charset="0"/>
-                <a:sym typeface="Times New Roman" charset="0"/>
-              </a:rPr>
-              <a:t>walk through the finished code</a:t>
+              <a:t>through the finished code</a:t>
             </a:r>
           </a:p>
           <a:p>
@@ -937,19 +978,7 @@
                 <a:cs typeface="Times New Roman" charset="0"/>
                 <a:sym typeface="Times New Roman" charset="0"/>
               </a:rPr>
-              <a:t> </a:t>
-            </a:r>
-            <a:r>
-              <a:rPr lang="en-US" baseline="0" smtClean="0">
-                <a:solidFill>
-                  <a:srgbClr val="000000"/>
-                </a:solidFill>
-                <a:latin typeface="Times New Roman" charset="0"/>
-                <a:ea typeface="ＭＳ Ｐゴシック" charset="0"/>
-                <a:cs typeface="Times New Roman" charset="0"/>
-                <a:sym typeface="Times New Roman" charset="0"/>
-              </a:rPr>
-              <a:t>custom component code</a:t>
+              <a:t> custom component code</a:t>
             </a:r>
             <a:endParaRPr lang="en-US" dirty="0">
               <a:solidFill>
@@ -1116,19 +1145,7 @@
                 <a:cs typeface="Lucida Grande" charset="0"/>
                 <a:sym typeface="Lucida Grande" charset="0"/>
               </a:rPr>
-              <a:t>Quick </a:t>
-            </a:r>
-            <a:r>
-              <a:rPr lang="en-US" dirty="0" smtClean="0">
-                <a:solidFill>
-                  <a:srgbClr val="000000"/>
-                </a:solidFill>
-                <a:latin typeface="Lucida Grande" charset="0"/>
-                <a:ea typeface="ＭＳ Ｐゴシック" charset="0"/>
-                <a:cs typeface="Lucida Grande" charset="0"/>
-                <a:sym typeface="Lucida Grande" charset="0"/>
-              </a:rPr>
-              <a:t>overview of building a good app. More and more apps are adopting a custom tab bar as</a:t>
+              <a:t>Quick overview of building a good app. More and more apps are adopting a custom tab bar as</a:t>
             </a:r>
             <a:r>
               <a:rPr lang="en-US" baseline="0" dirty="0" smtClean="0">
@@ -2737,19 +2754,7 @@
                 <a:cs typeface="Lucida Grande" charset="0"/>
                 <a:sym typeface="Lucida Grande" charset="0"/>
               </a:rPr>
-              <a:t>It’s </a:t>
-            </a:r>
-            <a:r>
-              <a:rPr lang="en-US" dirty="0" smtClean="0">
-                <a:solidFill>
-                  <a:srgbClr val="122956"/>
-                </a:solidFill>
-                <a:latin typeface="Lucida Grande" charset="0"/>
-                <a:ea typeface="ＭＳ Ｐゴシック" charset="0"/>
-                <a:cs typeface="Lucida Grande" charset="0"/>
-                <a:sym typeface="Lucida Grande" charset="0"/>
-              </a:rPr>
-              <a:t>worth noting that once you decide to use custom navigation components,</a:t>
+              <a:t>It’s worth noting that once you decide to use custom navigation components,</a:t>
             </a:r>
             <a:r>
               <a:rPr lang="en-US" baseline="0" dirty="0" smtClean="0">
@@ -2809,19 +2814,7 @@
                 <a:cs typeface="Lucida Grande" charset="0"/>
                 <a:sym typeface="Lucida Grande" charset="0"/>
               </a:rPr>
-              <a:t>, etc</a:t>
-            </a:r>
-            <a:r>
-              <a:rPr lang="en-US" baseline="0" dirty="0" smtClean="0">
-                <a:solidFill>
-                  <a:srgbClr val="122956"/>
-                </a:solidFill>
-                <a:latin typeface="Lucida Grande" charset="0"/>
-                <a:ea typeface="ＭＳ Ｐゴシック" charset="0"/>
-                <a:cs typeface="Lucida Grande" charset="0"/>
-                <a:sym typeface="Lucida Grande" charset="0"/>
-              </a:rPr>
-              <a:t>.</a:t>
+              <a:t>, etc.</a:t>
             </a:r>
           </a:p>
           <a:p>
@@ -2851,15 +2844,6 @@
               </a:rPr>
               <a:t>You have to implement all that functionality</a:t>
             </a:r>
-            <a:endParaRPr lang="en-US" baseline="0" dirty="0" smtClean="0">
-              <a:solidFill>
-                <a:srgbClr val="122956"/>
-              </a:solidFill>
-              <a:latin typeface="Lucida Grande" charset="0"/>
-              <a:ea typeface="ＭＳ Ｐゴシック" charset="0"/>
-              <a:cs typeface="Lucida Grande" charset="0"/>
-              <a:sym typeface="Lucida Grande" charset="0"/>
-            </a:endParaRPr>
           </a:p>
           <a:p>
             <a:pPr marL="420688" indent="-341313" eaLnBrk="1" hangingPunct="1">
@@ -2935,19 +2919,7 @@
                 <a:cs typeface="Lucida Grande" charset="0"/>
                 <a:sym typeface="Lucida Grande" charset="0"/>
               </a:rPr>
-              <a:t> bar component/API </a:t>
-            </a:r>
-            <a:r>
-              <a:rPr lang="en-US" baseline="0" dirty="0" smtClean="0">
-                <a:solidFill>
-                  <a:srgbClr val="122956"/>
-                </a:solidFill>
-                <a:latin typeface="Lucida Grande" charset="0"/>
-                <a:ea typeface="ＭＳ Ｐゴシック" charset="0"/>
-                <a:cs typeface="Lucida Grande" charset="0"/>
-                <a:sym typeface="Lucida Grande" charset="0"/>
-              </a:rPr>
-              <a:t>– </a:t>
+              <a:t> bar component/API – </a:t>
             </a:r>
           </a:p>
           <a:p>
@@ -7570,7 +7542,7 @@
           <a:p>
             <a:pPr algn="ctr" eaLnBrk="1" hangingPunct="1"/>
             <a:r>
-              <a:rPr lang="en-US" sz="3600" dirty="0" smtClean="0">
+              <a:rPr lang="en-US" sz="3600" i="1" dirty="0" smtClean="0">
                 <a:solidFill>
                   <a:srgbClr val="122956"/>
                 </a:solidFill>
@@ -7581,7 +7553,7 @@
               </a:rPr>
               <a:t>Q&amp;A</a:t>
             </a:r>
-            <a:endParaRPr lang="en-US" sz="1400" dirty="0">
+            <a:endParaRPr lang="en-US" sz="1400" i="1" dirty="0">
               <a:solidFill>
                 <a:srgbClr val="122956"/>
               </a:solidFill>
@@ -7615,6 +7587,177 @@
 </file>
 
 <file path=ppt/slides/slide11.xml><?xml version="1.0" encoding="utf-8"?>
+<p:sld xmlns:a="http://schemas.openxmlformats.org/drawingml/2006/main" xmlns:r="http://schemas.openxmlformats.org/officeDocument/2006/relationships" xmlns:p="http://schemas.openxmlformats.org/presentationml/2006/main">
+  <p:cSld>
+    <p:spTree>
+      <p:nvGrpSpPr>
+        <p:cNvPr id="1" name=""/>
+        <p:cNvGrpSpPr/>
+        <p:nvPr/>
+      </p:nvGrpSpPr>
+      <p:grpSpPr>
+        <a:xfrm>
+          <a:off x="0" y="0"/>
+          <a:ext cx="0" cy="0"/>
+          <a:chOff x="0" y="0"/>
+          <a:chExt cx="0" cy="0"/>
+        </a:xfrm>
+      </p:grpSpPr>
+      <p:sp>
+        <p:nvSpPr>
+          <p:cNvPr id="2" name="Title 1"/>
+          <p:cNvSpPr>
+            <a:spLocks noGrp="1"/>
+          </p:cNvSpPr>
+          <p:nvPr>
+            <p:ph type="title"/>
+          </p:nvPr>
+        </p:nvSpPr>
+        <p:spPr/>
+        <p:txBody>
+          <a:bodyPr/>
+          <a:lstStyle/>
+          <a:p>
+            <a:r>
+              <a:rPr lang="en-US" dirty="0" smtClean="0"/>
+              <a:t>Lab Goals</a:t>
+            </a:r>
+            <a:endParaRPr lang="en-US" dirty="0"/>
+          </a:p>
+        </p:txBody>
+      </p:sp>
+      <p:sp>
+        <p:nvSpPr>
+          <p:cNvPr id="3" name="Content Placeholder 2"/>
+          <p:cNvSpPr>
+            <a:spLocks noGrp="1"/>
+          </p:cNvSpPr>
+          <p:nvPr>
+            <p:ph idx="1"/>
+          </p:nvPr>
+        </p:nvSpPr>
+        <p:spPr/>
+        <p:txBody>
+          <a:bodyPr/>
+          <a:lstStyle/>
+          <a:p>
+            <a:pPr>
+              <a:spcBef>
+                <a:spcPts val="600"/>
+              </a:spcBef>
+              <a:buClrTx/>
+              <a:buFontTx/>
+              <a:buNone/>
+            </a:pPr>
+            <a:r>
+              <a:rPr lang="en-US" dirty="0" smtClean="0"/>
+              <a:t>Create custom UI components</a:t>
+            </a:r>
+          </a:p>
+          <a:p>
+            <a:pPr>
+              <a:spcBef>
+                <a:spcPts val="600"/>
+              </a:spcBef>
+              <a:buClrTx/>
+              <a:buFontTx/>
+              <a:buNone/>
+            </a:pPr>
+            <a:r>
+              <a:rPr lang="en-US" dirty="0"/>
+              <a:t>	</a:t>
+            </a:r>
+            <a:r>
+              <a:rPr lang="en-US" dirty="0" smtClean="0"/>
+              <a:t>- custom tab controller</a:t>
+            </a:r>
+          </a:p>
+          <a:p>
+            <a:pPr>
+              <a:spcBef>
+                <a:spcPts val="600"/>
+              </a:spcBef>
+              <a:buClrTx/>
+              <a:buFontTx/>
+              <a:buNone/>
+            </a:pPr>
+            <a:r>
+              <a:rPr lang="en-US" dirty="0"/>
+              <a:t>	</a:t>
+            </a:r>
+            <a:r>
+              <a:rPr lang="en-US" dirty="0" smtClean="0"/>
+              <a:t>- tab indicator with sliding animation</a:t>
+            </a:r>
+          </a:p>
+          <a:p>
+            <a:pPr>
+              <a:spcBef>
+                <a:spcPts val="600"/>
+              </a:spcBef>
+              <a:buClrTx/>
+              <a:buFontTx/>
+              <a:buNone/>
+            </a:pPr>
+            <a:r>
+              <a:rPr lang="en-US" dirty="0" smtClean="0"/>
+              <a:t>	- custom header</a:t>
+            </a:r>
+            <a:endParaRPr lang="en-US" dirty="0"/>
+          </a:p>
+          <a:p>
+            <a:pPr>
+              <a:spcBef>
+                <a:spcPts val="600"/>
+              </a:spcBef>
+              <a:buClrTx/>
+              <a:buFontTx/>
+              <a:buNone/>
+            </a:pPr>
+            <a:endParaRPr lang="en-US" dirty="0"/>
+          </a:p>
+          <a:p>
+            <a:pPr>
+              <a:spcBef>
+                <a:spcPts val="600"/>
+              </a:spcBef>
+              <a:buClrTx/>
+              <a:buFontTx/>
+              <a:buNone/>
+            </a:pPr>
+            <a:r>
+              <a:rPr lang="en-US" dirty="0" smtClean="0"/>
+              <a:t>Demo and w</a:t>
+            </a:r>
+            <a:r>
+              <a:rPr lang="en-US" dirty="0" smtClean="0"/>
+              <a:t>iki URL</a:t>
+            </a:r>
+            <a:endParaRPr lang="en-US" dirty="0"/>
+          </a:p>
+        </p:txBody>
+      </p:sp>
+    </p:spTree>
+    <p:extLst>
+      <p:ext uri="{BB962C8B-B14F-4D97-AF65-F5344CB8AC3E}">
+        <p14:creationId xmlns:p14="http://schemas.microsoft.com/office/powerpoint/2010/main" val="2628741541"/>
+      </p:ext>
+    </p:extLst>
+  </p:cSld>
+  <p:clrMapOvr>
+    <a:masterClrMapping/>
+  </p:clrMapOvr>
+  <p:timing>
+    <p:tnLst>
+      <p:par>
+        <p:cTn xmlns:p14="http://schemas.microsoft.com/office/powerpoint/2010/main" id="1" dur="indefinite" restart="never" nodeType="tmRoot"/>
+      </p:par>
+    </p:tnLst>
+  </p:timing>
+</p:sld>
+</file>
+
+<file path=ppt/slides/slide12.xml><?xml version="1.0" encoding="utf-8"?>
 <p:sld xmlns:a="http://schemas.openxmlformats.org/drawingml/2006/main" xmlns:r="http://schemas.openxmlformats.org/officeDocument/2006/relationships" xmlns:p="http://schemas.openxmlformats.org/presentationml/2006/main">
   <p:cSld>
     <p:spTree>
@@ -7707,7 +7850,7 @@
           <a:p>
             <a:pPr algn="ctr" eaLnBrk="1" hangingPunct="1"/>
             <a:r>
-              <a:rPr lang="en-US" sz="3600" dirty="0" smtClean="0">
+              <a:rPr lang="en-US" sz="3600" i="1" dirty="0" smtClean="0">
                 <a:solidFill>
                   <a:srgbClr val="122956"/>
                 </a:solidFill>
@@ -7718,7 +7861,7 @@
               </a:rPr>
               <a:t>Lab</a:t>
             </a:r>
-            <a:endParaRPr lang="en-US" sz="1400" dirty="0">
+            <a:endParaRPr lang="en-US" sz="1400" i="1" dirty="0">
               <a:solidFill>
                 <a:srgbClr val="122956"/>
               </a:solidFill>

--- a/315.pptx
+++ b/315.pptx
@@ -923,19 +923,7 @@
                 <a:cs typeface="Times New Roman" charset="0"/>
                 <a:sym typeface="Times New Roman" charset="0"/>
               </a:rPr>
-              <a:t>Walk </a:t>
-            </a:r>
-            <a:r>
-              <a:rPr lang="en-US" baseline="0" dirty="0" smtClean="0">
-                <a:solidFill>
-                  <a:srgbClr val="000000"/>
-                </a:solidFill>
-                <a:latin typeface="Times New Roman" charset="0"/>
-                <a:ea typeface="ＭＳ Ｐゴシック" charset="0"/>
-                <a:cs typeface="Times New Roman" charset="0"/>
-                <a:sym typeface="Times New Roman" charset="0"/>
-              </a:rPr>
-              <a:t>through the finished code</a:t>
+              <a:t>Walk through the finished code</a:t>
             </a:r>
           </a:p>
           <a:p>
@@ -978,7 +966,433 @@
                 <a:cs typeface="Times New Roman" charset="0"/>
                 <a:sym typeface="Times New Roman" charset="0"/>
               </a:rPr>
-              <a:t> custom component code</a:t>
+              <a:t> custom component </a:t>
+            </a:r>
+            <a:r>
+              <a:rPr lang="en-US" baseline="0" dirty="0" smtClean="0">
+                <a:solidFill>
+                  <a:srgbClr val="000000"/>
+                </a:solidFill>
+                <a:latin typeface="Times New Roman" charset="0"/>
+                <a:ea typeface="ＭＳ Ｐゴシック" charset="0"/>
+                <a:cs typeface="Times New Roman" charset="0"/>
+                <a:sym typeface="Times New Roman" charset="0"/>
+              </a:rPr>
+              <a:t>code</a:t>
+            </a:r>
+          </a:p>
+          <a:p>
+            <a:pPr marL="119063" eaLnBrk="1" hangingPunct="1">
+              <a:spcBef>
+                <a:spcPts val="450"/>
+              </a:spcBef>
+            </a:pPr>
+            <a:endParaRPr lang="en-US" baseline="0" dirty="0" smtClean="0">
+              <a:solidFill>
+                <a:srgbClr val="000000"/>
+              </a:solidFill>
+              <a:latin typeface="Times New Roman" charset="0"/>
+              <a:ea typeface="ＭＳ Ｐゴシック" charset="0"/>
+              <a:cs typeface="Times New Roman" charset="0"/>
+              <a:sym typeface="Times New Roman" charset="0"/>
+            </a:endParaRPr>
+          </a:p>
+          <a:p>
+            <a:pPr marL="119063" eaLnBrk="1" hangingPunct="1">
+              <a:spcBef>
+                <a:spcPts val="450"/>
+              </a:spcBef>
+            </a:pPr>
+            <a:r>
+              <a:rPr lang="en-US" baseline="0" dirty="0" smtClean="0">
+                <a:solidFill>
+                  <a:srgbClr val="000000"/>
+                </a:solidFill>
+                <a:latin typeface="Times New Roman" charset="0"/>
+                <a:ea typeface="ＭＳ Ｐゴシック" charset="0"/>
+                <a:cs typeface="Times New Roman" charset="0"/>
+                <a:sym typeface="Times New Roman" charset="0"/>
+              </a:rPr>
+              <a:t>Code walkthrough high points – </a:t>
+            </a:r>
+            <a:r>
+              <a:rPr lang="en-US" baseline="0" dirty="0" err="1" smtClean="0">
+                <a:solidFill>
+                  <a:srgbClr val="000000"/>
+                </a:solidFill>
+                <a:latin typeface="Times New Roman" charset="0"/>
+                <a:ea typeface="ＭＳ Ｐゴシック" charset="0"/>
+                <a:cs typeface="Times New Roman" charset="0"/>
+                <a:sym typeface="Times New Roman" charset="0"/>
+              </a:rPr>
+              <a:t>ui.js</a:t>
+            </a:r>
+            <a:r>
+              <a:rPr lang="en-US" baseline="0" dirty="0" smtClean="0">
+                <a:solidFill>
+                  <a:srgbClr val="000000"/>
+                </a:solidFill>
+                <a:latin typeface="Times New Roman" charset="0"/>
+                <a:ea typeface="ＭＳ Ｐゴシック" charset="0"/>
+                <a:cs typeface="Times New Roman" charset="0"/>
+                <a:sym typeface="Times New Roman" charset="0"/>
+              </a:rPr>
+              <a:t>, the </a:t>
+            </a:r>
+            <a:r>
+              <a:rPr lang="en-US" baseline="0" dirty="0" err="1" smtClean="0">
+                <a:solidFill>
+                  <a:srgbClr val="000000"/>
+                </a:solidFill>
+                <a:latin typeface="Times New Roman" charset="0"/>
+                <a:ea typeface="ＭＳ Ｐゴシック" charset="0"/>
+                <a:cs typeface="Times New Roman" charset="0"/>
+                <a:sym typeface="Times New Roman" charset="0"/>
+              </a:rPr>
+              <a:t>tabView</a:t>
+            </a:r>
+            <a:r>
+              <a:rPr lang="en-US" baseline="0" dirty="0" smtClean="0">
+                <a:solidFill>
+                  <a:srgbClr val="000000"/>
+                </a:solidFill>
+                <a:latin typeface="Times New Roman" charset="0"/>
+                <a:ea typeface="ＭＳ Ｐゴシック" charset="0"/>
+                <a:cs typeface="Times New Roman" charset="0"/>
+                <a:sym typeface="Times New Roman" charset="0"/>
+              </a:rPr>
+              <a:t> component (function </a:t>
+            </a:r>
+            <a:r>
+              <a:rPr lang="en-US" baseline="0" dirty="0" err="1" smtClean="0">
+                <a:solidFill>
+                  <a:srgbClr val="000000"/>
+                </a:solidFill>
+                <a:latin typeface="Times New Roman" charset="0"/>
+                <a:ea typeface="ＭＳ Ｐゴシック" charset="0"/>
+                <a:cs typeface="Times New Roman" charset="0"/>
+                <a:sym typeface="Times New Roman" charset="0"/>
+              </a:rPr>
+              <a:t>tabView</a:t>
+            </a:r>
+            <a:r>
+              <a:rPr lang="en-US" baseline="0" dirty="0" smtClean="0">
+                <a:solidFill>
+                  <a:srgbClr val="000000"/>
+                </a:solidFill>
+                <a:latin typeface="Times New Roman" charset="0"/>
+                <a:ea typeface="ＭＳ Ｐゴシック" charset="0"/>
+                <a:cs typeface="Times New Roman" charset="0"/>
+                <a:sym typeface="Times New Roman" charset="0"/>
+              </a:rPr>
+              <a:t>())</a:t>
+            </a:r>
+          </a:p>
+          <a:p>
+            <a:pPr marL="119063" eaLnBrk="1" hangingPunct="1">
+              <a:spcBef>
+                <a:spcPts val="450"/>
+              </a:spcBef>
+            </a:pPr>
+            <a:endParaRPr lang="en-US" baseline="0" dirty="0" smtClean="0">
+              <a:solidFill>
+                <a:srgbClr val="000000"/>
+              </a:solidFill>
+              <a:latin typeface="Times New Roman" charset="0"/>
+              <a:ea typeface="ＭＳ Ｐゴシック" charset="0"/>
+              <a:cs typeface="Times New Roman" charset="0"/>
+              <a:sym typeface="Times New Roman" charset="0"/>
+            </a:endParaRPr>
+          </a:p>
+          <a:p>
+            <a:pPr marL="119063" eaLnBrk="1" hangingPunct="1">
+              <a:spcBef>
+                <a:spcPts val="450"/>
+              </a:spcBef>
+            </a:pPr>
+            <a:r>
+              <a:rPr lang="en-US" baseline="0" dirty="0" smtClean="0">
+                <a:solidFill>
+                  <a:srgbClr val="000000"/>
+                </a:solidFill>
+                <a:latin typeface="Times New Roman" charset="0"/>
+                <a:ea typeface="ＭＳ Ｐゴシック" charset="0"/>
+                <a:cs typeface="Times New Roman" charset="0"/>
+                <a:sym typeface="Times New Roman" charset="0"/>
+              </a:rPr>
+              <a:t>The custom tab bar is the primary bit of custom/advanced UI in the app.  Walk through how this component works, how it uses custom events, and how we add functions to the object, like:</a:t>
+            </a:r>
+          </a:p>
+          <a:p>
+            <a:pPr marL="119063" eaLnBrk="1" hangingPunct="1">
+              <a:spcBef>
+                <a:spcPts val="450"/>
+              </a:spcBef>
+            </a:pPr>
+            <a:endParaRPr lang="en-US" baseline="0" dirty="0" smtClean="0">
+              <a:solidFill>
+                <a:srgbClr val="000000"/>
+              </a:solidFill>
+              <a:latin typeface="Times New Roman" charset="0"/>
+              <a:ea typeface="ＭＳ Ｐゴシック" charset="0"/>
+              <a:cs typeface="Times New Roman" charset="0"/>
+              <a:sym typeface="Times New Roman" charset="0"/>
+            </a:endParaRPr>
+          </a:p>
+          <a:p>
+            <a:pPr marL="119063" marR="0" indent="0" algn="l" defTabSz="914400" rtl="0" eaLnBrk="1" fontAlgn="base" latinLnBrk="0" hangingPunct="1">
+              <a:lnSpc>
+                <a:spcPct val="100000"/>
+              </a:lnSpc>
+              <a:spcBef>
+                <a:spcPts val="450"/>
+              </a:spcBef>
+              <a:spcAft>
+                <a:spcPct val="0"/>
+              </a:spcAft>
+              <a:buClrTx/>
+              <a:buSzTx/>
+              <a:buFontTx/>
+              <a:buNone/>
+              <a:tabLst/>
+              <a:defRPr/>
+            </a:pPr>
+            <a:r>
+              <a:rPr lang="en-US" dirty="0" err="1" smtClean="0">
+                <a:solidFill>
+                  <a:srgbClr val="000000"/>
+                </a:solidFill>
+                <a:latin typeface="Times New Roman" charset="0"/>
+                <a:ea typeface="ＭＳ Ｐゴシック" charset="0"/>
+                <a:cs typeface="Times New Roman" charset="0"/>
+                <a:sym typeface="Times New Roman" charset="0"/>
+              </a:rPr>
+              <a:t>container.toggle</a:t>
+            </a:r>
+            <a:r>
+              <a:rPr lang="en-US" dirty="0" smtClean="0">
+                <a:solidFill>
+                  <a:srgbClr val="000000"/>
+                </a:solidFill>
+                <a:latin typeface="Times New Roman" charset="0"/>
+                <a:ea typeface="ＭＳ Ｐゴシック" charset="0"/>
+                <a:cs typeface="Times New Roman" charset="0"/>
+                <a:sym typeface="Times New Roman" charset="0"/>
+              </a:rPr>
+              <a:t> = function(on) {</a:t>
+            </a:r>
+          </a:p>
+          <a:p>
+            <a:pPr marL="119063" marR="0" indent="0" algn="l" defTabSz="914400" rtl="0" eaLnBrk="1" fontAlgn="base" latinLnBrk="0" hangingPunct="1">
+              <a:lnSpc>
+                <a:spcPct val="100000"/>
+              </a:lnSpc>
+              <a:spcBef>
+                <a:spcPts val="450"/>
+              </a:spcBef>
+              <a:spcAft>
+                <a:spcPct val="0"/>
+              </a:spcAft>
+              <a:buClrTx/>
+              <a:buSzTx/>
+              <a:buFontTx/>
+              <a:buNone/>
+              <a:tabLst/>
+              <a:defRPr/>
+            </a:pPr>
+            <a:r>
+              <a:rPr lang="en-US" dirty="0" smtClean="0">
+                <a:solidFill>
+                  <a:srgbClr val="000000"/>
+                </a:solidFill>
+                <a:latin typeface="Times New Roman" charset="0"/>
+                <a:ea typeface="ＭＳ Ｐゴシック" charset="0"/>
+                <a:cs typeface="Times New Roman" charset="0"/>
+                <a:sym typeface="Times New Roman" charset="0"/>
+              </a:rPr>
+              <a:t>	</a:t>
+            </a:r>
+            <a:r>
+              <a:rPr lang="en-US" dirty="0" err="1" smtClean="0">
+                <a:solidFill>
+                  <a:srgbClr val="000000"/>
+                </a:solidFill>
+                <a:latin typeface="Times New Roman" charset="0"/>
+                <a:ea typeface="ＭＳ Ｐゴシック" charset="0"/>
+                <a:cs typeface="Times New Roman" charset="0"/>
+                <a:sym typeface="Times New Roman" charset="0"/>
+              </a:rPr>
+              <a:t>icon.image</a:t>
+            </a:r>
+            <a:r>
+              <a:rPr lang="en-US" dirty="0" smtClean="0">
+                <a:solidFill>
+                  <a:srgbClr val="000000"/>
+                </a:solidFill>
+                <a:latin typeface="Times New Roman" charset="0"/>
+                <a:ea typeface="ＭＳ Ｐゴシック" charset="0"/>
+                <a:cs typeface="Times New Roman" charset="0"/>
+                <a:sym typeface="Times New Roman" charset="0"/>
+              </a:rPr>
+              <a:t> = (on) ? </a:t>
+            </a:r>
+            <a:r>
+              <a:rPr lang="en-US" dirty="0" err="1" smtClean="0">
+                <a:solidFill>
+                  <a:srgbClr val="000000"/>
+                </a:solidFill>
+                <a:latin typeface="Times New Roman" charset="0"/>
+                <a:ea typeface="ＭＳ Ｐゴシック" charset="0"/>
+                <a:cs typeface="Times New Roman" charset="0"/>
+                <a:sym typeface="Times New Roman" charset="0"/>
+              </a:rPr>
+              <a:t>options.on</a:t>
+            </a:r>
+            <a:r>
+              <a:rPr lang="en-US" dirty="0" smtClean="0">
+                <a:solidFill>
+                  <a:srgbClr val="000000"/>
+                </a:solidFill>
+                <a:latin typeface="Times New Roman" charset="0"/>
+                <a:ea typeface="ＭＳ Ｐゴシック" charset="0"/>
+                <a:cs typeface="Times New Roman" charset="0"/>
+                <a:sym typeface="Times New Roman" charset="0"/>
+              </a:rPr>
+              <a:t> : </a:t>
+            </a:r>
+            <a:r>
+              <a:rPr lang="en-US" dirty="0" err="1" smtClean="0">
+                <a:solidFill>
+                  <a:srgbClr val="000000"/>
+                </a:solidFill>
+                <a:latin typeface="Times New Roman" charset="0"/>
+                <a:ea typeface="ＭＳ Ｐゴシック" charset="0"/>
+                <a:cs typeface="Times New Roman" charset="0"/>
+                <a:sym typeface="Times New Roman" charset="0"/>
+              </a:rPr>
+              <a:t>options.off</a:t>
+            </a:r>
+            <a:r>
+              <a:rPr lang="en-US" dirty="0" smtClean="0">
+                <a:solidFill>
+                  <a:srgbClr val="000000"/>
+                </a:solidFill>
+                <a:latin typeface="Times New Roman" charset="0"/>
+                <a:ea typeface="ＭＳ Ｐゴシック" charset="0"/>
+                <a:cs typeface="Times New Roman" charset="0"/>
+                <a:sym typeface="Times New Roman" charset="0"/>
+              </a:rPr>
+              <a:t>;</a:t>
+            </a:r>
+          </a:p>
+          <a:p>
+            <a:pPr marL="119063" marR="0" indent="0" algn="l" defTabSz="914400" rtl="0" eaLnBrk="1" fontAlgn="base" latinLnBrk="0" hangingPunct="1">
+              <a:lnSpc>
+                <a:spcPct val="100000"/>
+              </a:lnSpc>
+              <a:spcBef>
+                <a:spcPts val="450"/>
+              </a:spcBef>
+              <a:spcAft>
+                <a:spcPct val="0"/>
+              </a:spcAft>
+              <a:buClrTx/>
+              <a:buSzTx/>
+              <a:buFontTx/>
+              <a:buNone/>
+              <a:tabLst/>
+              <a:defRPr/>
+            </a:pPr>
+            <a:r>
+              <a:rPr lang="en-US" dirty="0" smtClean="0">
+                <a:solidFill>
+                  <a:srgbClr val="000000"/>
+                </a:solidFill>
+                <a:latin typeface="Times New Roman" charset="0"/>
+                <a:ea typeface="ＭＳ Ｐゴシック" charset="0"/>
+                <a:cs typeface="Times New Roman" charset="0"/>
+                <a:sym typeface="Times New Roman" charset="0"/>
+              </a:rPr>
+              <a:t>	</a:t>
+            </a:r>
+            <a:r>
+              <a:rPr lang="en-US" dirty="0" err="1" smtClean="0">
+                <a:solidFill>
+                  <a:srgbClr val="000000"/>
+                </a:solidFill>
+                <a:latin typeface="Times New Roman" charset="0"/>
+                <a:ea typeface="ＭＳ Ｐゴシック" charset="0"/>
+                <a:cs typeface="Times New Roman" charset="0"/>
+                <a:sym typeface="Times New Roman" charset="0"/>
+              </a:rPr>
+              <a:t>container.backgroundImage</a:t>
+            </a:r>
+            <a:r>
+              <a:rPr lang="en-US" dirty="0" smtClean="0">
+                <a:solidFill>
+                  <a:srgbClr val="000000"/>
+                </a:solidFill>
+                <a:latin typeface="Times New Roman" charset="0"/>
+                <a:ea typeface="ＭＳ Ｐゴシック" charset="0"/>
+                <a:cs typeface="Times New Roman" charset="0"/>
+                <a:sym typeface="Times New Roman" charset="0"/>
+              </a:rPr>
+              <a:t> = (on) ? 'images/</a:t>
+            </a:r>
+            <a:r>
+              <a:rPr lang="en-US" dirty="0" err="1" smtClean="0">
+                <a:solidFill>
+                  <a:srgbClr val="000000"/>
+                </a:solidFill>
+                <a:latin typeface="Times New Roman" charset="0"/>
+                <a:ea typeface="ＭＳ Ｐゴシック" charset="0"/>
+                <a:cs typeface="Times New Roman" charset="0"/>
+                <a:sym typeface="Times New Roman" charset="0"/>
+              </a:rPr>
+              <a:t>tab.png</a:t>
+            </a:r>
+            <a:r>
+              <a:rPr lang="en-US" dirty="0" smtClean="0">
+                <a:solidFill>
+                  <a:srgbClr val="000000"/>
+                </a:solidFill>
+                <a:latin typeface="Times New Roman" charset="0"/>
+                <a:ea typeface="ＭＳ Ｐゴシック" charset="0"/>
+                <a:cs typeface="Times New Roman" charset="0"/>
+                <a:sym typeface="Times New Roman" charset="0"/>
+              </a:rPr>
+              <a:t>' : '';</a:t>
+            </a:r>
+          </a:p>
+          <a:p>
+            <a:pPr marL="119063" marR="0" indent="0" algn="l" defTabSz="914400" rtl="0" eaLnBrk="1" fontAlgn="base" latinLnBrk="0" hangingPunct="1">
+              <a:lnSpc>
+                <a:spcPct val="100000"/>
+              </a:lnSpc>
+              <a:spcBef>
+                <a:spcPts val="450"/>
+              </a:spcBef>
+              <a:spcAft>
+                <a:spcPct val="0"/>
+              </a:spcAft>
+              <a:buClrTx/>
+              <a:buSzTx/>
+              <a:buFontTx/>
+              <a:buNone/>
+              <a:tabLst/>
+              <a:defRPr/>
+            </a:pPr>
+            <a:r>
+              <a:rPr lang="en-US" dirty="0" smtClean="0">
+                <a:solidFill>
+                  <a:srgbClr val="000000"/>
+                </a:solidFill>
+                <a:latin typeface="Times New Roman" charset="0"/>
+                <a:ea typeface="ＭＳ Ｐゴシック" charset="0"/>
+                <a:cs typeface="Times New Roman" charset="0"/>
+                <a:sym typeface="Times New Roman" charset="0"/>
+              </a:rPr>
+              <a:t>};</a:t>
             </a:r>
             <a:endParaRPr lang="en-US" dirty="0">
               <a:solidFill>
@@ -3519,7 +3933,7 @@
               <a:pPr>
                 <a:defRPr/>
               </a:pPr>
-              <a:t>7/21/11</a:t>
+              <a:t>7/26/11</a:t>
             </a:fld>
             <a:endParaRPr lang="en-US"/>
           </a:p>
@@ -3935,7 +4349,7 @@
               <a:pPr>
                 <a:defRPr/>
               </a:pPr>
-              <a:t>7/21/11</a:t>
+              <a:t>7/26/11</a:t>
             </a:fld>
             <a:endParaRPr lang="en-US"/>
           </a:p>
@@ -4655,7 +5069,7 @@
               <a:pPr>
                 <a:defRPr/>
               </a:pPr>
-              <a:t>7/21/11</a:t>
+              <a:t>7/26/11</a:t>
             </a:fld>
             <a:endParaRPr lang="en-US"/>
           </a:p>
@@ -5208,7 +5622,7 @@
               <a:pPr>
                 <a:defRPr/>
               </a:pPr>
-              <a:t>7/21/11</a:t>
+              <a:t>7/26/11</a:t>
             </a:fld>
             <a:endParaRPr lang="en-US"/>
           </a:p>
@@ -5559,7 +5973,7 @@
               <a:pPr>
                 <a:defRPr/>
               </a:pPr>
-              <a:t>7/21/11</a:t>
+              <a:t>7/26/11</a:t>
             </a:fld>
             <a:endParaRPr lang="en-US"/>
           </a:p>
@@ -5917,7 +6331,7 @@
               <a:pPr>
                 <a:defRPr/>
               </a:pPr>
-              <a:t>7/21/11</a:t>
+              <a:t>7/26/11</a:t>
             </a:fld>
             <a:endParaRPr lang="en-US"/>
           </a:p>
@@ -6152,7 +6566,7 @@
               <a:pPr>
                 <a:defRPr/>
               </a:pPr>
-              <a:t>7/21/11</a:t>
+              <a:t>7/26/11</a:t>
             </a:fld>
             <a:endParaRPr lang="en-US"/>
           </a:p>
@@ -6444,7 +6858,7 @@
               <a:pPr>
                 <a:defRPr/>
               </a:pPr>
-              <a:t>7/21/11</a:t>
+              <a:t>7/26/11</a:t>
             </a:fld>
             <a:endParaRPr lang="en-US"/>
           </a:p>
@@ -7727,11 +8141,7 @@
             </a:pPr>
             <a:r>
               <a:rPr lang="en-US" dirty="0" smtClean="0"/>
-              <a:t>Demo and w</a:t>
-            </a:r>
-            <a:r>
-              <a:rPr lang="en-US" dirty="0" smtClean="0"/>
-              <a:t>iki URL</a:t>
+              <a:t>Demo and wiki URL</a:t>
             </a:r>
             <a:endParaRPr lang="en-US" dirty="0"/>
           </a:p>

--- a/315.pptx
+++ b/315.pptx
@@ -775,6 +775,18 @@
                 <a:spcPts val="450"/>
               </a:spcBef>
             </a:pPr>
+            <a:r>
+              <a:rPr lang="en-US" baseline="0" dirty="0" smtClean="0">
+                <a:solidFill>
+                  <a:srgbClr val="000000"/>
+                </a:solidFill>
+                <a:latin typeface="Times New Roman" charset="0"/>
+                <a:ea typeface="ＭＳ Ｐゴシック" charset="0"/>
+                <a:cs typeface="Times New Roman" charset="0"/>
+                <a:sym typeface="Times New Roman" charset="0"/>
+              </a:rPr>
+              <a:t>In this lab, you will create a custom tab bar component. It will display two tabs and feature a sliding tab indicator with a custom background image.</a:t>
+            </a:r>
             <a:endParaRPr lang="en-US" baseline="0" dirty="0" smtClean="0">
               <a:solidFill>
                 <a:srgbClr val="000000"/>
@@ -966,19 +978,7 @@
                 <a:cs typeface="Times New Roman" charset="0"/>
                 <a:sym typeface="Times New Roman" charset="0"/>
               </a:rPr>
-              <a:t> custom component </a:t>
-            </a:r>
-            <a:r>
-              <a:rPr lang="en-US" baseline="0" dirty="0" smtClean="0">
-                <a:solidFill>
-                  <a:srgbClr val="000000"/>
-                </a:solidFill>
-                <a:latin typeface="Times New Roman" charset="0"/>
-                <a:ea typeface="ＭＳ Ｐゴシック" charset="0"/>
-                <a:cs typeface="Times New Roman" charset="0"/>
-                <a:sym typeface="Times New Roman" charset="0"/>
-              </a:rPr>
-              <a:t>code</a:t>
+              <a:t> custom component code</a:t>
             </a:r>
           </a:p>
           <a:p>
@@ -1499,7 +1499,7 @@
               <a:t>Take your app from </a:t>
             </a:r>
             <a:r>
-              <a:rPr lang="en-US" dirty="0" err="1" smtClean="0">
+              <a:rPr lang="en-US" dirty="0" smtClean="0">
                 <a:solidFill>
                   <a:srgbClr val="000000"/>
                 </a:solidFill>
@@ -1508,7 +1508,7 @@
                 <a:cs typeface="Lucida Grande" charset="0"/>
                 <a:sym typeface="Lucida Grande" charset="0"/>
               </a:rPr>
-              <a:t>unexisting</a:t>
+              <a:t>standard to </a:t>
             </a:r>
             <a:r>
               <a:rPr lang="en-US" dirty="0" smtClean="0">
@@ -1520,7 +1520,7 @@
                 <a:cs typeface="Lucida Grande" charset="0"/>
                 <a:sym typeface="Lucida Grande" charset="0"/>
               </a:rPr>
-              <a:t> to exceptional</a:t>
+              <a:t>exceptional</a:t>
             </a:r>
           </a:p>
           <a:p>
@@ -3464,7 +3464,114 @@
               </a:rPr>
               <a:t>file.txt</a:t>
             </a:r>
-            <a:endParaRPr lang="en-US" b="1" baseline="0" dirty="0" smtClean="0">
+            <a:r>
+              <a:rPr lang="en-US" b="1" baseline="0" dirty="0" smtClean="0">
+                <a:solidFill>
+                  <a:srgbClr val="122956"/>
+                </a:solidFill>
+                <a:latin typeface="Lucida Grande" charset="0"/>
+                <a:ea typeface="ＭＳ Ｐゴシック" charset="0"/>
+                <a:cs typeface="Lucida Grande" charset="0"/>
+                <a:sym typeface="Lucida Grande" charset="0"/>
+              </a:rPr>
+              <a:t/>
+            </a:r>
+            <a:br>
+              <a:rPr lang="en-US" b="1" baseline="0" dirty="0" smtClean="0">
+                <a:solidFill>
+                  <a:srgbClr val="122956"/>
+                </a:solidFill>
+                <a:latin typeface="Lucida Grande" charset="0"/>
+                <a:ea typeface="ＭＳ Ｐゴシック" charset="0"/>
+                <a:cs typeface="Lucida Grande" charset="0"/>
+                <a:sym typeface="Lucida Grande" charset="0"/>
+              </a:rPr>
+            </a:br>
+            <a:r>
+              <a:rPr lang="en-US" b="0" baseline="0" dirty="0" smtClean="0">
+                <a:solidFill>
+                  <a:srgbClr val="122956"/>
+                </a:solidFill>
+                <a:latin typeface="Lucida Grande" charset="0"/>
+                <a:ea typeface="ＭＳ Ｐゴシック" charset="0"/>
+                <a:cs typeface="Lucida Grande" charset="0"/>
+                <a:sym typeface="Lucida Grande" charset="0"/>
+              </a:rPr>
+              <a:t>https://</a:t>
+            </a:r>
+            <a:r>
+              <a:rPr lang="en-US" b="0" baseline="0" dirty="0" err="1" smtClean="0">
+                <a:solidFill>
+                  <a:srgbClr val="122956"/>
+                </a:solidFill>
+                <a:latin typeface="Lucida Grande" charset="0"/>
+                <a:ea typeface="ＭＳ Ｐゴシック" charset="0"/>
+                <a:cs typeface="Lucida Grande" charset="0"/>
+                <a:sym typeface="Lucida Grande" charset="0"/>
+              </a:rPr>
+              <a:t>github.com</a:t>
+            </a:r>
+            <a:r>
+              <a:rPr lang="en-US" b="0" baseline="0" dirty="0" smtClean="0">
+                <a:solidFill>
+                  <a:srgbClr val="122956"/>
+                </a:solidFill>
+                <a:latin typeface="Lucida Grande" charset="0"/>
+                <a:ea typeface="ＭＳ Ｐゴシック" charset="0"/>
+                <a:cs typeface="Lucida Grande" charset="0"/>
+                <a:sym typeface="Lucida Grande" charset="0"/>
+              </a:rPr>
+              <a:t>/</a:t>
+            </a:r>
+            <a:r>
+              <a:rPr lang="en-US" b="0" baseline="0" dirty="0" err="1" smtClean="0">
+                <a:solidFill>
+                  <a:srgbClr val="122956"/>
+                </a:solidFill>
+                <a:latin typeface="Lucida Grande" charset="0"/>
+                <a:ea typeface="ＭＳ Ｐゴシック" charset="0"/>
+                <a:cs typeface="Lucida Grande" charset="0"/>
+                <a:sym typeface="Lucida Grande" charset="0"/>
+              </a:rPr>
+              <a:t>appcelerator</a:t>
+            </a:r>
+            <a:r>
+              <a:rPr lang="en-US" b="0" baseline="0" dirty="0" smtClean="0">
+                <a:solidFill>
+                  <a:srgbClr val="122956"/>
+                </a:solidFill>
+                <a:latin typeface="Lucida Grande" charset="0"/>
+                <a:ea typeface="ＭＳ Ｐゴシック" charset="0"/>
+                <a:cs typeface="Lucida Grande" charset="0"/>
+                <a:sym typeface="Lucida Grande" charset="0"/>
+              </a:rPr>
+              <a:t>-training/</a:t>
+            </a:r>
+            <a:r>
+              <a:rPr lang="en-US" b="0" baseline="0" dirty="0" err="1" smtClean="0">
+                <a:solidFill>
+                  <a:srgbClr val="122956"/>
+                </a:solidFill>
+                <a:latin typeface="Lucida Grande" charset="0"/>
+                <a:ea typeface="ＭＳ Ｐゴシック" charset="0"/>
+                <a:cs typeface="Lucida Grande" charset="0"/>
+                <a:sym typeface="Lucida Grande" charset="0"/>
+              </a:rPr>
+              <a:t>tcmd_certification</a:t>
+            </a:r>
+            <a:r>
+              <a:rPr lang="en-US" b="0" baseline="0" dirty="0" smtClean="0">
+                <a:solidFill>
+                  <a:srgbClr val="122956"/>
+                </a:solidFill>
+                <a:latin typeface="Lucida Grande" charset="0"/>
+                <a:ea typeface="ＭＳ Ｐゴシック" charset="0"/>
+                <a:cs typeface="Lucida Grande" charset="0"/>
+                <a:sym typeface="Lucida Grande" charset="0"/>
+              </a:rPr>
+              <a:t>/blob/master/Module%20315%20Demo%20app.js%20file.txt</a:t>
+            </a:r>
+            <a:endParaRPr lang="en-US" b="0" baseline="0" dirty="0" smtClean="0">
               <a:solidFill>
                 <a:srgbClr val="122956"/>
               </a:solidFill>

--- a/315.pptx
+++ b/315.pptx
@@ -787,15 +787,6 @@
               </a:rPr>
               <a:t>In this lab, you will create a custom tab bar component. It will display two tabs and feature a sliding tab indicator with a custom background image.</a:t>
             </a:r>
-            <a:endParaRPr lang="en-US" baseline="0" dirty="0" smtClean="0">
-              <a:solidFill>
-                <a:srgbClr val="000000"/>
-              </a:solidFill>
-              <a:latin typeface="Times New Roman" charset="0"/>
-              <a:ea typeface="ＭＳ Ｐゴシック" charset="0"/>
-              <a:cs typeface="Times New Roman" charset="0"/>
-              <a:sym typeface="Times New Roman" charset="0"/>
-            </a:endParaRPr>
           </a:p>
         </p:txBody>
       </p:sp>
@@ -1496,31 +1487,7 @@
                 <a:cs typeface="Lucida Grande" charset="0"/>
                 <a:sym typeface="Lucida Grande" charset="0"/>
               </a:rPr>
-              <a:t>Take your app from </a:t>
-            </a:r>
-            <a:r>
-              <a:rPr lang="en-US" dirty="0" smtClean="0">
-                <a:solidFill>
-                  <a:srgbClr val="000000"/>
-                </a:solidFill>
-                <a:latin typeface="Lucida Grande" charset="0"/>
-                <a:ea typeface="ＭＳ Ｐゴシック" charset="0"/>
-                <a:cs typeface="Lucida Grande" charset="0"/>
-                <a:sym typeface="Lucida Grande" charset="0"/>
-              </a:rPr>
-              <a:t>standard to </a:t>
-            </a:r>
-            <a:r>
-              <a:rPr lang="en-US" dirty="0" smtClean="0">
-                <a:solidFill>
-                  <a:srgbClr val="000000"/>
-                </a:solidFill>
-                <a:latin typeface="Lucida Grande" charset="0"/>
-                <a:ea typeface="ＭＳ Ｐゴシック" charset="0"/>
-                <a:cs typeface="Lucida Grande" charset="0"/>
-                <a:sym typeface="Lucida Grande" charset="0"/>
-              </a:rPr>
-              <a:t>exceptional</a:t>
+              <a:t>Take your app from standard to exceptional</a:t>
             </a:r>
           </a:p>
           <a:p>
@@ -3571,15 +3538,6 @@
               </a:rPr>
               <a:t>/blob/master/Module%20315%20Demo%20app.js%20file.txt</a:t>
             </a:r>
-            <a:endParaRPr lang="en-US" b="0" baseline="0" dirty="0" smtClean="0">
-              <a:solidFill>
-                <a:srgbClr val="122956"/>
-              </a:solidFill>
-              <a:latin typeface="Lucida Grande" charset="0"/>
-              <a:ea typeface="ＭＳ Ｐゴシック" charset="0"/>
-              <a:cs typeface="Lucida Grande" charset="0"/>
-              <a:sym typeface="Lucida Grande" charset="0"/>
-            </a:endParaRPr>
           </a:p>
           <a:p>
             <a:pPr marL="420688" indent="-341313" eaLnBrk="1" hangingPunct="1">
@@ -4040,7 +3998,7 @@
               <a:pPr>
                 <a:defRPr/>
               </a:pPr>
-              <a:t>7/26/11</a:t>
+              <a:t>8/19/11</a:t>
             </a:fld>
             <a:endParaRPr lang="en-US"/>
           </a:p>
@@ -4456,7 +4414,7 @@
               <a:pPr>
                 <a:defRPr/>
               </a:pPr>
-              <a:t>7/26/11</a:t>
+              <a:t>8/19/11</a:t>
             </a:fld>
             <a:endParaRPr lang="en-US"/>
           </a:p>
@@ -5176,7 +5134,7 @@
               <a:pPr>
                 <a:defRPr/>
               </a:pPr>
-              <a:t>7/26/11</a:t>
+              <a:t>8/19/11</a:t>
             </a:fld>
             <a:endParaRPr lang="en-US"/>
           </a:p>
@@ -5729,7 +5687,7 @@
               <a:pPr>
                 <a:defRPr/>
               </a:pPr>
-              <a:t>7/26/11</a:t>
+              <a:t>8/19/11</a:t>
             </a:fld>
             <a:endParaRPr lang="en-US"/>
           </a:p>
@@ -6080,7 +6038,7 @@
               <a:pPr>
                 <a:defRPr/>
               </a:pPr>
-              <a:t>7/26/11</a:t>
+              <a:t>8/19/11</a:t>
             </a:fld>
             <a:endParaRPr lang="en-US"/>
           </a:p>
@@ -6438,7 +6396,7 @@
               <a:pPr>
                 <a:defRPr/>
               </a:pPr>
-              <a:t>7/26/11</a:t>
+              <a:t>8/19/11</a:t>
             </a:fld>
             <a:endParaRPr lang="en-US"/>
           </a:p>
@@ -6673,7 +6631,7 @@
               <a:pPr>
                 <a:defRPr/>
               </a:pPr>
-              <a:t>7/26/11</a:t>
+              <a:t>8/19/11</a:t>
             </a:fld>
             <a:endParaRPr lang="en-US"/>
           </a:p>
@@ -6965,7 +6923,7 @@
               <a:pPr>
                 <a:defRPr/>
               </a:pPr>
-              <a:t>7/26/11</a:t>
+              <a:t>8/19/11</a:t>
             </a:fld>
             <a:endParaRPr lang="en-US"/>
           </a:p>
@@ -7865,7 +7823,7 @@
               <a:defRPr/>
             </a:pPr>
             <a:r>
-              <a:rPr lang="en-US" sz="4400" dirty="0" smtClean="0">
+              <a:rPr lang="en-US" sz="4400" i="1" dirty="0" smtClean="0">
                 <a:solidFill>
                   <a:schemeClr val="accent6"/>
                 </a:solidFill>
@@ -7882,7 +7840,40 @@
               </a:rPr>
               <a:t>Advanced UI Development</a:t>
             </a:r>
-            <a:endParaRPr lang="en-US" sz="4400" dirty="0">
+            <a:br>
+              <a:rPr lang="en-US" sz="4400" i="1" dirty="0" smtClean="0">
+                <a:solidFill>
+                  <a:schemeClr val="accent6"/>
+                </a:solidFill>
+                <a:effectLst>
+                  <a:innerShdw blurRad="63500" dist="50800" dir="13500000">
+                    <a:prstClr val="black">
+                      <a:alpha val="50000"/>
+                    </a:prstClr>
+                  </a:innerShdw>
+                </a:effectLst>
+                <a:latin typeface="Trebuchet MS Bold" charset="0"/>
+                <a:cs typeface="Trebuchet MS Bold" charset="0"/>
+                <a:sym typeface="Trebuchet MS Bold" charset="0"/>
+              </a:rPr>
+            </a:br>
+            <a:r>
+              <a:rPr lang="en-US" sz="2800" b="0" i="1" dirty="0">
+                <a:solidFill>
+                  <a:srgbClr val="122956"/>
+                </a:solidFill>
+                <a:effectLst>
+                  <a:innerShdw blurRad="63500" dist="50800" dir="13500000">
+                    <a:prstClr val="black">
+                      <a:alpha val="50000"/>
+                    </a:prstClr>
+                  </a:innerShdw>
+                </a:effectLst>
+                <a:ea typeface="Hiragino Sans GB W6" charset="0"/>
+              </a:rPr>
+              <a:t>Advanced Titanium Mobile Development</a:t>
+            </a:r>
+            <a:endParaRPr lang="en-US" sz="4400" b="0" i="1" dirty="0">
               <a:solidFill>
                 <a:schemeClr val="accent6"/>
               </a:solidFill>
@@ -7954,6 +7945,186 @@
           </a:extLst>
         </p:spPr>
       </p:pic>
+      <p:sp>
+        <p:nvSpPr>
+          <p:cNvPr id="7" name="Slide Number Placeholder 5"/>
+          <p:cNvSpPr>
+            <a:spLocks noGrp="1"/>
+          </p:cNvSpPr>
+          <p:nvPr>
+            <p:ph type="sldNum" sz="quarter" idx="12"/>
+          </p:nvPr>
+        </p:nvSpPr>
+        <p:spPr bwMode="auto">
+          <a:xfrm>
+            <a:off x="203200" y="6400800"/>
+            <a:ext cx="2133600" cy="365125"/>
+          </a:xfrm>
+          <a:noFill/>
+          <a:extLst>
+            <a:ext uri="{909E8E84-426E-40dd-AFC4-6F175D3DCCD1}">
+              <a14:hiddenFill xmlns:a14="http://schemas.microsoft.com/office/drawing/2010/main">
+                <a:solidFill>
+                  <a:srgbClr val="FFFFFF"/>
+                </a:solidFill>
+              </a14:hiddenFill>
+            </a:ext>
+            <a:ext uri="{91240B29-F687-4f45-9708-019B960494DF}">
+              <a14:hiddenLine xmlns:a14="http://schemas.microsoft.com/office/drawing/2010/main" w="9525">
+                <a:solidFill>
+                  <a:srgbClr val="000000"/>
+                </a:solidFill>
+                <a:miter lim="800000"/>
+                <a:headEnd/>
+                <a:tailEnd/>
+              </a14:hiddenLine>
+            </a:ext>
+          </a:extLst>
+        </p:spPr>
+        <p:txBody>
+          <a:bodyPr vert="horz" wrap="square" lIns="91440" tIns="45720" rIns="91440" bIns="45720" numCol="1" anchor="ctr" anchorCtr="0" compatLnSpc="1">
+            <a:prstTxWarp prst="textNoShape">
+              <a:avLst/>
+            </a:prstTxWarp>
+          </a:bodyPr>
+          <a:lstStyle>
+            <a:lvl1pPr eaLnBrk="0" hangingPunct="0">
+              <a:defRPr sz="2400">
+                <a:solidFill>
+                  <a:schemeClr val="tx1"/>
+                </a:solidFill>
+                <a:latin typeface="Trebuchet MS" charset="0"/>
+                <a:ea typeface="ＭＳ Ｐゴシック" charset="0"/>
+                <a:cs typeface="ＭＳ Ｐゴシック" charset="0"/>
+              </a:defRPr>
+            </a:lvl1pPr>
+            <a:lvl2pPr marL="742950" indent="-285750" eaLnBrk="0" hangingPunct="0">
+              <a:defRPr sz="2400">
+                <a:solidFill>
+                  <a:schemeClr val="tx1"/>
+                </a:solidFill>
+                <a:latin typeface="Trebuchet MS" charset="0"/>
+                <a:ea typeface="ＭＳ Ｐゴシック" charset="0"/>
+              </a:defRPr>
+            </a:lvl2pPr>
+            <a:lvl3pPr marL="1143000" indent="-228600" eaLnBrk="0" hangingPunct="0">
+              <a:defRPr sz="2400">
+                <a:solidFill>
+                  <a:schemeClr val="tx1"/>
+                </a:solidFill>
+                <a:latin typeface="Trebuchet MS" charset="0"/>
+                <a:ea typeface="ＭＳ Ｐゴシック" charset="0"/>
+              </a:defRPr>
+            </a:lvl3pPr>
+            <a:lvl4pPr marL="1600200" indent="-228600" eaLnBrk="0" hangingPunct="0">
+              <a:defRPr sz="2400">
+                <a:solidFill>
+                  <a:schemeClr val="tx1"/>
+                </a:solidFill>
+                <a:latin typeface="Trebuchet MS" charset="0"/>
+                <a:ea typeface="ＭＳ Ｐゴシック" charset="0"/>
+              </a:defRPr>
+            </a:lvl4pPr>
+            <a:lvl5pPr marL="2057400" indent="-228600" eaLnBrk="0" hangingPunct="0">
+              <a:defRPr sz="2400">
+                <a:solidFill>
+                  <a:schemeClr val="tx1"/>
+                </a:solidFill>
+                <a:latin typeface="Trebuchet MS" charset="0"/>
+                <a:ea typeface="ＭＳ Ｐゴシック" charset="0"/>
+              </a:defRPr>
+            </a:lvl5pPr>
+            <a:lvl6pPr marL="2514600" indent="-228600" eaLnBrk="0" fontAlgn="base" hangingPunct="0">
+              <a:spcBef>
+                <a:spcPct val="0"/>
+              </a:spcBef>
+              <a:spcAft>
+                <a:spcPct val="0"/>
+              </a:spcAft>
+              <a:defRPr sz="2400">
+                <a:solidFill>
+                  <a:schemeClr val="tx1"/>
+                </a:solidFill>
+                <a:latin typeface="Trebuchet MS" charset="0"/>
+                <a:ea typeface="ＭＳ Ｐゴシック" charset="0"/>
+              </a:defRPr>
+            </a:lvl6pPr>
+            <a:lvl7pPr marL="2971800" indent="-228600" eaLnBrk="0" fontAlgn="base" hangingPunct="0">
+              <a:spcBef>
+                <a:spcPct val="0"/>
+              </a:spcBef>
+              <a:spcAft>
+                <a:spcPct val="0"/>
+              </a:spcAft>
+              <a:defRPr sz="2400">
+                <a:solidFill>
+                  <a:schemeClr val="tx1"/>
+                </a:solidFill>
+                <a:latin typeface="Trebuchet MS" charset="0"/>
+                <a:ea typeface="ＭＳ Ｐゴシック" charset="0"/>
+              </a:defRPr>
+            </a:lvl7pPr>
+            <a:lvl8pPr marL="3429000" indent="-228600" eaLnBrk="0" fontAlgn="base" hangingPunct="0">
+              <a:spcBef>
+                <a:spcPct val="0"/>
+              </a:spcBef>
+              <a:spcAft>
+                <a:spcPct val="0"/>
+              </a:spcAft>
+              <a:defRPr sz="2400">
+                <a:solidFill>
+                  <a:schemeClr val="tx1"/>
+                </a:solidFill>
+                <a:latin typeface="Trebuchet MS" charset="0"/>
+                <a:ea typeface="ＭＳ Ｐゴシック" charset="0"/>
+              </a:defRPr>
+            </a:lvl8pPr>
+            <a:lvl9pPr marL="3886200" indent="-228600" eaLnBrk="0" fontAlgn="base" hangingPunct="0">
+              <a:spcBef>
+                <a:spcPct val="0"/>
+              </a:spcBef>
+              <a:spcAft>
+                <a:spcPct val="0"/>
+              </a:spcAft>
+              <a:defRPr sz="2400">
+                <a:solidFill>
+                  <a:schemeClr val="tx1"/>
+                </a:solidFill>
+                <a:latin typeface="Trebuchet MS" charset="0"/>
+                <a:ea typeface="ＭＳ Ｐゴシック" charset="0"/>
+              </a:defRPr>
+            </a:lvl9pPr>
+          </a:lstStyle>
+          <a:p>
+            <a:pPr eaLnBrk="1" hangingPunct="1"/>
+            <a:r>
+              <a:rPr lang="en-US" sz="1200" b="1" dirty="0" smtClean="0">
+                <a:solidFill>
+                  <a:srgbClr val="122956"/>
+                </a:solidFill>
+                <a:cs typeface="Trebuchet MS" charset="0"/>
+              </a:rPr>
+              <a:t>3-</a:t>
+            </a:r>
+            <a:fld id="{31B56995-E14C-B64F-86C9-12D6DB74A41E}" type="slidenum">
+              <a:rPr lang="en-US" sz="1200" b="1">
+                <a:solidFill>
+                  <a:srgbClr val="122956"/>
+                </a:solidFill>
+                <a:cs typeface="Trebuchet MS" charset="0"/>
+              </a:rPr>
+              <a:pPr eaLnBrk="1" hangingPunct="1"/>
+              <a:t>1</a:t>
+            </a:fld>
+            <a:endParaRPr lang="en-US" sz="1200" b="1" dirty="0">
+              <a:solidFill>
+                <a:srgbClr val="122956"/>
+              </a:solidFill>
+              <a:cs typeface="Trebuchet MS" charset="0"/>
+            </a:endParaRPr>
+          </a:p>
+        </p:txBody>
+      </p:sp>
     </p:spTree>
   </p:cSld>
   <p:clrMapOvr>
@@ -8086,6 +8257,186 @@
           </a:p>
         </p:txBody>
       </p:sp>
+      <p:sp>
+        <p:nvSpPr>
+          <p:cNvPr id="4" name="Slide Number Placeholder 5"/>
+          <p:cNvSpPr>
+            <a:spLocks noGrp="1"/>
+          </p:cNvSpPr>
+          <p:nvPr>
+            <p:ph type="sldNum" sz="quarter" idx="12"/>
+          </p:nvPr>
+        </p:nvSpPr>
+        <p:spPr bwMode="auto">
+          <a:xfrm>
+            <a:off x="203200" y="6400800"/>
+            <a:ext cx="2133600" cy="365125"/>
+          </a:xfrm>
+          <a:noFill/>
+          <a:extLst>
+            <a:ext uri="{909E8E84-426E-40dd-AFC4-6F175D3DCCD1}">
+              <a14:hiddenFill xmlns:a14="http://schemas.microsoft.com/office/drawing/2010/main">
+                <a:solidFill>
+                  <a:srgbClr val="FFFFFF"/>
+                </a:solidFill>
+              </a14:hiddenFill>
+            </a:ext>
+            <a:ext uri="{91240B29-F687-4f45-9708-019B960494DF}">
+              <a14:hiddenLine xmlns:a14="http://schemas.microsoft.com/office/drawing/2010/main" w="9525">
+                <a:solidFill>
+                  <a:srgbClr val="000000"/>
+                </a:solidFill>
+                <a:miter lim="800000"/>
+                <a:headEnd/>
+                <a:tailEnd/>
+              </a14:hiddenLine>
+            </a:ext>
+          </a:extLst>
+        </p:spPr>
+        <p:txBody>
+          <a:bodyPr vert="horz" wrap="square" lIns="91440" tIns="45720" rIns="91440" bIns="45720" numCol="1" anchor="ctr" anchorCtr="0" compatLnSpc="1">
+            <a:prstTxWarp prst="textNoShape">
+              <a:avLst/>
+            </a:prstTxWarp>
+          </a:bodyPr>
+          <a:lstStyle>
+            <a:lvl1pPr eaLnBrk="0" hangingPunct="0">
+              <a:defRPr sz="2400">
+                <a:solidFill>
+                  <a:schemeClr val="tx1"/>
+                </a:solidFill>
+                <a:latin typeface="Trebuchet MS" charset="0"/>
+                <a:ea typeface="ＭＳ Ｐゴシック" charset="0"/>
+                <a:cs typeface="ＭＳ Ｐゴシック" charset="0"/>
+              </a:defRPr>
+            </a:lvl1pPr>
+            <a:lvl2pPr marL="742950" indent="-285750" eaLnBrk="0" hangingPunct="0">
+              <a:defRPr sz="2400">
+                <a:solidFill>
+                  <a:schemeClr val="tx1"/>
+                </a:solidFill>
+                <a:latin typeface="Trebuchet MS" charset="0"/>
+                <a:ea typeface="ＭＳ Ｐゴシック" charset="0"/>
+              </a:defRPr>
+            </a:lvl2pPr>
+            <a:lvl3pPr marL="1143000" indent="-228600" eaLnBrk="0" hangingPunct="0">
+              <a:defRPr sz="2400">
+                <a:solidFill>
+                  <a:schemeClr val="tx1"/>
+                </a:solidFill>
+                <a:latin typeface="Trebuchet MS" charset="0"/>
+                <a:ea typeface="ＭＳ Ｐゴシック" charset="0"/>
+              </a:defRPr>
+            </a:lvl3pPr>
+            <a:lvl4pPr marL="1600200" indent="-228600" eaLnBrk="0" hangingPunct="0">
+              <a:defRPr sz="2400">
+                <a:solidFill>
+                  <a:schemeClr val="tx1"/>
+                </a:solidFill>
+                <a:latin typeface="Trebuchet MS" charset="0"/>
+                <a:ea typeface="ＭＳ Ｐゴシック" charset="0"/>
+              </a:defRPr>
+            </a:lvl4pPr>
+            <a:lvl5pPr marL="2057400" indent="-228600" eaLnBrk="0" hangingPunct="0">
+              <a:defRPr sz="2400">
+                <a:solidFill>
+                  <a:schemeClr val="tx1"/>
+                </a:solidFill>
+                <a:latin typeface="Trebuchet MS" charset="0"/>
+                <a:ea typeface="ＭＳ Ｐゴシック" charset="0"/>
+              </a:defRPr>
+            </a:lvl5pPr>
+            <a:lvl6pPr marL="2514600" indent="-228600" eaLnBrk="0" fontAlgn="base" hangingPunct="0">
+              <a:spcBef>
+                <a:spcPct val="0"/>
+              </a:spcBef>
+              <a:spcAft>
+                <a:spcPct val="0"/>
+              </a:spcAft>
+              <a:defRPr sz="2400">
+                <a:solidFill>
+                  <a:schemeClr val="tx1"/>
+                </a:solidFill>
+                <a:latin typeface="Trebuchet MS" charset="0"/>
+                <a:ea typeface="ＭＳ Ｐゴシック" charset="0"/>
+              </a:defRPr>
+            </a:lvl6pPr>
+            <a:lvl7pPr marL="2971800" indent="-228600" eaLnBrk="0" fontAlgn="base" hangingPunct="0">
+              <a:spcBef>
+                <a:spcPct val="0"/>
+              </a:spcBef>
+              <a:spcAft>
+                <a:spcPct val="0"/>
+              </a:spcAft>
+              <a:defRPr sz="2400">
+                <a:solidFill>
+                  <a:schemeClr val="tx1"/>
+                </a:solidFill>
+                <a:latin typeface="Trebuchet MS" charset="0"/>
+                <a:ea typeface="ＭＳ Ｐゴシック" charset="0"/>
+              </a:defRPr>
+            </a:lvl7pPr>
+            <a:lvl8pPr marL="3429000" indent="-228600" eaLnBrk="0" fontAlgn="base" hangingPunct="0">
+              <a:spcBef>
+                <a:spcPct val="0"/>
+              </a:spcBef>
+              <a:spcAft>
+                <a:spcPct val="0"/>
+              </a:spcAft>
+              <a:defRPr sz="2400">
+                <a:solidFill>
+                  <a:schemeClr val="tx1"/>
+                </a:solidFill>
+                <a:latin typeface="Trebuchet MS" charset="0"/>
+                <a:ea typeface="ＭＳ Ｐゴシック" charset="0"/>
+              </a:defRPr>
+            </a:lvl8pPr>
+            <a:lvl9pPr marL="3886200" indent="-228600" eaLnBrk="0" fontAlgn="base" hangingPunct="0">
+              <a:spcBef>
+                <a:spcPct val="0"/>
+              </a:spcBef>
+              <a:spcAft>
+                <a:spcPct val="0"/>
+              </a:spcAft>
+              <a:defRPr sz="2400">
+                <a:solidFill>
+                  <a:schemeClr val="tx1"/>
+                </a:solidFill>
+                <a:latin typeface="Trebuchet MS" charset="0"/>
+                <a:ea typeface="ＭＳ Ｐゴシック" charset="0"/>
+              </a:defRPr>
+            </a:lvl9pPr>
+          </a:lstStyle>
+          <a:p>
+            <a:pPr eaLnBrk="1" hangingPunct="1"/>
+            <a:r>
+              <a:rPr lang="en-US" sz="1200" b="1" dirty="0" smtClean="0">
+                <a:solidFill>
+                  <a:srgbClr val="122956"/>
+                </a:solidFill>
+                <a:cs typeface="Trebuchet MS" charset="0"/>
+              </a:rPr>
+              <a:t>3-</a:t>
+            </a:r>
+            <a:fld id="{31B56995-E14C-B64F-86C9-12D6DB74A41E}" type="slidenum">
+              <a:rPr lang="en-US" sz="1200" b="1">
+                <a:solidFill>
+                  <a:srgbClr val="122956"/>
+                </a:solidFill>
+                <a:cs typeface="Trebuchet MS" charset="0"/>
+              </a:rPr>
+              <a:pPr eaLnBrk="1" hangingPunct="1"/>
+              <a:t>10</a:t>
+            </a:fld>
+            <a:endParaRPr lang="en-US" sz="1200" b="1" dirty="0">
+              <a:solidFill>
+                <a:srgbClr val="122956"/>
+              </a:solidFill>
+              <a:cs typeface="Trebuchet MS" charset="0"/>
+            </a:endParaRPr>
+          </a:p>
+        </p:txBody>
+      </p:sp>
     </p:spTree>
     <p:extLst>
       <p:ext uri="{BB962C8B-B14F-4D97-AF65-F5344CB8AC3E}">
@@ -8251,6 +8602,186 @@
               <a:t>Demo and wiki URL</a:t>
             </a:r>
             <a:endParaRPr lang="en-US" dirty="0"/>
+          </a:p>
+        </p:txBody>
+      </p:sp>
+      <p:sp>
+        <p:nvSpPr>
+          <p:cNvPr id="4" name="Slide Number Placeholder 5"/>
+          <p:cNvSpPr>
+            <a:spLocks noGrp="1"/>
+          </p:cNvSpPr>
+          <p:nvPr>
+            <p:ph type="sldNum" sz="quarter" idx="12"/>
+          </p:nvPr>
+        </p:nvSpPr>
+        <p:spPr bwMode="auto">
+          <a:xfrm>
+            <a:off x="203200" y="6400800"/>
+            <a:ext cx="2133600" cy="365125"/>
+          </a:xfrm>
+          <a:noFill/>
+          <a:extLst>
+            <a:ext uri="{909E8E84-426E-40dd-AFC4-6F175D3DCCD1}">
+              <a14:hiddenFill xmlns:a14="http://schemas.microsoft.com/office/drawing/2010/main">
+                <a:solidFill>
+                  <a:srgbClr val="FFFFFF"/>
+                </a:solidFill>
+              </a14:hiddenFill>
+            </a:ext>
+            <a:ext uri="{91240B29-F687-4f45-9708-019B960494DF}">
+              <a14:hiddenLine xmlns:a14="http://schemas.microsoft.com/office/drawing/2010/main" w="9525">
+                <a:solidFill>
+                  <a:srgbClr val="000000"/>
+                </a:solidFill>
+                <a:miter lim="800000"/>
+                <a:headEnd/>
+                <a:tailEnd/>
+              </a14:hiddenLine>
+            </a:ext>
+          </a:extLst>
+        </p:spPr>
+        <p:txBody>
+          <a:bodyPr vert="horz" wrap="square" lIns="91440" tIns="45720" rIns="91440" bIns="45720" numCol="1" anchor="ctr" anchorCtr="0" compatLnSpc="1">
+            <a:prstTxWarp prst="textNoShape">
+              <a:avLst/>
+            </a:prstTxWarp>
+          </a:bodyPr>
+          <a:lstStyle>
+            <a:lvl1pPr eaLnBrk="0" hangingPunct="0">
+              <a:defRPr sz="2400">
+                <a:solidFill>
+                  <a:schemeClr val="tx1"/>
+                </a:solidFill>
+                <a:latin typeface="Trebuchet MS" charset="0"/>
+                <a:ea typeface="ＭＳ Ｐゴシック" charset="0"/>
+                <a:cs typeface="ＭＳ Ｐゴシック" charset="0"/>
+              </a:defRPr>
+            </a:lvl1pPr>
+            <a:lvl2pPr marL="742950" indent="-285750" eaLnBrk="0" hangingPunct="0">
+              <a:defRPr sz="2400">
+                <a:solidFill>
+                  <a:schemeClr val="tx1"/>
+                </a:solidFill>
+                <a:latin typeface="Trebuchet MS" charset="0"/>
+                <a:ea typeface="ＭＳ Ｐゴシック" charset="0"/>
+              </a:defRPr>
+            </a:lvl2pPr>
+            <a:lvl3pPr marL="1143000" indent="-228600" eaLnBrk="0" hangingPunct="0">
+              <a:defRPr sz="2400">
+                <a:solidFill>
+                  <a:schemeClr val="tx1"/>
+                </a:solidFill>
+                <a:latin typeface="Trebuchet MS" charset="0"/>
+                <a:ea typeface="ＭＳ Ｐゴシック" charset="0"/>
+              </a:defRPr>
+            </a:lvl3pPr>
+            <a:lvl4pPr marL="1600200" indent="-228600" eaLnBrk="0" hangingPunct="0">
+              <a:defRPr sz="2400">
+                <a:solidFill>
+                  <a:schemeClr val="tx1"/>
+                </a:solidFill>
+                <a:latin typeface="Trebuchet MS" charset="0"/>
+                <a:ea typeface="ＭＳ Ｐゴシック" charset="0"/>
+              </a:defRPr>
+            </a:lvl4pPr>
+            <a:lvl5pPr marL="2057400" indent="-228600" eaLnBrk="0" hangingPunct="0">
+              <a:defRPr sz="2400">
+                <a:solidFill>
+                  <a:schemeClr val="tx1"/>
+                </a:solidFill>
+                <a:latin typeface="Trebuchet MS" charset="0"/>
+                <a:ea typeface="ＭＳ Ｐゴシック" charset="0"/>
+              </a:defRPr>
+            </a:lvl5pPr>
+            <a:lvl6pPr marL="2514600" indent="-228600" eaLnBrk="0" fontAlgn="base" hangingPunct="0">
+              <a:spcBef>
+                <a:spcPct val="0"/>
+              </a:spcBef>
+              <a:spcAft>
+                <a:spcPct val="0"/>
+              </a:spcAft>
+              <a:defRPr sz="2400">
+                <a:solidFill>
+                  <a:schemeClr val="tx1"/>
+                </a:solidFill>
+                <a:latin typeface="Trebuchet MS" charset="0"/>
+                <a:ea typeface="ＭＳ Ｐゴシック" charset="0"/>
+              </a:defRPr>
+            </a:lvl6pPr>
+            <a:lvl7pPr marL="2971800" indent="-228600" eaLnBrk="0" fontAlgn="base" hangingPunct="0">
+              <a:spcBef>
+                <a:spcPct val="0"/>
+              </a:spcBef>
+              <a:spcAft>
+                <a:spcPct val="0"/>
+              </a:spcAft>
+              <a:defRPr sz="2400">
+                <a:solidFill>
+                  <a:schemeClr val="tx1"/>
+                </a:solidFill>
+                <a:latin typeface="Trebuchet MS" charset="0"/>
+                <a:ea typeface="ＭＳ Ｐゴシック" charset="0"/>
+              </a:defRPr>
+            </a:lvl7pPr>
+            <a:lvl8pPr marL="3429000" indent="-228600" eaLnBrk="0" fontAlgn="base" hangingPunct="0">
+              <a:spcBef>
+                <a:spcPct val="0"/>
+              </a:spcBef>
+              <a:spcAft>
+                <a:spcPct val="0"/>
+              </a:spcAft>
+              <a:defRPr sz="2400">
+                <a:solidFill>
+                  <a:schemeClr val="tx1"/>
+                </a:solidFill>
+                <a:latin typeface="Trebuchet MS" charset="0"/>
+                <a:ea typeface="ＭＳ Ｐゴシック" charset="0"/>
+              </a:defRPr>
+            </a:lvl8pPr>
+            <a:lvl9pPr marL="3886200" indent="-228600" eaLnBrk="0" fontAlgn="base" hangingPunct="0">
+              <a:spcBef>
+                <a:spcPct val="0"/>
+              </a:spcBef>
+              <a:spcAft>
+                <a:spcPct val="0"/>
+              </a:spcAft>
+              <a:defRPr sz="2400">
+                <a:solidFill>
+                  <a:schemeClr val="tx1"/>
+                </a:solidFill>
+                <a:latin typeface="Trebuchet MS" charset="0"/>
+                <a:ea typeface="ＭＳ Ｐゴシック" charset="0"/>
+              </a:defRPr>
+            </a:lvl9pPr>
+          </a:lstStyle>
+          <a:p>
+            <a:pPr eaLnBrk="1" hangingPunct="1"/>
+            <a:r>
+              <a:rPr lang="en-US" sz="1200" b="1" dirty="0" smtClean="0">
+                <a:solidFill>
+                  <a:srgbClr val="122956"/>
+                </a:solidFill>
+                <a:cs typeface="Trebuchet MS" charset="0"/>
+              </a:rPr>
+              <a:t>3-</a:t>
+            </a:r>
+            <a:fld id="{31B56995-E14C-B64F-86C9-12D6DB74A41E}" type="slidenum">
+              <a:rPr lang="en-US" sz="1200" b="1">
+                <a:solidFill>
+                  <a:srgbClr val="122956"/>
+                </a:solidFill>
+                <a:cs typeface="Trebuchet MS" charset="0"/>
+              </a:rPr>
+              <a:pPr eaLnBrk="1" hangingPunct="1"/>
+              <a:t>11</a:t>
+            </a:fld>
+            <a:endParaRPr lang="en-US" sz="1200" b="1" dirty="0">
+              <a:solidFill>
+                <a:srgbClr val="122956"/>
+              </a:solidFill>
+              <a:cs typeface="Trebuchet MS" charset="0"/>
+            </a:endParaRPr>
           </a:p>
         </p:txBody>
       </p:sp>
@@ -8386,6 +8917,186 @@
               <a:ea typeface="ヒラギノ角ゴ ProN W6" charset="0"/>
               <a:cs typeface="ヒラギノ角ゴ ProN W6" charset="0"/>
               <a:sym typeface="Trebuchet MS Bold Italic" charset="0"/>
+            </a:endParaRPr>
+          </a:p>
+        </p:txBody>
+      </p:sp>
+      <p:sp>
+        <p:nvSpPr>
+          <p:cNvPr id="4" name="Slide Number Placeholder 5"/>
+          <p:cNvSpPr>
+            <a:spLocks noGrp="1"/>
+          </p:cNvSpPr>
+          <p:nvPr>
+            <p:ph type="sldNum" sz="quarter" idx="12"/>
+          </p:nvPr>
+        </p:nvSpPr>
+        <p:spPr bwMode="auto">
+          <a:xfrm>
+            <a:off x="203200" y="6400800"/>
+            <a:ext cx="2133600" cy="365125"/>
+          </a:xfrm>
+          <a:noFill/>
+          <a:extLst>
+            <a:ext uri="{909E8E84-426E-40dd-AFC4-6F175D3DCCD1}">
+              <a14:hiddenFill xmlns:a14="http://schemas.microsoft.com/office/drawing/2010/main">
+                <a:solidFill>
+                  <a:srgbClr val="FFFFFF"/>
+                </a:solidFill>
+              </a14:hiddenFill>
+            </a:ext>
+            <a:ext uri="{91240B29-F687-4f45-9708-019B960494DF}">
+              <a14:hiddenLine xmlns:a14="http://schemas.microsoft.com/office/drawing/2010/main" w="9525">
+                <a:solidFill>
+                  <a:srgbClr val="000000"/>
+                </a:solidFill>
+                <a:miter lim="800000"/>
+                <a:headEnd/>
+                <a:tailEnd/>
+              </a14:hiddenLine>
+            </a:ext>
+          </a:extLst>
+        </p:spPr>
+        <p:txBody>
+          <a:bodyPr vert="horz" wrap="square" lIns="91440" tIns="45720" rIns="91440" bIns="45720" numCol="1" anchor="ctr" anchorCtr="0" compatLnSpc="1">
+            <a:prstTxWarp prst="textNoShape">
+              <a:avLst/>
+            </a:prstTxWarp>
+          </a:bodyPr>
+          <a:lstStyle>
+            <a:lvl1pPr eaLnBrk="0" hangingPunct="0">
+              <a:defRPr sz="2400">
+                <a:solidFill>
+                  <a:schemeClr val="tx1"/>
+                </a:solidFill>
+                <a:latin typeface="Trebuchet MS" charset="0"/>
+                <a:ea typeface="ＭＳ Ｐゴシック" charset="0"/>
+                <a:cs typeface="ＭＳ Ｐゴシック" charset="0"/>
+              </a:defRPr>
+            </a:lvl1pPr>
+            <a:lvl2pPr marL="742950" indent="-285750" eaLnBrk="0" hangingPunct="0">
+              <a:defRPr sz="2400">
+                <a:solidFill>
+                  <a:schemeClr val="tx1"/>
+                </a:solidFill>
+                <a:latin typeface="Trebuchet MS" charset="0"/>
+                <a:ea typeface="ＭＳ Ｐゴシック" charset="0"/>
+              </a:defRPr>
+            </a:lvl2pPr>
+            <a:lvl3pPr marL="1143000" indent="-228600" eaLnBrk="0" hangingPunct="0">
+              <a:defRPr sz="2400">
+                <a:solidFill>
+                  <a:schemeClr val="tx1"/>
+                </a:solidFill>
+                <a:latin typeface="Trebuchet MS" charset="0"/>
+                <a:ea typeface="ＭＳ Ｐゴシック" charset="0"/>
+              </a:defRPr>
+            </a:lvl3pPr>
+            <a:lvl4pPr marL="1600200" indent="-228600" eaLnBrk="0" hangingPunct="0">
+              <a:defRPr sz="2400">
+                <a:solidFill>
+                  <a:schemeClr val="tx1"/>
+                </a:solidFill>
+                <a:latin typeface="Trebuchet MS" charset="0"/>
+                <a:ea typeface="ＭＳ Ｐゴシック" charset="0"/>
+              </a:defRPr>
+            </a:lvl4pPr>
+            <a:lvl5pPr marL="2057400" indent="-228600" eaLnBrk="0" hangingPunct="0">
+              <a:defRPr sz="2400">
+                <a:solidFill>
+                  <a:schemeClr val="tx1"/>
+                </a:solidFill>
+                <a:latin typeface="Trebuchet MS" charset="0"/>
+                <a:ea typeface="ＭＳ Ｐゴシック" charset="0"/>
+              </a:defRPr>
+            </a:lvl5pPr>
+            <a:lvl6pPr marL="2514600" indent="-228600" eaLnBrk="0" fontAlgn="base" hangingPunct="0">
+              <a:spcBef>
+                <a:spcPct val="0"/>
+              </a:spcBef>
+              <a:spcAft>
+                <a:spcPct val="0"/>
+              </a:spcAft>
+              <a:defRPr sz="2400">
+                <a:solidFill>
+                  <a:schemeClr val="tx1"/>
+                </a:solidFill>
+                <a:latin typeface="Trebuchet MS" charset="0"/>
+                <a:ea typeface="ＭＳ Ｐゴシック" charset="0"/>
+              </a:defRPr>
+            </a:lvl6pPr>
+            <a:lvl7pPr marL="2971800" indent="-228600" eaLnBrk="0" fontAlgn="base" hangingPunct="0">
+              <a:spcBef>
+                <a:spcPct val="0"/>
+              </a:spcBef>
+              <a:spcAft>
+                <a:spcPct val="0"/>
+              </a:spcAft>
+              <a:defRPr sz="2400">
+                <a:solidFill>
+                  <a:schemeClr val="tx1"/>
+                </a:solidFill>
+                <a:latin typeface="Trebuchet MS" charset="0"/>
+                <a:ea typeface="ＭＳ Ｐゴシック" charset="0"/>
+              </a:defRPr>
+            </a:lvl7pPr>
+            <a:lvl8pPr marL="3429000" indent="-228600" eaLnBrk="0" fontAlgn="base" hangingPunct="0">
+              <a:spcBef>
+                <a:spcPct val="0"/>
+              </a:spcBef>
+              <a:spcAft>
+                <a:spcPct val="0"/>
+              </a:spcAft>
+              <a:defRPr sz="2400">
+                <a:solidFill>
+                  <a:schemeClr val="tx1"/>
+                </a:solidFill>
+                <a:latin typeface="Trebuchet MS" charset="0"/>
+                <a:ea typeface="ＭＳ Ｐゴシック" charset="0"/>
+              </a:defRPr>
+            </a:lvl8pPr>
+            <a:lvl9pPr marL="3886200" indent="-228600" eaLnBrk="0" fontAlgn="base" hangingPunct="0">
+              <a:spcBef>
+                <a:spcPct val="0"/>
+              </a:spcBef>
+              <a:spcAft>
+                <a:spcPct val="0"/>
+              </a:spcAft>
+              <a:defRPr sz="2400">
+                <a:solidFill>
+                  <a:schemeClr val="tx1"/>
+                </a:solidFill>
+                <a:latin typeface="Trebuchet MS" charset="0"/>
+                <a:ea typeface="ＭＳ Ｐゴシック" charset="0"/>
+              </a:defRPr>
+            </a:lvl9pPr>
+          </a:lstStyle>
+          <a:p>
+            <a:pPr eaLnBrk="1" hangingPunct="1"/>
+            <a:r>
+              <a:rPr lang="en-US" sz="1200" b="1" dirty="0" smtClean="0">
+                <a:solidFill>
+                  <a:srgbClr val="122956"/>
+                </a:solidFill>
+                <a:cs typeface="Trebuchet MS" charset="0"/>
+              </a:rPr>
+              <a:t>3-</a:t>
+            </a:r>
+            <a:fld id="{31B56995-E14C-B64F-86C9-12D6DB74A41E}" type="slidenum">
+              <a:rPr lang="en-US" sz="1200" b="1">
+                <a:solidFill>
+                  <a:srgbClr val="122956"/>
+                </a:solidFill>
+                <a:cs typeface="Trebuchet MS" charset="0"/>
+              </a:rPr>
+              <a:pPr eaLnBrk="1" hangingPunct="1"/>
+              <a:t>12</a:t>
+            </a:fld>
+            <a:endParaRPr lang="en-US" sz="1200" b="1" dirty="0">
+              <a:solidFill>
+                <a:srgbClr val="122956"/>
+              </a:solidFill>
+              <a:cs typeface="Trebuchet MS" charset="0"/>
             </a:endParaRPr>
           </a:p>
         </p:txBody>
@@ -8708,6 +9419,186 @@
           </a:p>
         </p:txBody>
       </p:sp>
+      <p:sp>
+        <p:nvSpPr>
+          <p:cNvPr id="7" name="Slide Number Placeholder 5"/>
+          <p:cNvSpPr>
+            <a:spLocks noGrp="1"/>
+          </p:cNvSpPr>
+          <p:nvPr>
+            <p:ph type="sldNum" sz="quarter" idx="12"/>
+          </p:nvPr>
+        </p:nvSpPr>
+        <p:spPr bwMode="auto">
+          <a:xfrm>
+            <a:off x="203200" y="6400800"/>
+            <a:ext cx="2133600" cy="365125"/>
+          </a:xfrm>
+          <a:noFill/>
+          <a:extLst>
+            <a:ext uri="{909E8E84-426E-40dd-AFC4-6F175D3DCCD1}">
+              <a14:hiddenFill xmlns:a14="http://schemas.microsoft.com/office/drawing/2010/main">
+                <a:solidFill>
+                  <a:srgbClr val="FFFFFF"/>
+                </a:solidFill>
+              </a14:hiddenFill>
+            </a:ext>
+            <a:ext uri="{91240B29-F687-4f45-9708-019B960494DF}">
+              <a14:hiddenLine xmlns:a14="http://schemas.microsoft.com/office/drawing/2010/main" w="9525">
+                <a:solidFill>
+                  <a:srgbClr val="000000"/>
+                </a:solidFill>
+                <a:miter lim="800000"/>
+                <a:headEnd/>
+                <a:tailEnd/>
+              </a14:hiddenLine>
+            </a:ext>
+          </a:extLst>
+        </p:spPr>
+        <p:txBody>
+          <a:bodyPr vert="horz" wrap="square" lIns="91440" tIns="45720" rIns="91440" bIns="45720" numCol="1" anchor="ctr" anchorCtr="0" compatLnSpc="1">
+            <a:prstTxWarp prst="textNoShape">
+              <a:avLst/>
+            </a:prstTxWarp>
+          </a:bodyPr>
+          <a:lstStyle>
+            <a:lvl1pPr eaLnBrk="0" hangingPunct="0">
+              <a:defRPr sz="2400">
+                <a:solidFill>
+                  <a:schemeClr val="tx1"/>
+                </a:solidFill>
+                <a:latin typeface="Trebuchet MS" charset="0"/>
+                <a:ea typeface="ＭＳ Ｐゴシック" charset="0"/>
+                <a:cs typeface="ＭＳ Ｐゴシック" charset="0"/>
+              </a:defRPr>
+            </a:lvl1pPr>
+            <a:lvl2pPr marL="742950" indent="-285750" eaLnBrk="0" hangingPunct="0">
+              <a:defRPr sz="2400">
+                <a:solidFill>
+                  <a:schemeClr val="tx1"/>
+                </a:solidFill>
+                <a:latin typeface="Trebuchet MS" charset="0"/>
+                <a:ea typeface="ＭＳ Ｐゴシック" charset="0"/>
+              </a:defRPr>
+            </a:lvl2pPr>
+            <a:lvl3pPr marL="1143000" indent="-228600" eaLnBrk="0" hangingPunct="0">
+              <a:defRPr sz="2400">
+                <a:solidFill>
+                  <a:schemeClr val="tx1"/>
+                </a:solidFill>
+                <a:latin typeface="Trebuchet MS" charset="0"/>
+                <a:ea typeface="ＭＳ Ｐゴシック" charset="0"/>
+              </a:defRPr>
+            </a:lvl3pPr>
+            <a:lvl4pPr marL="1600200" indent="-228600" eaLnBrk="0" hangingPunct="0">
+              <a:defRPr sz="2400">
+                <a:solidFill>
+                  <a:schemeClr val="tx1"/>
+                </a:solidFill>
+                <a:latin typeface="Trebuchet MS" charset="0"/>
+                <a:ea typeface="ＭＳ Ｐゴシック" charset="0"/>
+              </a:defRPr>
+            </a:lvl4pPr>
+            <a:lvl5pPr marL="2057400" indent="-228600" eaLnBrk="0" hangingPunct="0">
+              <a:defRPr sz="2400">
+                <a:solidFill>
+                  <a:schemeClr val="tx1"/>
+                </a:solidFill>
+                <a:latin typeface="Trebuchet MS" charset="0"/>
+                <a:ea typeface="ＭＳ Ｐゴシック" charset="0"/>
+              </a:defRPr>
+            </a:lvl5pPr>
+            <a:lvl6pPr marL="2514600" indent="-228600" eaLnBrk="0" fontAlgn="base" hangingPunct="0">
+              <a:spcBef>
+                <a:spcPct val="0"/>
+              </a:spcBef>
+              <a:spcAft>
+                <a:spcPct val="0"/>
+              </a:spcAft>
+              <a:defRPr sz="2400">
+                <a:solidFill>
+                  <a:schemeClr val="tx1"/>
+                </a:solidFill>
+                <a:latin typeface="Trebuchet MS" charset="0"/>
+                <a:ea typeface="ＭＳ Ｐゴシック" charset="0"/>
+              </a:defRPr>
+            </a:lvl6pPr>
+            <a:lvl7pPr marL="2971800" indent="-228600" eaLnBrk="0" fontAlgn="base" hangingPunct="0">
+              <a:spcBef>
+                <a:spcPct val="0"/>
+              </a:spcBef>
+              <a:spcAft>
+                <a:spcPct val="0"/>
+              </a:spcAft>
+              <a:defRPr sz="2400">
+                <a:solidFill>
+                  <a:schemeClr val="tx1"/>
+                </a:solidFill>
+                <a:latin typeface="Trebuchet MS" charset="0"/>
+                <a:ea typeface="ＭＳ Ｐゴシック" charset="0"/>
+              </a:defRPr>
+            </a:lvl7pPr>
+            <a:lvl8pPr marL="3429000" indent="-228600" eaLnBrk="0" fontAlgn="base" hangingPunct="0">
+              <a:spcBef>
+                <a:spcPct val="0"/>
+              </a:spcBef>
+              <a:spcAft>
+                <a:spcPct val="0"/>
+              </a:spcAft>
+              <a:defRPr sz="2400">
+                <a:solidFill>
+                  <a:schemeClr val="tx1"/>
+                </a:solidFill>
+                <a:latin typeface="Trebuchet MS" charset="0"/>
+                <a:ea typeface="ＭＳ Ｐゴシック" charset="0"/>
+              </a:defRPr>
+            </a:lvl8pPr>
+            <a:lvl9pPr marL="3886200" indent="-228600" eaLnBrk="0" fontAlgn="base" hangingPunct="0">
+              <a:spcBef>
+                <a:spcPct val="0"/>
+              </a:spcBef>
+              <a:spcAft>
+                <a:spcPct val="0"/>
+              </a:spcAft>
+              <a:defRPr sz="2400">
+                <a:solidFill>
+                  <a:schemeClr val="tx1"/>
+                </a:solidFill>
+                <a:latin typeface="Trebuchet MS" charset="0"/>
+                <a:ea typeface="ＭＳ Ｐゴシック" charset="0"/>
+              </a:defRPr>
+            </a:lvl9pPr>
+          </a:lstStyle>
+          <a:p>
+            <a:pPr eaLnBrk="1" hangingPunct="1"/>
+            <a:r>
+              <a:rPr lang="en-US" sz="1200" b="1" dirty="0" smtClean="0">
+                <a:solidFill>
+                  <a:srgbClr val="122956"/>
+                </a:solidFill>
+                <a:cs typeface="Trebuchet MS" charset="0"/>
+              </a:rPr>
+              <a:t>3-</a:t>
+            </a:r>
+            <a:fld id="{31B56995-E14C-B64F-86C9-12D6DB74A41E}" type="slidenum">
+              <a:rPr lang="en-US" sz="1200" b="1">
+                <a:solidFill>
+                  <a:srgbClr val="122956"/>
+                </a:solidFill>
+                <a:cs typeface="Trebuchet MS" charset="0"/>
+              </a:rPr>
+              <a:pPr eaLnBrk="1" hangingPunct="1"/>
+              <a:t>2</a:t>
+            </a:fld>
+            <a:endParaRPr lang="en-US" sz="1200" b="1" dirty="0">
+              <a:solidFill>
+                <a:srgbClr val="122956"/>
+              </a:solidFill>
+              <a:cs typeface="Trebuchet MS" charset="0"/>
+            </a:endParaRPr>
+          </a:p>
+        </p:txBody>
+      </p:sp>
     </p:spTree>
   </p:cSld>
   <p:clrMapOvr>
@@ -8836,6 +9727,186 @@
               <a:ea typeface="ヒラギノ角ゴ ProN W6" charset="0"/>
               <a:cs typeface="ヒラギノ角ゴ ProN W6" charset="0"/>
               <a:sym typeface="Trebuchet MS Bold Italic" charset="0"/>
+            </a:endParaRPr>
+          </a:p>
+        </p:txBody>
+      </p:sp>
+      <p:sp>
+        <p:nvSpPr>
+          <p:cNvPr id="4" name="Slide Number Placeholder 5"/>
+          <p:cNvSpPr>
+            <a:spLocks noGrp="1"/>
+          </p:cNvSpPr>
+          <p:nvPr>
+            <p:ph type="sldNum" sz="quarter" idx="12"/>
+          </p:nvPr>
+        </p:nvSpPr>
+        <p:spPr bwMode="auto">
+          <a:xfrm>
+            <a:off x="203200" y="6400800"/>
+            <a:ext cx="2133600" cy="365125"/>
+          </a:xfrm>
+          <a:noFill/>
+          <a:extLst>
+            <a:ext uri="{909E8E84-426E-40dd-AFC4-6F175D3DCCD1}">
+              <a14:hiddenFill xmlns:a14="http://schemas.microsoft.com/office/drawing/2010/main">
+                <a:solidFill>
+                  <a:srgbClr val="FFFFFF"/>
+                </a:solidFill>
+              </a14:hiddenFill>
+            </a:ext>
+            <a:ext uri="{91240B29-F687-4f45-9708-019B960494DF}">
+              <a14:hiddenLine xmlns:a14="http://schemas.microsoft.com/office/drawing/2010/main" w="9525">
+                <a:solidFill>
+                  <a:srgbClr val="000000"/>
+                </a:solidFill>
+                <a:miter lim="800000"/>
+                <a:headEnd/>
+                <a:tailEnd/>
+              </a14:hiddenLine>
+            </a:ext>
+          </a:extLst>
+        </p:spPr>
+        <p:txBody>
+          <a:bodyPr vert="horz" wrap="square" lIns="91440" tIns="45720" rIns="91440" bIns="45720" numCol="1" anchor="ctr" anchorCtr="0" compatLnSpc="1">
+            <a:prstTxWarp prst="textNoShape">
+              <a:avLst/>
+            </a:prstTxWarp>
+          </a:bodyPr>
+          <a:lstStyle>
+            <a:lvl1pPr eaLnBrk="0" hangingPunct="0">
+              <a:defRPr sz="2400">
+                <a:solidFill>
+                  <a:schemeClr val="tx1"/>
+                </a:solidFill>
+                <a:latin typeface="Trebuchet MS" charset="0"/>
+                <a:ea typeface="ＭＳ Ｐゴシック" charset="0"/>
+                <a:cs typeface="ＭＳ Ｐゴシック" charset="0"/>
+              </a:defRPr>
+            </a:lvl1pPr>
+            <a:lvl2pPr marL="742950" indent="-285750" eaLnBrk="0" hangingPunct="0">
+              <a:defRPr sz="2400">
+                <a:solidFill>
+                  <a:schemeClr val="tx1"/>
+                </a:solidFill>
+                <a:latin typeface="Trebuchet MS" charset="0"/>
+                <a:ea typeface="ＭＳ Ｐゴシック" charset="0"/>
+              </a:defRPr>
+            </a:lvl2pPr>
+            <a:lvl3pPr marL="1143000" indent="-228600" eaLnBrk="0" hangingPunct="0">
+              <a:defRPr sz="2400">
+                <a:solidFill>
+                  <a:schemeClr val="tx1"/>
+                </a:solidFill>
+                <a:latin typeface="Trebuchet MS" charset="0"/>
+                <a:ea typeface="ＭＳ Ｐゴシック" charset="0"/>
+              </a:defRPr>
+            </a:lvl3pPr>
+            <a:lvl4pPr marL="1600200" indent="-228600" eaLnBrk="0" hangingPunct="0">
+              <a:defRPr sz="2400">
+                <a:solidFill>
+                  <a:schemeClr val="tx1"/>
+                </a:solidFill>
+                <a:latin typeface="Trebuchet MS" charset="0"/>
+                <a:ea typeface="ＭＳ Ｐゴシック" charset="0"/>
+              </a:defRPr>
+            </a:lvl4pPr>
+            <a:lvl5pPr marL="2057400" indent="-228600" eaLnBrk="0" hangingPunct="0">
+              <a:defRPr sz="2400">
+                <a:solidFill>
+                  <a:schemeClr val="tx1"/>
+                </a:solidFill>
+                <a:latin typeface="Trebuchet MS" charset="0"/>
+                <a:ea typeface="ＭＳ Ｐゴシック" charset="0"/>
+              </a:defRPr>
+            </a:lvl5pPr>
+            <a:lvl6pPr marL="2514600" indent="-228600" eaLnBrk="0" fontAlgn="base" hangingPunct="0">
+              <a:spcBef>
+                <a:spcPct val="0"/>
+              </a:spcBef>
+              <a:spcAft>
+                <a:spcPct val="0"/>
+              </a:spcAft>
+              <a:defRPr sz="2400">
+                <a:solidFill>
+                  <a:schemeClr val="tx1"/>
+                </a:solidFill>
+                <a:latin typeface="Trebuchet MS" charset="0"/>
+                <a:ea typeface="ＭＳ Ｐゴシック" charset="0"/>
+              </a:defRPr>
+            </a:lvl6pPr>
+            <a:lvl7pPr marL="2971800" indent="-228600" eaLnBrk="0" fontAlgn="base" hangingPunct="0">
+              <a:spcBef>
+                <a:spcPct val="0"/>
+              </a:spcBef>
+              <a:spcAft>
+                <a:spcPct val="0"/>
+              </a:spcAft>
+              <a:defRPr sz="2400">
+                <a:solidFill>
+                  <a:schemeClr val="tx1"/>
+                </a:solidFill>
+                <a:latin typeface="Trebuchet MS" charset="0"/>
+                <a:ea typeface="ＭＳ Ｐゴシック" charset="0"/>
+              </a:defRPr>
+            </a:lvl7pPr>
+            <a:lvl8pPr marL="3429000" indent="-228600" eaLnBrk="0" fontAlgn="base" hangingPunct="0">
+              <a:spcBef>
+                <a:spcPct val="0"/>
+              </a:spcBef>
+              <a:spcAft>
+                <a:spcPct val="0"/>
+              </a:spcAft>
+              <a:defRPr sz="2400">
+                <a:solidFill>
+                  <a:schemeClr val="tx1"/>
+                </a:solidFill>
+                <a:latin typeface="Trebuchet MS" charset="0"/>
+                <a:ea typeface="ＭＳ Ｐゴシック" charset="0"/>
+              </a:defRPr>
+            </a:lvl8pPr>
+            <a:lvl9pPr marL="3886200" indent="-228600" eaLnBrk="0" fontAlgn="base" hangingPunct="0">
+              <a:spcBef>
+                <a:spcPct val="0"/>
+              </a:spcBef>
+              <a:spcAft>
+                <a:spcPct val="0"/>
+              </a:spcAft>
+              <a:defRPr sz="2400">
+                <a:solidFill>
+                  <a:schemeClr val="tx1"/>
+                </a:solidFill>
+                <a:latin typeface="Trebuchet MS" charset="0"/>
+                <a:ea typeface="ＭＳ Ｐゴシック" charset="0"/>
+              </a:defRPr>
+            </a:lvl9pPr>
+          </a:lstStyle>
+          <a:p>
+            <a:pPr eaLnBrk="1" hangingPunct="1"/>
+            <a:r>
+              <a:rPr lang="en-US" sz="1200" b="1" dirty="0" smtClean="0">
+                <a:solidFill>
+                  <a:srgbClr val="122956"/>
+                </a:solidFill>
+                <a:cs typeface="Trebuchet MS" charset="0"/>
+              </a:rPr>
+              <a:t>3-</a:t>
+            </a:r>
+            <a:fld id="{31B56995-E14C-B64F-86C9-12D6DB74A41E}" type="slidenum">
+              <a:rPr lang="en-US" sz="1200" b="1">
+                <a:solidFill>
+                  <a:srgbClr val="122956"/>
+                </a:solidFill>
+                <a:cs typeface="Trebuchet MS" charset="0"/>
+              </a:rPr>
+              <a:pPr eaLnBrk="1" hangingPunct="1"/>
+              <a:t>3</a:t>
+            </a:fld>
+            <a:endParaRPr lang="en-US" sz="1200" b="1" dirty="0">
+              <a:solidFill>
+                <a:srgbClr val="122956"/>
+              </a:solidFill>
+              <a:cs typeface="Trebuchet MS" charset="0"/>
             </a:endParaRPr>
           </a:p>
         </p:txBody>
@@ -9151,6 +10222,186 @@
               <a:latin typeface="Trebuchet MS" charset="0"/>
               <a:ea typeface="ヒラギノ角ゴ ProN W3" charset="0"/>
               <a:cs typeface="ヒラギノ角ゴ ProN W3" charset="0"/>
+            </a:endParaRPr>
+          </a:p>
+        </p:txBody>
+      </p:sp>
+      <p:sp>
+        <p:nvSpPr>
+          <p:cNvPr id="7" name="Slide Number Placeholder 5"/>
+          <p:cNvSpPr>
+            <a:spLocks noGrp="1"/>
+          </p:cNvSpPr>
+          <p:nvPr>
+            <p:ph type="sldNum" sz="quarter" idx="12"/>
+          </p:nvPr>
+        </p:nvSpPr>
+        <p:spPr bwMode="auto">
+          <a:xfrm>
+            <a:off x="203200" y="6400800"/>
+            <a:ext cx="2133600" cy="365125"/>
+          </a:xfrm>
+          <a:noFill/>
+          <a:extLst>
+            <a:ext uri="{909E8E84-426E-40dd-AFC4-6F175D3DCCD1}">
+              <a14:hiddenFill xmlns:a14="http://schemas.microsoft.com/office/drawing/2010/main">
+                <a:solidFill>
+                  <a:srgbClr val="FFFFFF"/>
+                </a:solidFill>
+              </a14:hiddenFill>
+            </a:ext>
+            <a:ext uri="{91240B29-F687-4f45-9708-019B960494DF}">
+              <a14:hiddenLine xmlns:a14="http://schemas.microsoft.com/office/drawing/2010/main" w="9525">
+                <a:solidFill>
+                  <a:srgbClr val="000000"/>
+                </a:solidFill>
+                <a:miter lim="800000"/>
+                <a:headEnd/>
+                <a:tailEnd/>
+              </a14:hiddenLine>
+            </a:ext>
+          </a:extLst>
+        </p:spPr>
+        <p:txBody>
+          <a:bodyPr vert="horz" wrap="square" lIns="91440" tIns="45720" rIns="91440" bIns="45720" numCol="1" anchor="ctr" anchorCtr="0" compatLnSpc="1">
+            <a:prstTxWarp prst="textNoShape">
+              <a:avLst/>
+            </a:prstTxWarp>
+          </a:bodyPr>
+          <a:lstStyle>
+            <a:lvl1pPr eaLnBrk="0" hangingPunct="0">
+              <a:defRPr sz="2400">
+                <a:solidFill>
+                  <a:schemeClr val="tx1"/>
+                </a:solidFill>
+                <a:latin typeface="Trebuchet MS" charset="0"/>
+                <a:ea typeface="ＭＳ Ｐゴシック" charset="0"/>
+                <a:cs typeface="ＭＳ Ｐゴシック" charset="0"/>
+              </a:defRPr>
+            </a:lvl1pPr>
+            <a:lvl2pPr marL="742950" indent="-285750" eaLnBrk="0" hangingPunct="0">
+              <a:defRPr sz="2400">
+                <a:solidFill>
+                  <a:schemeClr val="tx1"/>
+                </a:solidFill>
+                <a:latin typeface="Trebuchet MS" charset="0"/>
+                <a:ea typeface="ＭＳ Ｐゴシック" charset="0"/>
+              </a:defRPr>
+            </a:lvl2pPr>
+            <a:lvl3pPr marL="1143000" indent="-228600" eaLnBrk="0" hangingPunct="0">
+              <a:defRPr sz="2400">
+                <a:solidFill>
+                  <a:schemeClr val="tx1"/>
+                </a:solidFill>
+                <a:latin typeface="Trebuchet MS" charset="0"/>
+                <a:ea typeface="ＭＳ Ｐゴシック" charset="0"/>
+              </a:defRPr>
+            </a:lvl3pPr>
+            <a:lvl4pPr marL="1600200" indent="-228600" eaLnBrk="0" hangingPunct="0">
+              <a:defRPr sz="2400">
+                <a:solidFill>
+                  <a:schemeClr val="tx1"/>
+                </a:solidFill>
+                <a:latin typeface="Trebuchet MS" charset="0"/>
+                <a:ea typeface="ＭＳ Ｐゴシック" charset="0"/>
+              </a:defRPr>
+            </a:lvl4pPr>
+            <a:lvl5pPr marL="2057400" indent="-228600" eaLnBrk="0" hangingPunct="0">
+              <a:defRPr sz="2400">
+                <a:solidFill>
+                  <a:schemeClr val="tx1"/>
+                </a:solidFill>
+                <a:latin typeface="Trebuchet MS" charset="0"/>
+                <a:ea typeface="ＭＳ Ｐゴシック" charset="0"/>
+              </a:defRPr>
+            </a:lvl5pPr>
+            <a:lvl6pPr marL="2514600" indent="-228600" eaLnBrk="0" fontAlgn="base" hangingPunct="0">
+              <a:spcBef>
+                <a:spcPct val="0"/>
+              </a:spcBef>
+              <a:spcAft>
+                <a:spcPct val="0"/>
+              </a:spcAft>
+              <a:defRPr sz="2400">
+                <a:solidFill>
+                  <a:schemeClr val="tx1"/>
+                </a:solidFill>
+                <a:latin typeface="Trebuchet MS" charset="0"/>
+                <a:ea typeface="ＭＳ Ｐゴシック" charset="0"/>
+              </a:defRPr>
+            </a:lvl6pPr>
+            <a:lvl7pPr marL="2971800" indent="-228600" eaLnBrk="0" fontAlgn="base" hangingPunct="0">
+              <a:spcBef>
+                <a:spcPct val="0"/>
+              </a:spcBef>
+              <a:spcAft>
+                <a:spcPct val="0"/>
+              </a:spcAft>
+              <a:defRPr sz="2400">
+                <a:solidFill>
+                  <a:schemeClr val="tx1"/>
+                </a:solidFill>
+                <a:latin typeface="Trebuchet MS" charset="0"/>
+                <a:ea typeface="ＭＳ Ｐゴシック" charset="0"/>
+              </a:defRPr>
+            </a:lvl7pPr>
+            <a:lvl8pPr marL="3429000" indent="-228600" eaLnBrk="0" fontAlgn="base" hangingPunct="0">
+              <a:spcBef>
+                <a:spcPct val="0"/>
+              </a:spcBef>
+              <a:spcAft>
+                <a:spcPct val="0"/>
+              </a:spcAft>
+              <a:defRPr sz="2400">
+                <a:solidFill>
+                  <a:schemeClr val="tx1"/>
+                </a:solidFill>
+                <a:latin typeface="Trebuchet MS" charset="0"/>
+                <a:ea typeface="ＭＳ Ｐゴシック" charset="0"/>
+              </a:defRPr>
+            </a:lvl8pPr>
+            <a:lvl9pPr marL="3886200" indent="-228600" eaLnBrk="0" fontAlgn="base" hangingPunct="0">
+              <a:spcBef>
+                <a:spcPct val="0"/>
+              </a:spcBef>
+              <a:spcAft>
+                <a:spcPct val="0"/>
+              </a:spcAft>
+              <a:defRPr sz="2400">
+                <a:solidFill>
+                  <a:schemeClr val="tx1"/>
+                </a:solidFill>
+                <a:latin typeface="Trebuchet MS" charset="0"/>
+                <a:ea typeface="ＭＳ Ｐゴシック" charset="0"/>
+              </a:defRPr>
+            </a:lvl9pPr>
+          </a:lstStyle>
+          <a:p>
+            <a:pPr eaLnBrk="1" hangingPunct="1"/>
+            <a:r>
+              <a:rPr lang="en-US" sz="1200" b="1" dirty="0" smtClean="0">
+                <a:solidFill>
+                  <a:srgbClr val="122956"/>
+                </a:solidFill>
+                <a:cs typeface="Trebuchet MS" charset="0"/>
+              </a:rPr>
+              <a:t>3-</a:t>
+            </a:r>
+            <a:fld id="{31B56995-E14C-B64F-86C9-12D6DB74A41E}" type="slidenum">
+              <a:rPr lang="en-US" sz="1200" b="1">
+                <a:solidFill>
+                  <a:srgbClr val="122956"/>
+                </a:solidFill>
+                <a:cs typeface="Trebuchet MS" charset="0"/>
+              </a:rPr>
+              <a:pPr eaLnBrk="1" hangingPunct="1"/>
+              <a:t>4</a:t>
+            </a:fld>
+            <a:endParaRPr lang="en-US" sz="1200" b="1" dirty="0">
+              <a:solidFill>
+                <a:srgbClr val="122956"/>
+              </a:solidFill>
+              <a:cs typeface="Trebuchet MS" charset="0"/>
             </a:endParaRPr>
           </a:p>
         </p:txBody>
@@ -9478,6 +10729,186 @@
           </a:p>
         </p:txBody>
       </p:sp>
+      <p:sp>
+        <p:nvSpPr>
+          <p:cNvPr id="7" name="Slide Number Placeholder 5"/>
+          <p:cNvSpPr>
+            <a:spLocks noGrp="1"/>
+          </p:cNvSpPr>
+          <p:nvPr>
+            <p:ph type="sldNum" sz="quarter" idx="12"/>
+          </p:nvPr>
+        </p:nvSpPr>
+        <p:spPr bwMode="auto">
+          <a:xfrm>
+            <a:off x="203200" y="6400800"/>
+            <a:ext cx="2133600" cy="365125"/>
+          </a:xfrm>
+          <a:noFill/>
+          <a:extLst>
+            <a:ext uri="{909E8E84-426E-40dd-AFC4-6F175D3DCCD1}">
+              <a14:hiddenFill xmlns:a14="http://schemas.microsoft.com/office/drawing/2010/main">
+                <a:solidFill>
+                  <a:srgbClr val="FFFFFF"/>
+                </a:solidFill>
+              </a14:hiddenFill>
+            </a:ext>
+            <a:ext uri="{91240B29-F687-4f45-9708-019B960494DF}">
+              <a14:hiddenLine xmlns:a14="http://schemas.microsoft.com/office/drawing/2010/main" w="9525">
+                <a:solidFill>
+                  <a:srgbClr val="000000"/>
+                </a:solidFill>
+                <a:miter lim="800000"/>
+                <a:headEnd/>
+                <a:tailEnd/>
+              </a14:hiddenLine>
+            </a:ext>
+          </a:extLst>
+        </p:spPr>
+        <p:txBody>
+          <a:bodyPr vert="horz" wrap="square" lIns="91440" tIns="45720" rIns="91440" bIns="45720" numCol="1" anchor="ctr" anchorCtr="0" compatLnSpc="1">
+            <a:prstTxWarp prst="textNoShape">
+              <a:avLst/>
+            </a:prstTxWarp>
+          </a:bodyPr>
+          <a:lstStyle>
+            <a:lvl1pPr eaLnBrk="0" hangingPunct="0">
+              <a:defRPr sz="2400">
+                <a:solidFill>
+                  <a:schemeClr val="tx1"/>
+                </a:solidFill>
+                <a:latin typeface="Trebuchet MS" charset="0"/>
+                <a:ea typeface="ＭＳ Ｐゴシック" charset="0"/>
+                <a:cs typeface="ＭＳ Ｐゴシック" charset="0"/>
+              </a:defRPr>
+            </a:lvl1pPr>
+            <a:lvl2pPr marL="742950" indent="-285750" eaLnBrk="0" hangingPunct="0">
+              <a:defRPr sz="2400">
+                <a:solidFill>
+                  <a:schemeClr val="tx1"/>
+                </a:solidFill>
+                <a:latin typeface="Trebuchet MS" charset="0"/>
+                <a:ea typeface="ＭＳ Ｐゴシック" charset="0"/>
+              </a:defRPr>
+            </a:lvl2pPr>
+            <a:lvl3pPr marL="1143000" indent="-228600" eaLnBrk="0" hangingPunct="0">
+              <a:defRPr sz="2400">
+                <a:solidFill>
+                  <a:schemeClr val="tx1"/>
+                </a:solidFill>
+                <a:latin typeface="Trebuchet MS" charset="0"/>
+                <a:ea typeface="ＭＳ Ｐゴシック" charset="0"/>
+              </a:defRPr>
+            </a:lvl3pPr>
+            <a:lvl4pPr marL="1600200" indent="-228600" eaLnBrk="0" hangingPunct="0">
+              <a:defRPr sz="2400">
+                <a:solidFill>
+                  <a:schemeClr val="tx1"/>
+                </a:solidFill>
+                <a:latin typeface="Trebuchet MS" charset="0"/>
+                <a:ea typeface="ＭＳ Ｐゴシック" charset="0"/>
+              </a:defRPr>
+            </a:lvl4pPr>
+            <a:lvl5pPr marL="2057400" indent="-228600" eaLnBrk="0" hangingPunct="0">
+              <a:defRPr sz="2400">
+                <a:solidFill>
+                  <a:schemeClr val="tx1"/>
+                </a:solidFill>
+                <a:latin typeface="Trebuchet MS" charset="0"/>
+                <a:ea typeface="ＭＳ Ｐゴシック" charset="0"/>
+              </a:defRPr>
+            </a:lvl5pPr>
+            <a:lvl6pPr marL="2514600" indent="-228600" eaLnBrk="0" fontAlgn="base" hangingPunct="0">
+              <a:spcBef>
+                <a:spcPct val="0"/>
+              </a:spcBef>
+              <a:spcAft>
+                <a:spcPct val="0"/>
+              </a:spcAft>
+              <a:defRPr sz="2400">
+                <a:solidFill>
+                  <a:schemeClr val="tx1"/>
+                </a:solidFill>
+                <a:latin typeface="Trebuchet MS" charset="0"/>
+                <a:ea typeface="ＭＳ Ｐゴシック" charset="0"/>
+              </a:defRPr>
+            </a:lvl6pPr>
+            <a:lvl7pPr marL="2971800" indent="-228600" eaLnBrk="0" fontAlgn="base" hangingPunct="0">
+              <a:spcBef>
+                <a:spcPct val="0"/>
+              </a:spcBef>
+              <a:spcAft>
+                <a:spcPct val="0"/>
+              </a:spcAft>
+              <a:defRPr sz="2400">
+                <a:solidFill>
+                  <a:schemeClr val="tx1"/>
+                </a:solidFill>
+                <a:latin typeface="Trebuchet MS" charset="0"/>
+                <a:ea typeface="ＭＳ Ｐゴシック" charset="0"/>
+              </a:defRPr>
+            </a:lvl7pPr>
+            <a:lvl8pPr marL="3429000" indent="-228600" eaLnBrk="0" fontAlgn="base" hangingPunct="0">
+              <a:spcBef>
+                <a:spcPct val="0"/>
+              </a:spcBef>
+              <a:spcAft>
+                <a:spcPct val="0"/>
+              </a:spcAft>
+              <a:defRPr sz="2400">
+                <a:solidFill>
+                  <a:schemeClr val="tx1"/>
+                </a:solidFill>
+                <a:latin typeface="Trebuchet MS" charset="0"/>
+                <a:ea typeface="ＭＳ Ｐゴシック" charset="0"/>
+              </a:defRPr>
+            </a:lvl8pPr>
+            <a:lvl9pPr marL="3886200" indent="-228600" eaLnBrk="0" fontAlgn="base" hangingPunct="0">
+              <a:spcBef>
+                <a:spcPct val="0"/>
+              </a:spcBef>
+              <a:spcAft>
+                <a:spcPct val="0"/>
+              </a:spcAft>
+              <a:defRPr sz="2400">
+                <a:solidFill>
+                  <a:schemeClr val="tx1"/>
+                </a:solidFill>
+                <a:latin typeface="Trebuchet MS" charset="0"/>
+                <a:ea typeface="ＭＳ Ｐゴシック" charset="0"/>
+              </a:defRPr>
+            </a:lvl9pPr>
+          </a:lstStyle>
+          <a:p>
+            <a:pPr eaLnBrk="1" hangingPunct="1"/>
+            <a:r>
+              <a:rPr lang="en-US" sz="1200" b="1" dirty="0" smtClean="0">
+                <a:solidFill>
+                  <a:srgbClr val="122956"/>
+                </a:solidFill>
+                <a:cs typeface="Trebuchet MS" charset="0"/>
+              </a:rPr>
+              <a:t>3-</a:t>
+            </a:r>
+            <a:fld id="{31B56995-E14C-B64F-86C9-12D6DB74A41E}" type="slidenum">
+              <a:rPr lang="en-US" sz="1200" b="1">
+                <a:solidFill>
+                  <a:srgbClr val="122956"/>
+                </a:solidFill>
+                <a:cs typeface="Trebuchet MS" charset="0"/>
+              </a:rPr>
+              <a:pPr eaLnBrk="1" hangingPunct="1"/>
+              <a:t>5</a:t>
+            </a:fld>
+            <a:endParaRPr lang="en-US" sz="1200" b="1" dirty="0">
+              <a:solidFill>
+                <a:srgbClr val="122956"/>
+              </a:solidFill>
+              <a:cs typeface="Trebuchet MS" charset="0"/>
+            </a:endParaRPr>
+          </a:p>
+        </p:txBody>
+      </p:sp>
     </p:spTree>
     <p:extLst>
       <p:ext uri="{BB962C8B-B14F-4D97-AF65-F5344CB8AC3E}">
@@ -9813,6 +11244,186 @@
               <a:latin typeface="Trebuchet MS" charset="0"/>
               <a:ea typeface="ヒラギノ角ゴ ProN W3" charset="0"/>
               <a:cs typeface="ヒラギノ角ゴ ProN W3" charset="0"/>
+            </a:endParaRPr>
+          </a:p>
+        </p:txBody>
+      </p:sp>
+      <p:sp>
+        <p:nvSpPr>
+          <p:cNvPr id="7" name="Slide Number Placeholder 5"/>
+          <p:cNvSpPr>
+            <a:spLocks noGrp="1"/>
+          </p:cNvSpPr>
+          <p:nvPr>
+            <p:ph type="sldNum" sz="quarter" idx="12"/>
+          </p:nvPr>
+        </p:nvSpPr>
+        <p:spPr bwMode="auto">
+          <a:xfrm>
+            <a:off x="203200" y="6400800"/>
+            <a:ext cx="2133600" cy="365125"/>
+          </a:xfrm>
+          <a:noFill/>
+          <a:extLst>
+            <a:ext uri="{909E8E84-426E-40dd-AFC4-6F175D3DCCD1}">
+              <a14:hiddenFill xmlns:a14="http://schemas.microsoft.com/office/drawing/2010/main">
+                <a:solidFill>
+                  <a:srgbClr val="FFFFFF"/>
+                </a:solidFill>
+              </a14:hiddenFill>
+            </a:ext>
+            <a:ext uri="{91240B29-F687-4f45-9708-019B960494DF}">
+              <a14:hiddenLine xmlns:a14="http://schemas.microsoft.com/office/drawing/2010/main" w="9525">
+                <a:solidFill>
+                  <a:srgbClr val="000000"/>
+                </a:solidFill>
+                <a:miter lim="800000"/>
+                <a:headEnd/>
+                <a:tailEnd/>
+              </a14:hiddenLine>
+            </a:ext>
+          </a:extLst>
+        </p:spPr>
+        <p:txBody>
+          <a:bodyPr vert="horz" wrap="square" lIns="91440" tIns="45720" rIns="91440" bIns="45720" numCol="1" anchor="ctr" anchorCtr="0" compatLnSpc="1">
+            <a:prstTxWarp prst="textNoShape">
+              <a:avLst/>
+            </a:prstTxWarp>
+          </a:bodyPr>
+          <a:lstStyle>
+            <a:lvl1pPr eaLnBrk="0" hangingPunct="0">
+              <a:defRPr sz="2400">
+                <a:solidFill>
+                  <a:schemeClr val="tx1"/>
+                </a:solidFill>
+                <a:latin typeface="Trebuchet MS" charset="0"/>
+                <a:ea typeface="ＭＳ Ｐゴシック" charset="0"/>
+                <a:cs typeface="ＭＳ Ｐゴシック" charset="0"/>
+              </a:defRPr>
+            </a:lvl1pPr>
+            <a:lvl2pPr marL="742950" indent="-285750" eaLnBrk="0" hangingPunct="0">
+              <a:defRPr sz="2400">
+                <a:solidFill>
+                  <a:schemeClr val="tx1"/>
+                </a:solidFill>
+                <a:latin typeface="Trebuchet MS" charset="0"/>
+                <a:ea typeface="ＭＳ Ｐゴシック" charset="0"/>
+              </a:defRPr>
+            </a:lvl2pPr>
+            <a:lvl3pPr marL="1143000" indent="-228600" eaLnBrk="0" hangingPunct="0">
+              <a:defRPr sz="2400">
+                <a:solidFill>
+                  <a:schemeClr val="tx1"/>
+                </a:solidFill>
+                <a:latin typeface="Trebuchet MS" charset="0"/>
+                <a:ea typeface="ＭＳ Ｐゴシック" charset="0"/>
+              </a:defRPr>
+            </a:lvl3pPr>
+            <a:lvl4pPr marL="1600200" indent="-228600" eaLnBrk="0" hangingPunct="0">
+              <a:defRPr sz="2400">
+                <a:solidFill>
+                  <a:schemeClr val="tx1"/>
+                </a:solidFill>
+                <a:latin typeface="Trebuchet MS" charset="0"/>
+                <a:ea typeface="ＭＳ Ｐゴシック" charset="0"/>
+              </a:defRPr>
+            </a:lvl4pPr>
+            <a:lvl5pPr marL="2057400" indent="-228600" eaLnBrk="0" hangingPunct="0">
+              <a:defRPr sz="2400">
+                <a:solidFill>
+                  <a:schemeClr val="tx1"/>
+                </a:solidFill>
+                <a:latin typeface="Trebuchet MS" charset="0"/>
+                <a:ea typeface="ＭＳ Ｐゴシック" charset="0"/>
+              </a:defRPr>
+            </a:lvl5pPr>
+            <a:lvl6pPr marL="2514600" indent="-228600" eaLnBrk="0" fontAlgn="base" hangingPunct="0">
+              <a:spcBef>
+                <a:spcPct val="0"/>
+              </a:spcBef>
+              <a:spcAft>
+                <a:spcPct val="0"/>
+              </a:spcAft>
+              <a:defRPr sz="2400">
+                <a:solidFill>
+                  <a:schemeClr val="tx1"/>
+                </a:solidFill>
+                <a:latin typeface="Trebuchet MS" charset="0"/>
+                <a:ea typeface="ＭＳ Ｐゴシック" charset="0"/>
+              </a:defRPr>
+            </a:lvl6pPr>
+            <a:lvl7pPr marL="2971800" indent="-228600" eaLnBrk="0" fontAlgn="base" hangingPunct="0">
+              <a:spcBef>
+                <a:spcPct val="0"/>
+              </a:spcBef>
+              <a:spcAft>
+                <a:spcPct val="0"/>
+              </a:spcAft>
+              <a:defRPr sz="2400">
+                <a:solidFill>
+                  <a:schemeClr val="tx1"/>
+                </a:solidFill>
+                <a:latin typeface="Trebuchet MS" charset="0"/>
+                <a:ea typeface="ＭＳ Ｐゴシック" charset="0"/>
+              </a:defRPr>
+            </a:lvl7pPr>
+            <a:lvl8pPr marL="3429000" indent="-228600" eaLnBrk="0" fontAlgn="base" hangingPunct="0">
+              <a:spcBef>
+                <a:spcPct val="0"/>
+              </a:spcBef>
+              <a:spcAft>
+                <a:spcPct val="0"/>
+              </a:spcAft>
+              <a:defRPr sz="2400">
+                <a:solidFill>
+                  <a:schemeClr val="tx1"/>
+                </a:solidFill>
+                <a:latin typeface="Trebuchet MS" charset="0"/>
+                <a:ea typeface="ＭＳ Ｐゴシック" charset="0"/>
+              </a:defRPr>
+            </a:lvl8pPr>
+            <a:lvl9pPr marL="3886200" indent="-228600" eaLnBrk="0" fontAlgn="base" hangingPunct="0">
+              <a:spcBef>
+                <a:spcPct val="0"/>
+              </a:spcBef>
+              <a:spcAft>
+                <a:spcPct val="0"/>
+              </a:spcAft>
+              <a:defRPr sz="2400">
+                <a:solidFill>
+                  <a:schemeClr val="tx1"/>
+                </a:solidFill>
+                <a:latin typeface="Trebuchet MS" charset="0"/>
+                <a:ea typeface="ＭＳ Ｐゴシック" charset="0"/>
+              </a:defRPr>
+            </a:lvl9pPr>
+          </a:lstStyle>
+          <a:p>
+            <a:pPr eaLnBrk="1" hangingPunct="1"/>
+            <a:r>
+              <a:rPr lang="en-US" sz="1200" b="1" dirty="0" smtClean="0">
+                <a:solidFill>
+                  <a:srgbClr val="122956"/>
+                </a:solidFill>
+                <a:cs typeface="Trebuchet MS" charset="0"/>
+              </a:rPr>
+              <a:t>3-</a:t>
+            </a:r>
+            <a:fld id="{31B56995-E14C-B64F-86C9-12D6DB74A41E}" type="slidenum">
+              <a:rPr lang="en-US" sz="1200" b="1">
+                <a:solidFill>
+                  <a:srgbClr val="122956"/>
+                </a:solidFill>
+                <a:cs typeface="Trebuchet MS" charset="0"/>
+              </a:rPr>
+              <a:pPr eaLnBrk="1" hangingPunct="1"/>
+              <a:t>6</a:t>
+            </a:fld>
+            <a:endParaRPr lang="en-US" sz="1200" b="1" dirty="0">
+              <a:solidFill>
+                <a:srgbClr val="122956"/>
+              </a:solidFill>
+              <a:cs typeface="Trebuchet MS" charset="0"/>
             </a:endParaRPr>
           </a:p>
         </p:txBody>
@@ -9954,6 +11565,186 @@
           </a:p>
         </p:txBody>
       </p:sp>
+      <p:sp>
+        <p:nvSpPr>
+          <p:cNvPr id="4" name="Slide Number Placeholder 5"/>
+          <p:cNvSpPr>
+            <a:spLocks noGrp="1"/>
+          </p:cNvSpPr>
+          <p:nvPr>
+            <p:ph type="sldNum" sz="quarter" idx="12"/>
+          </p:nvPr>
+        </p:nvSpPr>
+        <p:spPr bwMode="auto">
+          <a:xfrm>
+            <a:off x="203200" y="6400800"/>
+            <a:ext cx="2133600" cy="365125"/>
+          </a:xfrm>
+          <a:noFill/>
+          <a:extLst>
+            <a:ext uri="{909E8E84-426E-40dd-AFC4-6F175D3DCCD1}">
+              <a14:hiddenFill xmlns:a14="http://schemas.microsoft.com/office/drawing/2010/main">
+                <a:solidFill>
+                  <a:srgbClr val="FFFFFF"/>
+                </a:solidFill>
+              </a14:hiddenFill>
+            </a:ext>
+            <a:ext uri="{91240B29-F687-4f45-9708-019B960494DF}">
+              <a14:hiddenLine xmlns:a14="http://schemas.microsoft.com/office/drawing/2010/main" w="9525">
+                <a:solidFill>
+                  <a:srgbClr val="000000"/>
+                </a:solidFill>
+                <a:miter lim="800000"/>
+                <a:headEnd/>
+                <a:tailEnd/>
+              </a14:hiddenLine>
+            </a:ext>
+          </a:extLst>
+        </p:spPr>
+        <p:txBody>
+          <a:bodyPr vert="horz" wrap="square" lIns="91440" tIns="45720" rIns="91440" bIns="45720" numCol="1" anchor="ctr" anchorCtr="0" compatLnSpc="1">
+            <a:prstTxWarp prst="textNoShape">
+              <a:avLst/>
+            </a:prstTxWarp>
+          </a:bodyPr>
+          <a:lstStyle>
+            <a:lvl1pPr eaLnBrk="0" hangingPunct="0">
+              <a:defRPr sz="2400">
+                <a:solidFill>
+                  <a:schemeClr val="tx1"/>
+                </a:solidFill>
+                <a:latin typeface="Trebuchet MS" charset="0"/>
+                <a:ea typeface="ＭＳ Ｐゴシック" charset="0"/>
+                <a:cs typeface="ＭＳ Ｐゴシック" charset="0"/>
+              </a:defRPr>
+            </a:lvl1pPr>
+            <a:lvl2pPr marL="742950" indent="-285750" eaLnBrk="0" hangingPunct="0">
+              <a:defRPr sz="2400">
+                <a:solidFill>
+                  <a:schemeClr val="tx1"/>
+                </a:solidFill>
+                <a:latin typeface="Trebuchet MS" charset="0"/>
+                <a:ea typeface="ＭＳ Ｐゴシック" charset="0"/>
+              </a:defRPr>
+            </a:lvl2pPr>
+            <a:lvl3pPr marL="1143000" indent="-228600" eaLnBrk="0" hangingPunct="0">
+              <a:defRPr sz="2400">
+                <a:solidFill>
+                  <a:schemeClr val="tx1"/>
+                </a:solidFill>
+                <a:latin typeface="Trebuchet MS" charset="0"/>
+                <a:ea typeface="ＭＳ Ｐゴシック" charset="0"/>
+              </a:defRPr>
+            </a:lvl3pPr>
+            <a:lvl4pPr marL="1600200" indent="-228600" eaLnBrk="0" hangingPunct="0">
+              <a:defRPr sz="2400">
+                <a:solidFill>
+                  <a:schemeClr val="tx1"/>
+                </a:solidFill>
+                <a:latin typeface="Trebuchet MS" charset="0"/>
+                <a:ea typeface="ＭＳ Ｐゴシック" charset="0"/>
+              </a:defRPr>
+            </a:lvl4pPr>
+            <a:lvl5pPr marL="2057400" indent="-228600" eaLnBrk="0" hangingPunct="0">
+              <a:defRPr sz="2400">
+                <a:solidFill>
+                  <a:schemeClr val="tx1"/>
+                </a:solidFill>
+                <a:latin typeface="Trebuchet MS" charset="0"/>
+                <a:ea typeface="ＭＳ Ｐゴシック" charset="0"/>
+              </a:defRPr>
+            </a:lvl5pPr>
+            <a:lvl6pPr marL="2514600" indent="-228600" eaLnBrk="0" fontAlgn="base" hangingPunct="0">
+              <a:spcBef>
+                <a:spcPct val="0"/>
+              </a:spcBef>
+              <a:spcAft>
+                <a:spcPct val="0"/>
+              </a:spcAft>
+              <a:defRPr sz="2400">
+                <a:solidFill>
+                  <a:schemeClr val="tx1"/>
+                </a:solidFill>
+                <a:latin typeface="Trebuchet MS" charset="0"/>
+                <a:ea typeface="ＭＳ Ｐゴシック" charset="0"/>
+              </a:defRPr>
+            </a:lvl6pPr>
+            <a:lvl7pPr marL="2971800" indent="-228600" eaLnBrk="0" fontAlgn="base" hangingPunct="0">
+              <a:spcBef>
+                <a:spcPct val="0"/>
+              </a:spcBef>
+              <a:spcAft>
+                <a:spcPct val="0"/>
+              </a:spcAft>
+              <a:defRPr sz="2400">
+                <a:solidFill>
+                  <a:schemeClr val="tx1"/>
+                </a:solidFill>
+                <a:latin typeface="Trebuchet MS" charset="0"/>
+                <a:ea typeface="ＭＳ Ｐゴシック" charset="0"/>
+              </a:defRPr>
+            </a:lvl7pPr>
+            <a:lvl8pPr marL="3429000" indent="-228600" eaLnBrk="0" fontAlgn="base" hangingPunct="0">
+              <a:spcBef>
+                <a:spcPct val="0"/>
+              </a:spcBef>
+              <a:spcAft>
+                <a:spcPct val="0"/>
+              </a:spcAft>
+              <a:defRPr sz="2400">
+                <a:solidFill>
+                  <a:schemeClr val="tx1"/>
+                </a:solidFill>
+                <a:latin typeface="Trebuchet MS" charset="0"/>
+                <a:ea typeface="ＭＳ Ｐゴシック" charset="0"/>
+              </a:defRPr>
+            </a:lvl8pPr>
+            <a:lvl9pPr marL="3886200" indent="-228600" eaLnBrk="0" fontAlgn="base" hangingPunct="0">
+              <a:spcBef>
+                <a:spcPct val="0"/>
+              </a:spcBef>
+              <a:spcAft>
+                <a:spcPct val="0"/>
+              </a:spcAft>
+              <a:defRPr sz="2400">
+                <a:solidFill>
+                  <a:schemeClr val="tx1"/>
+                </a:solidFill>
+                <a:latin typeface="Trebuchet MS" charset="0"/>
+                <a:ea typeface="ＭＳ Ｐゴシック" charset="0"/>
+              </a:defRPr>
+            </a:lvl9pPr>
+          </a:lstStyle>
+          <a:p>
+            <a:pPr eaLnBrk="1" hangingPunct="1"/>
+            <a:r>
+              <a:rPr lang="en-US" sz="1200" b="1" dirty="0" smtClean="0">
+                <a:solidFill>
+                  <a:srgbClr val="122956"/>
+                </a:solidFill>
+                <a:cs typeface="Trebuchet MS" charset="0"/>
+              </a:rPr>
+              <a:t>3-</a:t>
+            </a:r>
+            <a:fld id="{31B56995-E14C-B64F-86C9-12D6DB74A41E}" type="slidenum">
+              <a:rPr lang="en-US" sz="1200" b="1">
+                <a:solidFill>
+                  <a:srgbClr val="122956"/>
+                </a:solidFill>
+                <a:cs typeface="Trebuchet MS" charset="0"/>
+              </a:rPr>
+              <a:pPr eaLnBrk="1" hangingPunct="1"/>
+              <a:t>7</a:t>
+            </a:fld>
+            <a:endParaRPr lang="en-US" sz="1200" b="1" dirty="0">
+              <a:solidFill>
+                <a:srgbClr val="122956"/>
+              </a:solidFill>
+              <a:cs typeface="Trebuchet MS" charset="0"/>
+            </a:endParaRPr>
+          </a:p>
+        </p:txBody>
+      </p:sp>
     </p:spTree>
     <p:extLst>
       <p:ext uri="{BB962C8B-B14F-4D97-AF65-F5344CB8AC3E}">
@@ -10273,6 +12064,186 @@
               <a:latin typeface="Trebuchet MS" charset="0"/>
               <a:ea typeface="ヒラギノ角ゴ ProN W3" charset="0"/>
               <a:cs typeface="ヒラギノ角ゴ ProN W3" charset="0"/>
+            </a:endParaRPr>
+          </a:p>
+        </p:txBody>
+      </p:sp>
+      <p:sp>
+        <p:nvSpPr>
+          <p:cNvPr id="7" name="Slide Number Placeholder 5"/>
+          <p:cNvSpPr>
+            <a:spLocks noGrp="1"/>
+          </p:cNvSpPr>
+          <p:nvPr>
+            <p:ph type="sldNum" sz="quarter" idx="12"/>
+          </p:nvPr>
+        </p:nvSpPr>
+        <p:spPr bwMode="auto">
+          <a:xfrm>
+            <a:off x="203200" y="6400800"/>
+            <a:ext cx="2133600" cy="365125"/>
+          </a:xfrm>
+          <a:noFill/>
+          <a:extLst>
+            <a:ext uri="{909E8E84-426E-40dd-AFC4-6F175D3DCCD1}">
+              <a14:hiddenFill xmlns:a14="http://schemas.microsoft.com/office/drawing/2010/main">
+                <a:solidFill>
+                  <a:srgbClr val="FFFFFF"/>
+                </a:solidFill>
+              </a14:hiddenFill>
+            </a:ext>
+            <a:ext uri="{91240B29-F687-4f45-9708-019B960494DF}">
+              <a14:hiddenLine xmlns:a14="http://schemas.microsoft.com/office/drawing/2010/main" w="9525">
+                <a:solidFill>
+                  <a:srgbClr val="000000"/>
+                </a:solidFill>
+                <a:miter lim="800000"/>
+                <a:headEnd/>
+                <a:tailEnd/>
+              </a14:hiddenLine>
+            </a:ext>
+          </a:extLst>
+        </p:spPr>
+        <p:txBody>
+          <a:bodyPr vert="horz" wrap="square" lIns="91440" tIns="45720" rIns="91440" bIns="45720" numCol="1" anchor="ctr" anchorCtr="0" compatLnSpc="1">
+            <a:prstTxWarp prst="textNoShape">
+              <a:avLst/>
+            </a:prstTxWarp>
+          </a:bodyPr>
+          <a:lstStyle>
+            <a:lvl1pPr eaLnBrk="0" hangingPunct="0">
+              <a:defRPr sz="2400">
+                <a:solidFill>
+                  <a:schemeClr val="tx1"/>
+                </a:solidFill>
+                <a:latin typeface="Trebuchet MS" charset="0"/>
+                <a:ea typeface="ＭＳ Ｐゴシック" charset="0"/>
+                <a:cs typeface="ＭＳ Ｐゴシック" charset="0"/>
+              </a:defRPr>
+            </a:lvl1pPr>
+            <a:lvl2pPr marL="742950" indent="-285750" eaLnBrk="0" hangingPunct="0">
+              <a:defRPr sz="2400">
+                <a:solidFill>
+                  <a:schemeClr val="tx1"/>
+                </a:solidFill>
+                <a:latin typeface="Trebuchet MS" charset="0"/>
+                <a:ea typeface="ＭＳ Ｐゴシック" charset="0"/>
+              </a:defRPr>
+            </a:lvl2pPr>
+            <a:lvl3pPr marL="1143000" indent="-228600" eaLnBrk="0" hangingPunct="0">
+              <a:defRPr sz="2400">
+                <a:solidFill>
+                  <a:schemeClr val="tx1"/>
+                </a:solidFill>
+                <a:latin typeface="Trebuchet MS" charset="0"/>
+                <a:ea typeface="ＭＳ Ｐゴシック" charset="0"/>
+              </a:defRPr>
+            </a:lvl3pPr>
+            <a:lvl4pPr marL="1600200" indent="-228600" eaLnBrk="0" hangingPunct="0">
+              <a:defRPr sz="2400">
+                <a:solidFill>
+                  <a:schemeClr val="tx1"/>
+                </a:solidFill>
+                <a:latin typeface="Trebuchet MS" charset="0"/>
+                <a:ea typeface="ＭＳ Ｐゴシック" charset="0"/>
+              </a:defRPr>
+            </a:lvl4pPr>
+            <a:lvl5pPr marL="2057400" indent="-228600" eaLnBrk="0" hangingPunct="0">
+              <a:defRPr sz="2400">
+                <a:solidFill>
+                  <a:schemeClr val="tx1"/>
+                </a:solidFill>
+                <a:latin typeface="Trebuchet MS" charset="0"/>
+                <a:ea typeface="ＭＳ Ｐゴシック" charset="0"/>
+              </a:defRPr>
+            </a:lvl5pPr>
+            <a:lvl6pPr marL="2514600" indent="-228600" eaLnBrk="0" fontAlgn="base" hangingPunct="0">
+              <a:spcBef>
+                <a:spcPct val="0"/>
+              </a:spcBef>
+              <a:spcAft>
+                <a:spcPct val="0"/>
+              </a:spcAft>
+              <a:defRPr sz="2400">
+                <a:solidFill>
+                  <a:schemeClr val="tx1"/>
+                </a:solidFill>
+                <a:latin typeface="Trebuchet MS" charset="0"/>
+                <a:ea typeface="ＭＳ Ｐゴシック" charset="0"/>
+              </a:defRPr>
+            </a:lvl6pPr>
+            <a:lvl7pPr marL="2971800" indent="-228600" eaLnBrk="0" fontAlgn="base" hangingPunct="0">
+              <a:spcBef>
+                <a:spcPct val="0"/>
+              </a:spcBef>
+              <a:spcAft>
+                <a:spcPct val="0"/>
+              </a:spcAft>
+              <a:defRPr sz="2400">
+                <a:solidFill>
+                  <a:schemeClr val="tx1"/>
+                </a:solidFill>
+                <a:latin typeface="Trebuchet MS" charset="0"/>
+                <a:ea typeface="ＭＳ Ｐゴシック" charset="0"/>
+              </a:defRPr>
+            </a:lvl7pPr>
+            <a:lvl8pPr marL="3429000" indent="-228600" eaLnBrk="0" fontAlgn="base" hangingPunct="0">
+              <a:spcBef>
+                <a:spcPct val="0"/>
+              </a:spcBef>
+              <a:spcAft>
+                <a:spcPct val="0"/>
+              </a:spcAft>
+              <a:defRPr sz="2400">
+                <a:solidFill>
+                  <a:schemeClr val="tx1"/>
+                </a:solidFill>
+                <a:latin typeface="Trebuchet MS" charset="0"/>
+                <a:ea typeface="ＭＳ Ｐゴシック" charset="0"/>
+              </a:defRPr>
+            </a:lvl8pPr>
+            <a:lvl9pPr marL="3886200" indent="-228600" eaLnBrk="0" fontAlgn="base" hangingPunct="0">
+              <a:spcBef>
+                <a:spcPct val="0"/>
+              </a:spcBef>
+              <a:spcAft>
+                <a:spcPct val="0"/>
+              </a:spcAft>
+              <a:defRPr sz="2400">
+                <a:solidFill>
+                  <a:schemeClr val="tx1"/>
+                </a:solidFill>
+                <a:latin typeface="Trebuchet MS" charset="0"/>
+                <a:ea typeface="ＭＳ Ｐゴシック" charset="0"/>
+              </a:defRPr>
+            </a:lvl9pPr>
+          </a:lstStyle>
+          <a:p>
+            <a:pPr eaLnBrk="1" hangingPunct="1"/>
+            <a:r>
+              <a:rPr lang="en-US" sz="1200" b="1" dirty="0" smtClean="0">
+                <a:solidFill>
+                  <a:srgbClr val="122956"/>
+                </a:solidFill>
+                <a:cs typeface="Trebuchet MS" charset="0"/>
+              </a:rPr>
+              <a:t>3-</a:t>
+            </a:r>
+            <a:fld id="{31B56995-E14C-B64F-86C9-12D6DB74A41E}" type="slidenum">
+              <a:rPr lang="en-US" sz="1200" b="1">
+                <a:solidFill>
+                  <a:srgbClr val="122956"/>
+                </a:solidFill>
+                <a:cs typeface="Trebuchet MS" charset="0"/>
+              </a:rPr>
+              <a:pPr eaLnBrk="1" hangingPunct="1"/>
+              <a:t>8</a:t>
+            </a:fld>
+            <a:endParaRPr lang="en-US" sz="1200" b="1" dirty="0">
+              <a:solidFill>
+                <a:srgbClr val="122956"/>
+              </a:solidFill>
+              <a:cs typeface="Trebuchet MS" charset="0"/>
             </a:endParaRPr>
           </a:p>
         </p:txBody>
@@ -10642,6 +12613,186 @@
               <a:latin typeface="Trebuchet MS" charset="0"/>
               <a:ea typeface="ヒラギノ角ゴ ProN W3" charset="0"/>
               <a:cs typeface="ヒラギノ角ゴ ProN W3" charset="0"/>
+            </a:endParaRPr>
+          </a:p>
+        </p:txBody>
+      </p:sp>
+      <p:sp>
+        <p:nvSpPr>
+          <p:cNvPr id="7" name="Slide Number Placeholder 5"/>
+          <p:cNvSpPr>
+            <a:spLocks noGrp="1"/>
+          </p:cNvSpPr>
+          <p:nvPr>
+            <p:ph type="sldNum" sz="quarter" idx="12"/>
+          </p:nvPr>
+        </p:nvSpPr>
+        <p:spPr bwMode="auto">
+          <a:xfrm>
+            <a:off x="203200" y="6400800"/>
+            <a:ext cx="2133600" cy="365125"/>
+          </a:xfrm>
+          <a:noFill/>
+          <a:extLst>
+            <a:ext uri="{909E8E84-426E-40dd-AFC4-6F175D3DCCD1}">
+              <a14:hiddenFill xmlns:a14="http://schemas.microsoft.com/office/drawing/2010/main">
+                <a:solidFill>
+                  <a:srgbClr val="FFFFFF"/>
+                </a:solidFill>
+              </a14:hiddenFill>
+            </a:ext>
+            <a:ext uri="{91240B29-F687-4f45-9708-019B960494DF}">
+              <a14:hiddenLine xmlns:a14="http://schemas.microsoft.com/office/drawing/2010/main" w="9525">
+                <a:solidFill>
+                  <a:srgbClr val="000000"/>
+                </a:solidFill>
+                <a:miter lim="800000"/>
+                <a:headEnd/>
+                <a:tailEnd/>
+              </a14:hiddenLine>
+            </a:ext>
+          </a:extLst>
+        </p:spPr>
+        <p:txBody>
+          <a:bodyPr vert="horz" wrap="square" lIns="91440" tIns="45720" rIns="91440" bIns="45720" numCol="1" anchor="ctr" anchorCtr="0" compatLnSpc="1">
+            <a:prstTxWarp prst="textNoShape">
+              <a:avLst/>
+            </a:prstTxWarp>
+          </a:bodyPr>
+          <a:lstStyle>
+            <a:lvl1pPr eaLnBrk="0" hangingPunct="0">
+              <a:defRPr sz="2400">
+                <a:solidFill>
+                  <a:schemeClr val="tx1"/>
+                </a:solidFill>
+                <a:latin typeface="Trebuchet MS" charset="0"/>
+                <a:ea typeface="ＭＳ Ｐゴシック" charset="0"/>
+                <a:cs typeface="ＭＳ Ｐゴシック" charset="0"/>
+              </a:defRPr>
+            </a:lvl1pPr>
+            <a:lvl2pPr marL="742950" indent="-285750" eaLnBrk="0" hangingPunct="0">
+              <a:defRPr sz="2400">
+                <a:solidFill>
+                  <a:schemeClr val="tx1"/>
+                </a:solidFill>
+                <a:latin typeface="Trebuchet MS" charset="0"/>
+                <a:ea typeface="ＭＳ Ｐゴシック" charset="0"/>
+              </a:defRPr>
+            </a:lvl2pPr>
+            <a:lvl3pPr marL="1143000" indent="-228600" eaLnBrk="0" hangingPunct="0">
+              <a:defRPr sz="2400">
+                <a:solidFill>
+                  <a:schemeClr val="tx1"/>
+                </a:solidFill>
+                <a:latin typeface="Trebuchet MS" charset="0"/>
+                <a:ea typeface="ＭＳ Ｐゴシック" charset="0"/>
+              </a:defRPr>
+            </a:lvl3pPr>
+            <a:lvl4pPr marL="1600200" indent="-228600" eaLnBrk="0" hangingPunct="0">
+              <a:defRPr sz="2400">
+                <a:solidFill>
+                  <a:schemeClr val="tx1"/>
+                </a:solidFill>
+                <a:latin typeface="Trebuchet MS" charset="0"/>
+                <a:ea typeface="ＭＳ Ｐゴシック" charset="0"/>
+              </a:defRPr>
+            </a:lvl4pPr>
+            <a:lvl5pPr marL="2057400" indent="-228600" eaLnBrk="0" hangingPunct="0">
+              <a:defRPr sz="2400">
+                <a:solidFill>
+                  <a:schemeClr val="tx1"/>
+                </a:solidFill>
+                <a:latin typeface="Trebuchet MS" charset="0"/>
+                <a:ea typeface="ＭＳ Ｐゴシック" charset="0"/>
+              </a:defRPr>
+            </a:lvl5pPr>
+            <a:lvl6pPr marL="2514600" indent="-228600" eaLnBrk="0" fontAlgn="base" hangingPunct="0">
+              <a:spcBef>
+                <a:spcPct val="0"/>
+              </a:spcBef>
+              <a:spcAft>
+                <a:spcPct val="0"/>
+              </a:spcAft>
+              <a:defRPr sz="2400">
+                <a:solidFill>
+                  <a:schemeClr val="tx1"/>
+                </a:solidFill>
+                <a:latin typeface="Trebuchet MS" charset="0"/>
+                <a:ea typeface="ＭＳ Ｐゴシック" charset="0"/>
+              </a:defRPr>
+            </a:lvl6pPr>
+            <a:lvl7pPr marL="2971800" indent="-228600" eaLnBrk="0" fontAlgn="base" hangingPunct="0">
+              <a:spcBef>
+                <a:spcPct val="0"/>
+              </a:spcBef>
+              <a:spcAft>
+                <a:spcPct val="0"/>
+              </a:spcAft>
+              <a:defRPr sz="2400">
+                <a:solidFill>
+                  <a:schemeClr val="tx1"/>
+                </a:solidFill>
+                <a:latin typeface="Trebuchet MS" charset="0"/>
+                <a:ea typeface="ＭＳ Ｐゴシック" charset="0"/>
+              </a:defRPr>
+            </a:lvl7pPr>
+            <a:lvl8pPr marL="3429000" indent="-228600" eaLnBrk="0" fontAlgn="base" hangingPunct="0">
+              <a:spcBef>
+                <a:spcPct val="0"/>
+              </a:spcBef>
+              <a:spcAft>
+                <a:spcPct val="0"/>
+              </a:spcAft>
+              <a:defRPr sz="2400">
+                <a:solidFill>
+                  <a:schemeClr val="tx1"/>
+                </a:solidFill>
+                <a:latin typeface="Trebuchet MS" charset="0"/>
+                <a:ea typeface="ＭＳ Ｐゴシック" charset="0"/>
+              </a:defRPr>
+            </a:lvl8pPr>
+            <a:lvl9pPr marL="3886200" indent="-228600" eaLnBrk="0" fontAlgn="base" hangingPunct="0">
+              <a:spcBef>
+                <a:spcPct val="0"/>
+              </a:spcBef>
+              <a:spcAft>
+                <a:spcPct val="0"/>
+              </a:spcAft>
+              <a:defRPr sz="2400">
+                <a:solidFill>
+                  <a:schemeClr val="tx1"/>
+                </a:solidFill>
+                <a:latin typeface="Trebuchet MS" charset="0"/>
+                <a:ea typeface="ＭＳ Ｐゴシック" charset="0"/>
+              </a:defRPr>
+            </a:lvl9pPr>
+          </a:lstStyle>
+          <a:p>
+            <a:pPr eaLnBrk="1" hangingPunct="1"/>
+            <a:r>
+              <a:rPr lang="en-US" sz="1200" b="1" dirty="0" smtClean="0">
+                <a:solidFill>
+                  <a:srgbClr val="122956"/>
+                </a:solidFill>
+                <a:cs typeface="Trebuchet MS" charset="0"/>
+              </a:rPr>
+              <a:t>3-</a:t>
+            </a:r>
+            <a:fld id="{31B56995-E14C-B64F-86C9-12D6DB74A41E}" type="slidenum">
+              <a:rPr lang="en-US" sz="1200" b="1">
+                <a:solidFill>
+                  <a:srgbClr val="122956"/>
+                </a:solidFill>
+                <a:cs typeface="Trebuchet MS" charset="0"/>
+              </a:rPr>
+              <a:pPr eaLnBrk="1" hangingPunct="1"/>
+              <a:t>9</a:t>
+            </a:fld>
+            <a:endParaRPr lang="en-US" sz="1200" b="1" dirty="0">
+              <a:solidFill>
+                <a:srgbClr val="122956"/>
+              </a:solidFill>
+              <a:cs typeface="Trebuchet MS" charset="0"/>
             </a:endParaRPr>
           </a:p>
         </p:txBody>

--- a/315.pptx
+++ b/315.pptx
@@ -3998,7 +3998,7 @@
               <a:pPr>
                 <a:defRPr/>
               </a:pPr>
-              <a:t>8/19/11</a:t>
+              <a:t>9/27/11</a:t>
             </a:fld>
             <a:endParaRPr lang="en-US"/>
           </a:p>
@@ -4414,7 +4414,7 @@
               <a:pPr>
                 <a:defRPr/>
               </a:pPr>
-              <a:t>8/19/11</a:t>
+              <a:t>9/27/11</a:t>
             </a:fld>
             <a:endParaRPr lang="en-US"/>
           </a:p>
@@ -5134,7 +5134,7 @@
               <a:pPr>
                 <a:defRPr/>
               </a:pPr>
-              <a:t>8/19/11</a:t>
+              <a:t>9/27/11</a:t>
             </a:fld>
             <a:endParaRPr lang="en-US"/>
           </a:p>
@@ -5687,7 +5687,7 @@
               <a:pPr>
                 <a:defRPr/>
               </a:pPr>
-              <a:t>8/19/11</a:t>
+              <a:t>9/27/11</a:t>
             </a:fld>
             <a:endParaRPr lang="en-US"/>
           </a:p>
@@ -6038,7 +6038,7 @@
               <a:pPr>
                 <a:defRPr/>
               </a:pPr>
-              <a:t>8/19/11</a:t>
+              <a:t>9/27/11</a:t>
             </a:fld>
             <a:endParaRPr lang="en-US"/>
           </a:p>
@@ -6396,7 +6396,7 @@
               <a:pPr>
                 <a:defRPr/>
               </a:pPr>
-              <a:t>8/19/11</a:t>
+              <a:t>9/27/11</a:t>
             </a:fld>
             <a:endParaRPr lang="en-US"/>
           </a:p>
@@ -6631,7 +6631,7 @@
               <a:pPr>
                 <a:defRPr/>
               </a:pPr>
-              <a:t>8/19/11</a:t>
+              <a:t>9/27/11</a:t>
             </a:fld>
             <a:endParaRPr lang="en-US"/>
           </a:p>
@@ -6923,7 +6923,7 @@
               <a:pPr>
                 <a:defRPr/>
               </a:pPr>
-              <a:t>8/19/11</a:t>
+              <a:t>9/27/11</a:t>
             </a:fld>
             <a:endParaRPr lang="en-US"/>
           </a:p>
@@ -8104,7 +8104,16 @@
                 </a:solidFill>
                 <a:cs typeface="Trebuchet MS" charset="0"/>
               </a:rPr>
-              <a:t>3-</a:t>
+              <a:t>UI</a:t>
+            </a:r>
+            <a:r>
+              <a:rPr lang="en-US" sz="1200" b="1" dirty="0" smtClean="0">
+                <a:solidFill>
+                  <a:srgbClr val="122956"/>
+                </a:solidFill>
+                <a:cs typeface="Trebuchet MS" charset="0"/>
+              </a:rPr>
+              <a:t>-</a:t>
             </a:r>
             <a:fld id="{31B56995-E14C-B64F-86C9-12D6DB74A41E}" type="slidenum">
               <a:rPr lang="en-US" sz="1200" b="1">
@@ -8416,7 +8425,7 @@
                 </a:solidFill>
                 <a:cs typeface="Trebuchet MS" charset="0"/>
               </a:rPr>
-              <a:t>3-</a:t>
+              <a:t>UI-</a:t>
             </a:r>
             <a:fld id="{31B56995-E14C-B64F-86C9-12D6DB74A41E}" type="slidenum">
               <a:rPr lang="en-US" sz="1200" b="1">
@@ -8764,7 +8773,7 @@
                 </a:solidFill>
                 <a:cs typeface="Trebuchet MS" charset="0"/>
               </a:rPr>
-              <a:t>3-</a:t>
+              <a:t>UI-</a:t>
             </a:r>
             <a:fld id="{31B56995-E14C-B64F-86C9-12D6DB74A41E}" type="slidenum">
               <a:rPr lang="en-US" sz="1200" b="1">
@@ -9080,7 +9089,16 @@
                 </a:solidFill>
                 <a:cs typeface="Trebuchet MS" charset="0"/>
               </a:rPr>
-              <a:t>3-</a:t>
+              <a:t>UI</a:t>
+            </a:r>
+            <a:r>
+              <a:rPr lang="en-US" sz="1200" b="1" dirty="0" smtClean="0">
+                <a:solidFill>
+                  <a:srgbClr val="122956"/>
+                </a:solidFill>
+                <a:cs typeface="Trebuchet MS" charset="0"/>
+              </a:rPr>
+              <a:t>-</a:t>
             </a:r>
             <a:fld id="{31B56995-E14C-B64F-86C9-12D6DB74A41E}" type="slidenum">
               <a:rPr lang="en-US" sz="1200" b="1">
@@ -9578,7 +9596,7 @@
                 </a:solidFill>
                 <a:cs typeface="Trebuchet MS" charset="0"/>
               </a:rPr>
-              <a:t>3-</a:t>
+              <a:t>UI-</a:t>
             </a:r>
             <a:fld id="{31B56995-E14C-B64F-86C9-12D6DB74A41E}" type="slidenum">
               <a:rPr lang="en-US" sz="1200" b="1">
@@ -9890,7 +9908,7 @@
                 </a:solidFill>
                 <a:cs typeface="Trebuchet MS" charset="0"/>
               </a:rPr>
-              <a:t>3-</a:t>
+              <a:t>UI-</a:t>
             </a:r>
             <a:fld id="{31B56995-E14C-B64F-86C9-12D6DB74A41E}" type="slidenum">
               <a:rPr lang="en-US" sz="1200" b="1">
@@ -10385,7 +10403,7 @@
                 </a:solidFill>
                 <a:cs typeface="Trebuchet MS" charset="0"/>
               </a:rPr>
-              <a:t>3-</a:t>
+              <a:t>UI-</a:t>
             </a:r>
             <a:fld id="{31B56995-E14C-B64F-86C9-12D6DB74A41E}" type="slidenum">
               <a:rPr lang="en-US" sz="1200" b="1">
@@ -10888,7 +10906,7 @@
                 </a:solidFill>
                 <a:cs typeface="Trebuchet MS" charset="0"/>
               </a:rPr>
-              <a:t>3-</a:t>
+              <a:t>UI-</a:t>
             </a:r>
             <a:fld id="{31B56995-E14C-B64F-86C9-12D6DB74A41E}" type="slidenum">
               <a:rPr lang="en-US" sz="1200" b="1">
@@ -11407,7 +11425,7 @@
                 </a:solidFill>
                 <a:cs typeface="Trebuchet MS" charset="0"/>
               </a:rPr>
-              <a:t>3-</a:t>
+              <a:t>UI-</a:t>
             </a:r>
             <a:fld id="{31B56995-E14C-B64F-86C9-12D6DB74A41E}" type="slidenum">
               <a:rPr lang="en-US" sz="1200" b="1">
@@ -11724,7 +11742,7 @@
                 </a:solidFill>
                 <a:cs typeface="Trebuchet MS" charset="0"/>
               </a:rPr>
-              <a:t>3-</a:t>
+              <a:t>UI-</a:t>
             </a:r>
             <a:fld id="{31B56995-E14C-B64F-86C9-12D6DB74A41E}" type="slidenum">
               <a:rPr lang="en-US" sz="1200" b="1">
@@ -12227,7 +12245,7 @@
                 </a:solidFill>
                 <a:cs typeface="Trebuchet MS" charset="0"/>
               </a:rPr>
-              <a:t>3-</a:t>
+              <a:t>UI-</a:t>
             </a:r>
             <a:fld id="{31B56995-E14C-B64F-86C9-12D6DB74A41E}" type="slidenum">
               <a:rPr lang="en-US" sz="1200" b="1">
@@ -12776,7 +12794,7 @@
                 </a:solidFill>
                 <a:cs typeface="Trebuchet MS" charset="0"/>
               </a:rPr>
-              <a:t>3-</a:t>
+              <a:t>UI-</a:t>
             </a:r>
             <a:fld id="{31B56995-E14C-B64F-86C9-12D6DB74A41E}" type="slidenum">
               <a:rPr lang="en-US" sz="1200" b="1">

--- a/315.pptx
+++ b/315.pptx
@@ -785,8 +785,76 @@
                 <a:cs typeface="Times New Roman" charset="0"/>
                 <a:sym typeface="Times New Roman" charset="0"/>
               </a:rPr>
-              <a:t>In this lab, you will create a custom tab bar component. It will display two tabs and feature a sliding tab indicator with a custom background image.</a:t>
-            </a:r>
+              <a:t>In this lab, you will create a custom tab bar component. It will display two tabs and feature a sliding tab indicator with a custom background image</a:t>
+            </a:r>
+            <a:r>
+              <a:rPr lang="en-US" baseline="0" dirty="0" smtClean="0">
+                <a:solidFill>
+                  <a:srgbClr val="000000"/>
+                </a:solidFill>
+                <a:latin typeface="Times New Roman" charset="0"/>
+                <a:ea typeface="ＭＳ Ｐゴシック" charset="0"/>
+                <a:cs typeface="Times New Roman" charset="0"/>
+                <a:sym typeface="Times New Roman" charset="0"/>
+              </a:rPr>
+              <a:t>.</a:t>
+            </a:r>
+          </a:p>
+          <a:p>
+            <a:pPr marL="119063" eaLnBrk="1" hangingPunct="1">
+              <a:spcBef>
+                <a:spcPts val="450"/>
+              </a:spcBef>
+            </a:pPr>
+            <a:endParaRPr lang="en-US" baseline="0" dirty="0" smtClean="0">
+              <a:solidFill>
+                <a:srgbClr val="000000"/>
+              </a:solidFill>
+              <a:latin typeface="Times New Roman" charset="0"/>
+              <a:ea typeface="ＭＳ Ｐゴシック" charset="0"/>
+              <a:cs typeface="Times New Roman" charset="0"/>
+              <a:sym typeface="Times New Roman" charset="0"/>
+            </a:endParaRPr>
+          </a:p>
+          <a:p>
+            <a:pPr marL="119063" eaLnBrk="1" hangingPunct="1">
+              <a:spcBef>
+                <a:spcPts val="450"/>
+              </a:spcBef>
+            </a:pPr>
+            <a:r>
+              <a:rPr lang="en-US" baseline="0" dirty="0" smtClean="0">
+                <a:solidFill>
+                  <a:srgbClr val="000000"/>
+                </a:solidFill>
+                <a:latin typeface="Times New Roman" charset="0"/>
+                <a:ea typeface="ＭＳ Ｐゴシック" charset="0"/>
+                <a:cs typeface="Times New Roman" charset="0"/>
+                <a:sym typeface="Times New Roman" charset="0"/>
+              </a:rPr>
+              <a:t>Techniques used in this lab won’t work </a:t>
+            </a:r>
+            <a:r>
+              <a:rPr lang="en-US" baseline="0" smtClean="0">
+                <a:solidFill>
+                  <a:srgbClr val="000000"/>
+                </a:solidFill>
+                <a:latin typeface="Times New Roman" charset="0"/>
+                <a:ea typeface="ＭＳ Ｐゴシック" charset="0"/>
+                <a:cs typeface="Times New Roman" charset="0"/>
+                <a:sym typeface="Times New Roman" charset="0"/>
+              </a:rPr>
+              <a:t>on Android</a:t>
+            </a:r>
+            <a:endParaRPr lang="en-US" baseline="0" dirty="0" smtClean="0">
+              <a:solidFill>
+                <a:srgbClr val="000000"/>
+              </a:solidFill>
+              <a:latin typeface="Times New Roman" charset="0"/>
+              <a:ea typeface="ＭＳ Ｐゴシック" charset="0"/>
+              <a:cs typeface="Times New Roman" charset="0"/>
+              <a:sym typeface="Times New Roman" charset="0"/>
+            </a:endParaRPr>
           </a:p>
         </p:txBody>
       </p:sp>
@@ -1487,7 +1555,19 @@
                 <a:cs typeface="Lucida Grande" charset="0"/>
                 <a:sym typeface="Lucida Grande" charset="0"/>
               </a:rPr>
-              <a:t>Take your app from standard to exceptional</a:t>
+              <a:t>Take </a:t>
+            </a:r>
+            <a:r>
+              <a:rPr lang="en-US" dirty="0" smtClean="0">
+                <a:solidFill>
+                  <a:srgbClr val="000000"/>
+                </a:solidFill>
+                <a:latin typeface="Lucida Grande" charset="0"/>
+                <a:ea typeface="ＭＳ Ｐゴシック" charset="0"/>
+                <a:cs typeface="Lucida Grande" charset="0"/>
+                <a:sym typeface="Lucida Grande" charset="0"/>
+              </a:rPr>
+              <a:t>your app from standard to exceptional</a:t>
             </a:r>
           </a:p>
           <a:p>
@@ -1820,6 +1900,248 @@
                 <a:cs typeface="Lucida Grande" charset="0"/>
                 <a:sym typeface="Lucida Grande" charset="0"/>
               </a:rPr>
+              <a:t>Incorporating</a:t>
+            </a:r>
+            <a:r>
+              <a:rPr lang="en-US" baseline="0" dirty="0" smtClean="0">
+                <a:solidFill>
+                  <a:srgbClr val="122956"/>
+                </a:solidFill>
+                <a:latin typeface="Lucida Grande" charset="0"/>
+                <a:ea typeface="ＭＳ Ｐゴシック" charset="0"/>
+                <a:cs typeface="Lucida Grande" charset="0"/>
+                <a:sym typeface="Lucida Grande" charset="0"/>
+              </a:rPr>
+              <a:t> brand is critical</a:t>
+            </a:r>
+          </a:p>
+          <a:p>
+            <a:pPr marL="420688" indent="-341313" eaLnBrk="1" hangingPunct="1">
+              <a:spcBef>
+                <a:spcPts val="600"/>
+              </a:spcBef>
+              <a:tabLst>
+                <a:tab pos="114300" algn="l"/>
+                <a:tab pos="990600" algn="l"/>
+                <a:tab pos="1905000" algn="l"/>
+                <a:tab pos="2819400" algn="l"/>
+                <a:tab pos="3733800" algn="l"/>
+                <a:tab pos="4648200" algn="l"/>
+                <a:tab pos="5562600" algn="l"/>
+              </a:tabLst>
+            </a:pPr>
+            <a:r>
+              <a:rPr lang="en-US" baseline="0" dirty="0" smtClean="0">
+                <a:solidFill>
+                  <a:srgbClr val="122956"/>
+                </a:solidFill>
+                <a:latin typeface="Lucida Grande" charset="0"/>
+                <a:ea typeface="ＭＳ Ｐゴシック" charset="0"/>
+                <a:cs typeface="Lucida Grande" charset="0"/>
+                <a:sym typeface="Lucida Grande" charset="0"/>
+              </a:rPr>
+              <a:t>Develop a brand document which describes</a:t>
+            </a:r>
+          </a:p>
+          <a:p>
+            <a:pPr marL="250825" indent="-171450" eaLnBrk="1" hangingPunct="1">
+              <a:spcBef>
+                <a:spcPts val="600"/>
+              </a:spcBef>
+              <a:buFont typeface="Arial"/>
+              <a:buChar char="•"/>
+              <a:tabLst>
+                <a:tab pos="114300" algn="l"/>
+                <a:tab pos="990600" algn="l"/>
+                <a:tab pos="1905000" algn="l"/>
+                <a:tab pos="2819400" algn="l"/>
+                <a:tab pos="3733800" algn="l"/>
+                <a:tab pos="4648200" algn="l"/>
+                <a:tab pos="5562600" algn="l"/>
+              </a:tabLst>
+            </a:pPr>
+            <a:r>
+              <a:rPr lang="en-US" baseline="0" dirty="0" smtClean="0">
+                <a:solidFill>
+                  <a:srgbClr val="122956"/>
+                </a:solidFill>
+                <a:latin typeface="Lucida Grande" charset="0"/>
+                <a:ea typeface="ＭＳ Ｐゴシック" charset="0"/>
+                <a:cs typeface="Lucida Grande" charset="0"/>
+                <a:sym typeface="Lucida Grande" charset="0"/>
+              </a:rPr>
+              <a:t>Strategy</a:t>
+            </a:r>
+          </a:p>
+          <a:p>
+            <a:pPr marL="250825" indent="-171450" eaLnBrk="1" hangingPunct="1">
+              <a:spcBef>
+                <a:spcPts val="600"/>
+              </a:spcBef>
+              <a:buFont typeface="Arial"/>
+              <a:buChar char="•"/>
+              <a:tabLst>
+                <a:tab pos="114300" algn="l"/>
+                <a:tab pos="990600" algn="l"/>
+                <a:tab pos="1905000" algn="l"/>
+                <a:tab pos="2819400" algn="l"/>
+                <a:tab pos="3733800" algn="l"/>
+                <a:tab pos="4648200" algn="l"/>
+                <a:tab pos="5562600" algn="l"/>
+              </a:tabLst>
+            </a:pPr>
+            <a:r>
+              <a:rPr lang="en-US" baseline="0" dirty="0" smtClean="0">
+                <a:solidFill>
+                  <a:srgbClr val="122956"/>
+                </a:solidFill>
+                <a:latin typeface="Lucida Grande" charset="0"/>
+                <a:ea typeface="ＭＳ Ｐゴシック" charset="0"/>
+                <a:cs typeface="Lucida Grande" charset="0"/>
+                <a:sym typeface="Lucida Grande" charset="0"/>
+              </a:rPr>
+              <a:t>consumer needs</a:t>
+            </a:r>
+          </a:p>
+          <a:p>
+            <a:pPr marL="250825" indent="-171450" eaLnBrk="1" hangingPunct="1">
+              <a:spcBef>
+                <a:spcPts val="600"/>
+              </a:spcBef>
+              <a:buFont typeface="Arial"/>
+              <a:buChar char="•"/>
+              <a:tabLst>
+                <a:tab pos="114300" algn="l"/>
+                <a:tab pos="990600" algn="l"/>
+                <a:tab pos="1905000" algn="l"/>
+                <a:tab pos="2819400" algn="l"/>
+                <a:tab pos="3733800" algn="l"/>
+                <a:tab pos="4648200" algn="l"/>
+                <a:tab pos="5562600" algn="l"/>
+              </a:tabLst>
+            </a:pPr>
+            <a:r>
+              <a:rPr lang="en-US" baseline="0" dirty="0" smtClean="0">
+                <a:solidFill>
+                  <a:srgbClr val="122956"/>
+                </a:solidFill>
+                <a:latin typeface="Lucida Grande" charset="0"/>
+                <a:ea typeface="ＭＳ Ｐゴシック" charset="0"/>
+                <a:cs typeface="Lucida Grande" charset="0"/>
+                <a:sym typeface="Lucida Grande" charset="0"/>
+              </a:rPr>
+              <a:t>Standard colors, fonts, etc.</a:t>
+            </a:r>
+            <a:endParaRPr lang="en-US" dirty="0" smtClean="0">
+              <a:solidFill>
+                <a:srgbClr val="122956"/>
+              </a:solidFill>
+              <a:latin typeface="Lucida Grande" charset="0"/>
+              <a:ea typeface="ＭＳ Ｐゴシック" charset="0"/>
+              <a:cs typeface="Lucida Grande" charset="0"/>
+              <a:sym typeface="Lucida Grande" charset="0"/>
+            </a:endParaRPr>
+          </a:p>
+          <a:p>
+            <a:pPr marL="420688" indent="-341313" eaLnBrk="1" hangingPunct="1">
+              <a:spcBef>
+                <a:spcPts val="600"/>
+              </a:spcBef>
+              <a:tabLst>
+                <a:tab pos="114300" algn="l"/>
+                <a:tab pos="990600" algn="l"/>
+                <a:tab pos="1905000" algn="l"/>
+                <a:tab pos="2819400" algn="l"/>
+                <a:tab pos="3733800" algn="l"/>
+                <a:tab pos="4648200" algn="l"/>
+                <a:tab pos="5562600" algn="l"/>
+              </a:tabLst>
+            </a:pPr>
+            <a:endParaRPr lang="en-US" dirty="0" smtClean="0">
+              <a:solidFill>
+                <a:srgbClr val="122956"/>
+              </a:solidFill>
+              <a:latin typeface="Lucida Grande" charset="0"/>
+              <a:ea typeface="ＭＳ Ｐゴシック" charset="0"/>
+              <a:cs typeface="Lucida Grande" charset="0"/>
+              <a:sym typeface="Lucida Grande" charset="0"/>
+            </a:endParaRPr>
+          </a:p>
+          <a:p>
+            <a:pPr marL="420688" indent="-341313" eaLnBrk="1" hangingPunct="1">
+              <a:spcBef>
+                <a:spcPts val="600"/>
+              </a:spcBef>
+              <a:tabLst>
+                <a:tab pos="114300" algn="l"/>
+                <a:tab pos="990600" algn="l"/>
+                <a:tab pos="1905000" algn="l"/>
+                <a:tab pos="2819400" algn="l"/>
+                <a:tab pos="3733800" algn="l"/>
+                <a:tab pos="4648200" algn="l"/>
+                <a:tab pos="5562600" algn="l"/>
+              </a:tabLst>
+            </a:pPr>
+            <a:endParaRPr lang="en-US" dirty="0" smtClean="0">
+              <a:solidFill>
+                <a:srgbClr val="122956"/>
+              </a:solidFill>
+              <a:latin typeface="Lucida Grande" charset="0"/>
+              <a:ea typeface="ＭＳ Ｐゴシック" charset="0"/>
+              <a:cs typeface="Lucida Grande" charset="0"/>
+              <a:sym typeface="Lucida Grande" charset="0"/>
+            </a:endParaRPr>
+          </a:p>
+          <a:p>
+            <a:pPr marL="420688" indent="-341313" eaLnBrk="1" hangingPunct="1">
+              <a:spcBef>
+                <a:spcPts val="600"/>
+              </a:spcBef>
+              <a:tabLst>
+                <a:tab pos="114300" algn="l"/>
+                <a:tab pos="990600" algn="l"/>
+                <a:tab pos="1905000" algn="l"/>
+                <a:tab pos="2819400" algn="l"/>
+                <a:tab pos="3733800" algn="l"/>
+                <a:tab pos="4648200" algn="l"/>
+                <a:tab pos="5562600" algn="l"/>
+              </a:tabLst>
+            </a:pPr>
+            <a:endParaRPr lang="en-US" dirty="0" smtClean="0">
+              <a:solidFill>
+                <a:srgbClr val="122956"/>
+              </a:solidFill>
+              <a:latin typeface="Lucida Grande" charset="0"/>
+              <a:ea typeface="ＭＳ Ｐゴシック" charset="0"/>
+              <a:cs typeface="Lucida Grande" charset="0"/>
+              <a:sym typeface="Lucida Grande" charset="0"/>
+            </a:endParaRPr>
+          </a:p>
+          <a:p>
+            <a:pPr marL="420688" indent="-341313" eaLnBrk="1" hangingPunct="1">
+              <a:spcBef>
+                <a:spcPts val="600"/>
+              </a:spcBef>
+              <a:tabLst>
+                <a:tab pos="114300" algn="l"/>
+                <a:tab pos="990600" algn="l"/>
+                <a:tab pos="1905000" algn="l"/>
+                <a:tab pos="2819400" algn="l"/>
+                <a:tab pos="3733800" algn="l"/>
+                <a:tab pos="4648200" algn="l"/>
+                <a:tab pos="5562600" algn="l"/>
+              </a:tabLst>
+            </a:pPr>
+            <a:r>
+              <a:rPr lang="en-US" dirty="0" smtClean="0">
+                <a:solidFill>
+                  <a:srgbClr val="122956"/>
+                </a:solidFill>
+                <a:latin typeface="Lucida Grande" charset="0"/>
+                <a:ea typeface="ＭＳ Ｐゴシック" charset="0"/>
+                <a:cs typeface="Lucida Grande" charset="0"/>
+                <a:sym typeface="Lucida Grande" charset="0"/>
+              </a:rPr>
               <a:t>If you do not have a</a:t>
             </a:r>
             <a:r>
@@ -2118,6 +2440,186 @@
                 <a:cs typeface="Lucida Grande" charset="0"/>
                 <a:sym typeface="Lucida Grande" charset="0"/>
               </a:rPr>
+              <a:t>How can you</a:t>
+            </a:r>
+            <a:r>
+              <a:rPr lang="en-US" baseline="0" dirty="0" smtClean="0">
+                <a:solidFill>
+                  <a:srgbClr val="122956"/>
+                </a:solidFill>
+                <a:latin typeface="Lucida Grande" charset="0"/>
+                <a:ea typeface="ＭＳ Ｐゴシック" charset="0"/>
+                <a:cs typeface="Lucida Grande" charset="0"/>
+                <a:sym typeface="Lucida Grande" charset="0"/>
+              </a:rPr>
+              <a:t> incorporate your brand?</a:t>
+            </a:r>
+          </a:p>
+          <a:p>
+            <a:pPr marL="420688" indent="-341313" eaLnBrk="1" hangingPunct="1">
+              <a:spcBef>
+                <a:spcPts val="600"/>
+              </a:spcBef>
+              <a:buFont typeface="Arial"/>
+              <a:buChar char="•"/>
+              <a:tabLst>
+                <a:tab pos="114300" algn="l"/>
+                <a:tab pos="990600" algn="l"/>
+                <a:tab pos="1905000" algn="l"/>
+                <a:tab pos="2819400" algn="l"/>
+                <a:tab pos="3733800" algn="l"/>
+                <a:tab pos="4648200" algn="l"/>
+                <a:tab pos="5562600" algn="l"/>
+              </a:tabLst>
+            </a:pPr>
+            <a:r>
+              <a:rPr lang="en-US" baseline="0" dirty="0" smtClean="0">
+                <a:solidFill>
+                  <a:srgbClr val="122956"/>
+                </a:solidFill>
+                <a:latin typeface="Lucida Grande" charset="0"/>
+                <a:ea typeface="ＭＳ Ｐゴシック" charset="0"/>
+                <a:cs typeface="Lucida Grande" charset="0"/>
+                <a:sym typeface="Lucida Grande" charset="0"/>
+              </a:rPr>
+              <a:t>Obviously logos, icons, images</a:t>
+            </a:r>
+          </a:p>
+          <a:p>
+            <a:pPr marL="420688" indent="-341313" eaLnBrk="1" hangingPunct="1">
+              <a:spcBef>
+                <a:spcPts val="600"/>
+              </a:spcBef>
+              <a:buFont typeface="Arial"/>
+              <a:buChar char="•"/>
+              <a:tabLst>
+                <a:tab pos="114300" algn="l"/>
+                <a:tab pos="990600" algn="l"/>
+                <a:tab pos="1905000" algn="l"/>
+                <a:tab pos="2819400" algn="l"/>
+                <a:tab pos="3733800" algn="l"/>
+                <a:tab pos="4648200" algn="l"/>
+                <a:tab pos="5562600" algn="l"/>
+              </a:tabLst>
+            </a:pPr>
+            <a:r>
+              <a:rPr lang="en-US" baseline="0" dirty="0" smtClean="0">
+                <a:solidFill>
+                  <a:srgbClr val="122956"/>
+                </a:solidFill>
+                <a:latin typeface="Lucida Grande" charset="0"/>
+                <a:ea typeface="ＭＳ Ｐゴシック" charset="0"/>
+                <a:cs typeface="Lucida Grande" charset="0"/>
+                <a:sym typeface="Lucida Grande" charset="0"/>
+              </a:rPr>
+              <a:t>Colors should flow through UI</a:t>
+            </a:r>
+          </a:p>
+          <a:p>
+            <a:pPr marL="420688" indent="-341313" eaLnBrk="1" hangingPunct="1">
+              <a:spcBef>
+                <a:spcPts val="600"/>
+              </a:spcBef>
+              <a:buFont typeface="Arial"/>
+              <a:buChar char="•"/>
+              <a:tabLst>
+                <a:tab pos="114300" algn="l"/>
+                <a:tab pos="990600" algn="l"/>
+                <a:tab pos="1905000" algn="l"/>
+                <a:tab pos="2819400" algn="l"/>
+                <a:tab pos="3733800" algn="l"/>
+                <a:tab pos="4648200" algn="l"/>
+                <a:tab pos="5562600" algn="l"/>
+              </a:tabLst>
+            </a:pPr>
+            <a:r>
+              <a:rPr lang="en-US" baseline="0" dirty="0" smtClean="0">
+                <a:solidFill>
+                  <a:srgbClr val="122956"/>
+                </a:solidFill>
+                <a:latin typeface="Lucida Grande" charset="0"/>
+                <a:ea typeface="ＭＳ Ｐゴシック" charset="0"/>
+                <a:cs typeface="Lucida Grande" charset="0"/>
+                <a:sym typeface="Lucida Grande" charset="0"/>
+              </a:rPr>
+              <a:t>Custom components</a:t>
+            </a:r>
+          </a:p>
+          <a:p>
+            <a:pPr marL="420688" indent="-341313" eaLnBrk="1" hangingPunct="1">
+              <a:spcBef>
+                <a:spcPts val="600"/>
+              </a:spcBef>
+              <a:tabLst>
+                <a:tab pos="114300" algn="l"/>
+                <a:tab pos="990600" algn="l"/>
+                <a:tab pos="1905000" algn="l"/>
+                <a:tab pos="2819400" algn="l"/>
+                <a:tab pos="3733800" algn="l"/>
+                <a:tab pos="4648200" algn="l"/>
+                <a:tab pos="5562600" algn="l"/>
+              </a:tabLst>
+            </a:pPr>
+            <a:endParaRPr lang="en-US" dirty="0" smtClean="0">
+              <a:solidFill>
+                <a:srgbClr val="122956"/>
+              </a:solidFill>
+              <a:latin typeface="Lucida Grande" charset="0"/>
+              <a:ea typeface="ＭＳ Ｐゴシック" charset="0"/>
+              <a:cs typeface="Lucida Grande" charset="0"/>
+              <a:sym typeface="Lucida Grande" charset="0"/>
+            </a:endParaRPr>
+          </a:p>
+          <a:p>
+            <a:pPr marL="420688" indent="-341313" eaLnBrk="1" hangingPunct="1">
+              <a:spcBef>
+                <a:spcPts val="600"/>
+              </a:spcBef>
+              <a:tabLst>
+                <a:tab pos="114300" algn="l"/>
+                <a:tab pos="990600" algn="l"/>
+                <a:tab pos="1905000" algn="l"/>
+                <a:tab pos="2819400" algn="l"/>
+                <a:tab pos="3733800" algn="l"/>
+                <a:tab pos="4648200" algn="l"/>
+                <a:tab pos="5562600" algn="l"/>
+              </a:tabLst>
+            </a:pPr>
+            <a:endParaRPr lang="en-US" dirty="0" smtClean="0">
+              <a:solidFill>
+                <a:srgbClr val="122956"/>
+              </a:solidFill>
+              <a:latin typeface="Lucida Grande" charset="0"/>
+              <a:ea typeface="ＭＳ Ｐゴシック" charset="0"/>
+              <a:cs typeface="Lucida Grande" charset="0"/>
+              <a:sym typeface="Lucida Grande" charset="0"/>
+            </a:endParaRPr>
+          </a:p>
+          <a:p>
+            <a:pPr marL="420688" indent="-341313" eaLnBrk="1" hangingPunct="1">
+              <a:spcBef>
+                <a:spcPts val="600"/>
+              </a:spcBef>
+              <a:tabLst>
+                <a:tab pos="114300" algn="l"/>
+                <a:tab pos="990600" algn="l"/>
+                <a:tab pos="1905000" algn="l"/>
+                <a:tab pos="2819400" algn="l"/>
+                <a:tab pos="3733800" algn="l"/>
+                <a:tab pos="4648200" algn="l"/>
+                <a:tab pos="5562600" algn="l"/>
+              </a:tabLst>
+            </a:pPr>
+            <a:r>
+              <a:rPr lang="en-US" dirty="0" smtClean="0">
+                <a:solidFill>
+                  <a:srgbClr val="122956"/>
+                </a:solidFill>
+                <a:latin typeface="Lucida Grande" charset="0"/>
+                <a:ea typeface="ＭＳ Ｐゴシック" charset="0"/>
+                <a:cs typeface="Lucida Grande" charset="0"/>
+                <a:sym typeface="Lucida Grande" charset="0"/>
+              </a:rPr>
               <a:t>Brand incorporation</a:t>
             </a:r>
             <a:r>
@@ -2783,7 +3285,35 @@
                 <a:cs typeface="Lucida Grande" charset="0"/>
                 <a:sym typeface="Lucida Grande" charset="0"/>
               </a:rPr>
-              <a:t> components are very boring. A simple tab bar looks the same in every application. Same goes for the default title control. Sure you can change color, but believe it or now, most don’t spend the time to do so.</a:t>
+              <a:t> components are very boring. </a:t>
+            </a:r>
+          </a:p>
+          <a:p>
+            <a:pPr marL="420688" indent="-341313" eaLnBrk="1" hangingPunct="1">
+              <a:spcBef>
+                <a:spcPts val="600"/>
+              </a:spcBef>
+              <a:tabLst>
+                <a:tab pos="114300" algn="l"/>
+                <a:tab pos="990600" algn="l"/>
+                <a:tab pos="1905000" algn="l"/>
+                <a:tab pos="2819400" algn="l"/>
+                <a:tab pos="3733800" algn="l"/>
+                <a:tab pos="4648200" algn="l"/>
+                <a:tab pos="5562600" algn="l"/>
+              </a:tabLst>
+            </a:pPr>
+            <a:r>
+              <a:rPr lang="en-US" baseline="0" dirty="0" smtClean="0">
+                <a:solidFill>
+                  <a:srgbClr val="122956"/>
+                </a:solidFill>
+                <a:latin typeface="Lucida Grande" charset="0"/>
+                <a:ea typeface="ＭＳ Ｐゴシック" charset="0"/>
+                <a:cs typeface="Lucida Grande" charset="0"/>
+                <a:sym typeface="Lucida Grande" charset="0"/>
+              </a:rPr>
+              <a:t>Make sure to also consider what’s often not branded including title and tab bars</a:t>
             </a:r>
           </a:p>
           <a:p>
@@ -2826,6 +3356,31 @@
                 <a:tab pos="5562600" algn="l"/>
               </a:tabLst>
             </a:pPr>
+            <a:endParaRPr lang="en-US" baseline="0" dirty="0" smtClean="0">
+              <a:solidFill>
+                <a:srgbClr val="122956"/>
+              </a:solidFill>
+              <a:latin typeface="Lucida Grande" charset="0"/>
+              <a:ea typeface="ＭＳ Ｐゴシック" charset="0"/>
+              <a:cs typeface="Lucida Grande" charset="0"/>
+              <a:sym typeface="Lucida Grande" charset="0"/>
+            </a:endParaRPr>
+          </a:p>
+          <a:p>
+            <a:pPr marL="420688" indent="-341313" eaLnBrk="1" hangingPunct="1">
+              <a:spcBef>
+                <a:spcPts val="600"/>
+              </a:spcBef>
+              <a:tabLst>
+                <a:tab pos="114300" algn="l"/>
+                <a:tab pos="990600" algn="l"/>
+                <a:tab pos="1905000" algn="l"/>
+                <a:tab pos="2819400" algn="l"/>
+                <a:tab pos="3733800" algn="l"/>
+                <a:tab pos="4648200" algn="l"/>
+                <a:tab pos="5562600" algn="l"/>
+              </a:tabLst>
+            </a:pPr>
             <a:r>
               <a:rPr lang="en-US" baseline="0" dirty="0" smtClean="0">
                 <a:solidFill>
@@ -2836,7 +3391,7 @@
                 <a:cs typeface="Lucida Grande" charset="0"/>
                 <a:sym typeface="Lucida Grande" charset="0"/>
               </a:rPr>
-              <a:t>This leads us to what is not by default branded in your application and this is the tab bar and title control. By owing these two items that are consistent across most of your app, you can drastically change the appeal, emotion, and style of your final application.</a:t>
+              <a:t>A simple tab bar looks the same in every application. Same goes for the default title control. Sure you can change color, but believe it or now, most don’t spend the time to do so.</a:t>
             </a:r>
           </a:p>
           <a:p>
@@ -2889,10 +3444,51 @@
                 <a:cs typeface="Lucida Grande" charset="0"/>
                 <a:sym typeface="Lucida Grande" charset="0"/>
               </a:rPr>
-              <a:t>We’ll focus specifically on the title and </a:t>
-            </a:r>
-            <a:r>
-              <a:rPr lang="en-US" baseline="0" smtClean="0">
+              <a:t>This leads us to what is not by default branded in your application and this is the tab bar and title control. By owing these two items that are consistent across most of your app, you can drastically change the appeal, emotion, and style of your final application.</a:t>
+            </a:r>
+          </a:p>
+          <a:p>
+            <a:pPr marL="420688" indent="-341313" eaLnBrk="1" hangingPunct="1">
+              <a:spcBef>
+                <a:spcPts val="600"/>
+              </a:spcBef>
+              <a:tabLst>
+                <a:tab pos="114300" algn="l"/>
+                <a:tab pos="990600" algn="l"/>
+                <a:tab pos="1905000" algn="l"/>
+                <a:tab pos="2819400" algn="l"/>
+                <a:tab pos="3733800" algn="l"/>
+                <a:tab pos="4648200" algn="l"/>
+                <a:tab pos="5562600" algn="l"/>
+              </a:tabLst>
+            </a:pPr>
+            <a:endParaRPr lang="en-US" baseline="0" dirty="0" smtClean="0">
+              <a:solidFill>
+                <a:srgbClr val="122956"/>
+              </a:solidFill>
+              <a:latin typeface="Lucida Grande" charset="0"/>
+              <a:ea typeface="ＭＳ Ｐゴシック" charset="0"/>
+              <a:cs typeface="Lucida Grande" charset="0"/>
+              <a:sym typeface="Lucida Grande" charset="0"/>
+            </a:endParaRPr>
+          </a:p>
+          <a:p>
+            <a:pPr marL="420688" indent="-341313" eaLnBrk="1" hangingPunct="1">
+              <a:spcBef>
+                <a:spcPts val="600"/>
+              </a:spcBef>
+              <a:tabLst>
+                <a:tab pos="114300" algn="l"/>
+                <a:tab pos="990600" algn="l"/>
+                <a:tab pos="1905000" algn="l"/>
+                <a:tab pos="2819400" algn="l"/>
+                <a:tab pos="3733800" algn="l"/>
+                <a:tab pos="4648200" algn="l"/>
+                <a:tab pos="5562600" algn="l"/>
+              </a:tabLst>
+            </a:pPr>
+            <a:r>
+              <a:rPr lang="en-US" baseline="0" dirty="0" smtClean="0">
                 <a:solidFill>
                   <a:srgbClr val="122956"/>
                 </a:solidFill>
@@ -2901,7 +3497,7 @@
                 <a:cs typeface="Lucida Grande" charset="0"/>
                 <a:sym typeface="Lucida Grande" charset="0"/>
               </a:rPr>
-              <a:t>tab bar.</a:t>
+              <a:t>We’ll focus specifically on the title and tab bar.</a:t>
             </a:r>
             <a:endParaRPr lang="en-US" dirty="0">
               <a:solidFill>
@@ -3135,7 +3731,7 @@
                 <a:cs typeface="Lucida Grande" charset="0"/>
                 <a:sym typeface="Lucida Grande" charset="0"/>
               </a:rPr>
-              <a:t>It’s worth noting that once you decide to use custom navigation components,</a:t>
+              <a:t>With custom navigation components,</a:t>
             </a:r>
             <a:r>
               <a:rPr lang="en-US" baseline="0" dirty="0" smtClean="0">
@@ -3196,34 +3792,6 @@
                 <a:sym typeface="Lucida Grande" charset="0"/>
               </a:rPr>
               <a:t>, etc.</a:t>
-            </a:r>
-          </a:p>
-          <a:p>
-            <a:pPr marL="420688" indent="-341313" eaLnBrk="1" hangingPunct="1">
-              <a:spcBef>
-                <a:spcPts val="600"/>
-              </a:spcBef>
-              <a:tabLst>
-                <a:tab pos="114300" algn="l"/>
-                <a:tab pos="990600" algn="l"/>
-                <a:tab pos="1905000" algn="l"/>
-                <a:tab pos="2819400" algn="l"/>
-                <a:tab pos="3733800" algn="l"/>
-                <a:tab pos="4648200" algn="l"/>
-                <a:tab pos="5562600" algn="l"/>
-              </a:tabLst>
-            </a:pPr>
-            <a:r>
-              <a:rPr lang="en-US" baseline="0" dirty="0" smtClean="0">
-                <a:solidFill>
-                  <a:srgbClr val="122956"/>
-                </a:solidFill>
-                <a:latin typeface="Lucida Grande" charset="0"/>
-                <a:ea typeface="ＭＳ Ｐゴシック" charset="0"/>
-                <a:cs typeface="Lucida Grande" charset="0"/>
-                <a:sym typeface="Lucida Grande" charset="0"/>
-              </a:rPr>
-              <a:t>You have to implement all that functionality</a:t>
             </a:r>
           </a:p>
           <a:p>
@@ -3267,7 +3835,7 @@
               </a:tabLst>
             </a:pPr>
             <a:r>
-              <a:rPr lang="en-US" baseline="0" dirty="0" smtClean="0">
+              <a:rPr lang="en-US" b="1" baseline="0" dirty="0" smtClean="0">
                 <a:solidFill>
                   <a:srgbClr val="122956"/>
                 </a:solidFill>
@@ -3276,307 +3844,8 @@
                 <a:cs typeface="Lucida Grande" charset="0"/>
                 <a:sym typeface="Lucida Grande" charset="0"/>
               </a:rPr>
-              <a:t>Do a quick demo of a custom </a:t>
-            </a:r>
-            <a:r>
-              <a:rPr lang="en-US" baseline="0" dirty="0" err="1" smtClean="0">
-                <a:solidFill>
-                  <a:srgbClr val="122956"/>
-                </a:solidFill>
-                <a:latin typeface="Lucida Grande" charset="0"/>
-                <a:ea typeface="ＭＳ Ｐゴシック" charset="0"/>
-                <a:cs typeface="Lucida Grande" charset="0"/>
-                <a:sym typeface="Lucida Grande" charset="0"/>
-              </a:rPr>
-              <a:t>nav</a:t>
-            </a:r>
-            <a:r>
-              <a:rPr lang="en-US" baseline="0" dirty="0" smtClean="0">
-                <a:solidFill>
-                  <a:srgbClr val="122956"/>
-                </a:solidFill>
-                <a:latin typeface="Lucida Grande" charset="0"/>
-                <a:ea typeface="ＭＳ Ｐゴシック" charset="0"/>
-                <a:cs typeface="Lucida Grande" charset="0"/>
-                <a:sym typeface="Lucida Grande" charset="0"/>
-              </a:rPr>
-              <a:t> bar component/API – </a:t>
-            </a:r>
-          </a:p>
-          <a:p>
-            <a:pPr marL="420688" indent="-341313" eaLnBrk="1" hangingPunct="1">
-              <a:spcBef>
-                <a:spcPts val="600"/>
-              </a:spcBef>
-              <a:buFont typeface="+mj-lt"/>
-              <a:buAutoNum type="arabicPeriod"/>
-              <a:tabLst>
-                <a:tab pos="114300" algn="l"/>
-                <a:tab pos="990600" algn="l"/>
-                <a:tab pos="1905000" algn="l"/>
-                <a:tab pos="2819400" algn="l"/>
-                <a:tab pos="3733800" algn="l"/>
-                <a:tab pos="4648200" algn="l"/>
-                <a:tab pos="5562600" algn="l"/>
-              </a:tabLst>
-            </a:pPr>
-            <a:r>
-              <a:rPr lang="en-US" baseline="0" dirty="0" smtClean="0">
-                <a:solidFill>
-                  <a:srgbClr val="122956"/>
-                </a:solidFill>
-                <a:latin typeface="Lucida Grande" charset="0"/>
-                <a:ea typeface="ＭＳ Ｐゴシック" charset="0"/>
-                <a:cs typeface="Lucida Grande" charset="0"/>
-                <a:sym typeface="Lucida Grande" charset="0"/>
-              </a:rPr>
-              <a:t>Create New project and delete contents of </a:t>
-            </a:r>
-            <a:r>
-              <a:rPr lang="en-US" baseline="0" dirty="0" err="1" smtClean="0">
-                <a:solidFill>
-                  <a:srgbClr val="122956"/>
-                </a:solidFill>
-                <a:latin typeface="Lucida Grande" charset="0"/>
-                <a:ea typeface="ＭＳ Ｐゴシック" charset="0"/>
-                <a:cs typeface="Lucida Grande" charset="0"/>
-                <a:sym typeface="Lucida Grande" charset="0"/>
-              </a:rPr>
-              <a:t>app.js</a:t>
-            </a:r>
-            <a:endParaRPr lang="en-US" baseline="0" dirty="0" smtClean="0">
-              <a:solidFill>
-                <a:srgbClr val="122956"/>
-              </a:solidFill>
-              <a:latin typeface="Lucida Grande" charset="0"/>
-              <a:ea typeface="ＭＳ Ｐゴシック" charset="0"/>
-              <a:cs typeface="Lucida Grande" charset="0"/>
-              <a:sym typeface="Lucida Grande" charset="0"/>
-            </a:endParaRPr>
-          </a:p>
-          <a:p>
-            <a:pPr marL="420688" indent="-341313" eaLnBrk="1" hangingPunct="1">
-              <a:spcBef>
-                <a:spcPts val="600"/>
-              </a:spcBef>
-              <a:buFont typeface="+mj-lt"/>
-              <a:buAutoNum type="arabicPeriod"/>
-              <a:tabLst>
-                <a:tab pos="114300" algn="l"/>
-                <a:tab pos="990600" algn="l"/>
-                <a:tab pos="1905000" algn="l"/>
-                <a:tab pos="2819400" algn="l"/>
-                <a:tab pos="3733800" algn="l"/>
-                <a:tab pos="4648200" algn="l"/>
-                <a:tab pos="5562600" algn="l"/>
-              </a:tabLst>
-            </a:pPr>
-            <a:r>
-              <a:rPr lang="en-US" baseline="0" dirty="0" smtClean="0">
-                <a:solidFill>
-                  <a:srgbClr val="122956"/>
-                </a:solidFill>
-                <a:latin typeface="Lucida Grande" charset="0"/>
-                <a:ea typeface="ＭＳ Ｐゴシック" charset="0"/>
-                <a:cs typeface="Lucida Grande" charset="0"/>
-                <a:sym typeface="Lucida Grande" charset="0"/>
-              </a:rPr>
-              <a:t>Add the code from </a:t>
-            </a:r>
-            <a:r>
-              <a:rPr lang="en-US" b="1" baseline="0" dirty="0" smtClean="0">
-                <a:solidFill>
-                  <a:srgbClr val="122956"/>
-                </a:solidFill>
-                <a:latin typeface="Lucida Grande" charset="0"/>
-                <a:ea typeface="ＭＳ Ｐゴシック" charset="0"/>
-                <a:cs typeface="Lucida Grande" charset="0"/>
-                <a:sym typeface="Lucida Grande" charset="0"/>
-              </a:rPr>
-              <a:t>Module 315 demo </a:t>
-            </a:r>
-            <a:r>
-              <a:rPr lang="en-US" b="1" baseline="0" dirty="0" err="1" smtClean="0">
-                <a:solidFill>
-                  <a:srgbClr val="122956"/>
-                </a:solidFill>
-                <a:latin typeface="Lucida Grande" charset="0"/>
-                <a:ea typeface="ＭＳ Ｐゴシック" charset="0"/>
-                <a:cs typeface="Lucida Grande" charset="0"/>
-                <a:sym typeface="Lucida Grande" charset="0"/>
-              </a:rPr>
-              <a:t>app.js</a:t>
-            </a:r>
-            <a:r>
-              <a:rPr lang="en-US" b="1" baseline="0" dirty="0" smtClean="0">
-                <a:solidFill>
-                  <a:srgbClr val="122956"/>
-                </a:solidFill>
-                <a:latin typeface="Lucida Grande" charset="0"/>
-                <a:ea typeface="ＭＳ Ｐゴシック" charset="0"/>
-                <a:cs typeface="Lucida Grande" charset="0"/>
-                <a:sym typeface="Lucida Grande" charset="0"/>
-              </a:rPr>
-              <a:t> </a:t>
-            </a:r>
-            <a:r>
-              <a:rPr lang="en-US" b="1" baseline="0" dirty="0" err="1" smtClean="0">
-                <a:solidFill>
-                  <a:srgbClr val="122956"/>
-                </a:solidFill>
-                <a:latin typeface="Lucida Grande" charset="0"/>
-                <a:ea typeface="ＭＳ Ｐゴシック" charset="0"/>
-                <a:cs typeface="Lucida Grande" charset="0"/>
-                <a:sym typeface="Lucida Grande" charset="0"/>
-              </a:rPr>
-              <a:t>file.txt</a:t>
-            </a:r>
-            <a:r>
-              <a:rPr lang="en-US" b="1" baseline="0" dirty="0" smtClean="0">
-                <a:solidFill>
-                  <a:srgbClr val="122956"/>
-                </a:solidFill>
-                <a:latin typeface="Lucida Grande" charset="0"/>
-                <a:ea typeface="ＭＳ Ｐゴシック" charset="0"/>
-                <a:cs typeface="Lucida Grande" charset="0"/>
-                <a:sym typeface="Lucida Grande" charset="0"/>
-              </a:rPr>
-              <a:t/>
-            </a:r>
-            <a:br>
-              <a:rPr lang="en-US" b="1" baseline="0" dirty="0" smtClean="0">
-                <a:solidFill>
-                  <a:srgbClr val="122956"/>
-                </a:solidFill>
-                <a:latin typeface="Lucida Grande" charset="0"/>
-                <a:ea typeface="ＭＳ Ｐゴシック" charset="0"/>
-                <a:cs typeface="Lucida Grande" charset="0"/>
-                <a:sym typeface="Lucida Grande" charset="0"/>
-              </a:rPr>
-            </a:br>
-            <a:r>
-              <a:rPr lang="en-US" b="0" baseline="0" dirty="0" smtClean="0">
-                <a:solidFill>
-                  <a:srgbClr val="122956"/>
-                </a:solidFill>
-                <a:latin typeface="Lucida Grande" charset="0"/>
-                <a:ea typeface="ＭＳ Ｐゴシック" charset="0"/>
-                <a:cs typeface="Lucida Grande" charset="0"/>
-                <a:sym typeface="Lucida Grande" charset="0"/>
-              </a:rPr>
-              <a:t>https://</a:t>
-            </a:r>
-            <a:r>
-              <a:rPr lang="en-US" b="0" baseline="0" dirty="0" err="1" smtClean="0">
-                <a:solidFill>
-                  <a:srgbClr val="122956"/>
-                </a:solidFill>
-                <a:latin typeface="Lucida Grande" charset="0"/>
-                <a:ea typeface="ＭＳ Ｐゴシック" charset="0"/>
-                <a:cs typeface="Lucida Grande" charset="0"/>
-                <a:sym typeface="Lucida Grande" charset="0"/>
-              </a:rPr>
-              <a:t>github.com</a:t>
-            </a:r>
-            <a:r>
-              <a:rPr lang="en-US" b="0" baseline="0" dirty="0" smtClean="0">
-                <a:solidFill>
-                  <a:srgbClr val="122956"/>
-                </a:solidFill>
-                <a:latin typeface="Lucida Grande" charset="0"/>
-                <a:ea typeface="ＭＳ Ｐゴシック" charset="0"/>
-                <a:cs typeface="Lucida Grande" charset="0"/>
-                <a:sym typeface="Lucida Grande" charset="0"/>
-              </a:rPr>
-              <a:t>/</a:t>
-            </a:r>
-            <a:r>
-              <a:rPr lang="en-US" b="0" baseline="0" dirty="0" err="1" smtClean="0">
-                <a:solidFill>
-                  <a:srgbClr val="122956"/>
-                </a:solidFill>
-                <a:latin typeface="Lucida Grande" charset="0"/>
-                <a:ea typeface="ＭＳ Ｐゴシック" charset="0"/>
-                <a:cs typeface="Lucida Grande" charset="0"/>
-                <a:sym typeface="Lucida Grande" charset="0"/>
-              </a:rPr>
-              <a:t>appcelerator</a:t>
-            </a:r>
-            <a:r>
-              <a:rPr lang="en-US" b="0" baseline="0" dirty="0" smtClean="0">
-                <a:solidFill>
-                  <a:srgbClr val="122956"/>
-                </a:solidFill>
-                <a:latin typeface="Lucida Grande" charset="0"/>
-                <a:ea typeface="ＭＳ Ｐゴシック" charset="0"/>
-                <a:cs typeface="Lucida Grande" charset="0"/>
-                <a:sym typeface="Lucida Grande" charset="0"/>
-              </a:rPr>
-              <a:t>-training/</a:t>
-            </a:r>
-            <a:r>
-              <a:rPr lang="en-US" b="0" baseline="0" dirty="0" err="1" smtClean="0">
-                <a:solidFill>
-                  <a:srgbClr val="122956"/>
-                </a:solidFill>
-                <a:latin typeface="Lucida Grande" charset="0"/>
-                <a:ea typeface="ＭＳ Ｐゴシック" charset="0"/>
-                <a:cs typeface="Lucida Grande" charset="0"/>
-                <a:sym typeface="Lucida Grande" charset="0"/>
-              </a:rPr>
-              <a:t>tcmd_certification</a:t>
-            </a:r>
-            <a:r>
-              <a:rPr lang="en-US" b="0" baseline="0" dirty="0" smtClean="0">
-                <a:solidFill>
-                  <a:srgbClr val="122956"/>
-                </a:solidFill>
-                <a:latin typeface="Lucida Grande" charset="0"/>
-                <a:ea typeface="ＭＳ Ｐゴシック" charset="0"/>
-                <a:cs typeface="Lucida Grande" charset="0"/>
-                <a:sym typeface="Lucida Grande" charset="0"/>
-              </a:rPr>
-              <a:t>/blob/master/Module%20315%20Demo%20app.js%20file.txt</a:t>
-            </a:r>
-          </a:p>
-          <a:p>
-            <a:pPr marL="420688" indent="-341313" eaLnBrk="1" hangingPunct="1">
-              <a:spcBef>
-                <a:spcPts val="600"/>
-              </a:spcBef>
-              <a:buFont typeface="+mj-lt"/>
-              <a:buAutoNum type="arabicPeriod"/>
-              <a:tabLst>
-                <a:tab pos="114300" algn="l"/>
-                <a:tab pos="990600" algn="l"/>
-                <a:tab pos="1905000" algn="l"/>
-                <a:tab pos="2819400" algn="l"/>
-                <a:tab pos="3733800" algn="l"/>
-                <a:tab pos="4648200" algn="l"/>
-                <a:tab pos="5562600" algn="l"/>
-              </a:tabLst>
-            </a:pPr>
-            <a:r>
-              <a:rPr lang="en-US" b="0" baseline="0" dirty="0" smtClean="0">
-                <a:solidFill>
-                  <a:srgbClr val="122956"/>
-                </a:solidFill>
-                <a:latin typeface="Lucida Grande" charset="0"/>
-                <a:ea typeface="ＭＳ Ｐゴシック" charset="0"/>
-                <a:cs typeface="Lucida Grande" charset="0"/>
-                <a:sym typeface="Lucida Grande" charset="0"/>
-              </a:rPr>
-              <a:t>Explain how the custom component is built and used, relate to how you’d use this type of technique to build your apps</a:t>
-            </a:r>
-            <a:endParaRPr lang="en-US" b="0" dirty="0">
-              <a:solidFill>
-                <a:srgbClr val="122956"/>
-              </a:solidFill>
-              <a:latin typeface="Lucida Grande" charset="0"/>
-              <a:ea typeface="ＭＳ Ｐゴシック" charset="0"/>
-              <a:cs typeface="Lucida Grande" charset="0"/>
-              <a:sym typeface="Lucida Grande" charset="0"/>
-            </a:endParaRPr>
+              <a:t>Demo: see Mod315Demo project in Studio</a:t>
+            </a:r>
           </a:p>
         </p:txBody>
       </p:sp>
@@ -3998,7 +4267,7 @@
               <a:pPr>
                 <a:defRPr/>
               </a:pPr>
-              <a:t>9/27/11</a:t>
+              <a:t>11/4/11</a:t>
             </a:fld>
             <a:endParaRPr lang="en-US"/>
           </a:p>
@@ -4414,7 +4683,7 @@
               <a:pPr>
                 <a:defRPr/>
               </a:pPr>
-              <a:t>9/27/11</a:t>
+              <a:t>11/4/11</a:t>
             </a:fld>
             <a:endParaRPr lang="en-US"/>
           </a:p>
@@ -5134,7 +5403,7 @@
               <a:pPr>
                 <a:defRPr/>
               </a:pPr>
-              <a:t>9/27/11</a:t>
+              <a:t>11/4/11</a:t>
             </a:fld>
             <a:endParaRPr lang="en-US"/>
           </a:p>
@@ -5687,7 +5956,7 @@
               <a:pPr>
                 <a:defRPr/>
               </a:pPr>
-              <a:t>9/27/11</a:t>
+              <a:t>11/4/11</a:t>
             </a:fld>
             <a:endParaRPr lang="en-US"/>
           </a:p>
@@ -6038,7 +6307,7 @@
               <a:pPr>
                 <a:defRPr/>
               </a:pPr>
-              <a:t>9/27/11</a:t>
+              <a:t>11/4/11</a:t>
             </a:fld>
             <a:endParaRPr lang="en-US"/>
           </a:p>
@@ -6396,7 +6665,7 @@
               <a:pPr>
                 <a:defRPr/>
               </a:pPr>
-              <a:t>9/27/11</a:t>
+              <a:t>11/4/11</a:t>
             </a:fld>
             <a:endParaRPr lang="en-US"/>
           </a:p>
@@ -6631,7 +6900,7 @@
               <a:pPr>
                 <a:defRPr/>
               </a:pPr>
-              <a:t>9/27/11</a:t>
+              <a:t>11/4/11</a:t>
             </a:fld>
             <a:endParaRPr lang="en-US"/>
           </a:p>
@@ -6923,7 +7192,7 @@
               <a:pPr>
                 <a:defRPr/>
               </a:pPr>
-              <a:t>9/27/11</a:t>
+              <a:t>11/4/11</a:t>
             </a:fld>
             <a:endParaRPr lang="en-US"/>
           </a:p>
@@ -8104,16 +8373,7 @@
                 </a:solidFill>
                 <a:cs typeface="Trebuchet MS" charset="0"/>
               </a:rPr>
-              <a:t>UI</a:t>
-            </a:r>
-            <a:r>
-              <a:rPr lang="en-US" sz="1200" b="1" dirty="0" smtClean="0">
-                <a:solidFill>
-                  <a:srgbClr val="122956"/>
-                </a:solidFill>
-                <a:cs typeface="Trebuchet MS" charset="0"/>
-              </a:rPr>
-              <a:t>-</a:t>
+              <a:t>UI-</a:t>
             </a:r>
             <a:fld id="{31B56995-E14C-B64F-86C9-12D6DB74A41E}" type="slidenum">
               <a:rPr lang="en-US" sz="1200" b="1">
@@ -8501,7 +8761,11 @@
           <a:p>
             <a:r>
               <a:rPr lang="en-US" dirty="0" smtClean="0"/>
-              <a:t>Lab Goals</a:t>
+              <a:t>Lab </a:t>
+            </a:r>
+            <a:r>
+              <a:rPr lang="en-US" dirty="0" smtClean="0"/>
+              <a:t>Goals*</a:t>
             </a:r>
             <a:endParaRPr lang="en-US" dirty="0"/>
           </a:p>
@@ -8608,9 +8872,57 @@
             </a:pPr>
             <a:r>
               <a:rPr lang="en-US" dirty="0" smtClean="0"/>
-              <a:t>Demo and wiki URL</a:t>
-            </a:r>
+              <a:t>Demo and wiki </a:t>
+            </a:r>
+            <a:r>
+              <a:rPr lang="en-US" dirty="0" smtClean="0"/>
+              <a:t>URL</a:t>
+            </a:r>
+          </a:p>
+          <a:p>
+            <a:pPr>
+              <a:spcBef>
+                <a:spcPts val="600"/>
+              </a:spcBef>
+              <a:buClrTx/>
+              <a:buFontTx/>
+              <a:buNone/>
+            </a:pPr>
+            <a:endParaRPr lang="en-US" dirty="0" smtClean="0"/>
+          </a:p>
+          <a:p>
+            <a:pPr>
+              <a:spcBef>
+                <a:spcPts val="600"/>
+              </a:spcBef>
+              <a:buClrTx/>
+              <a:buFontTx/>
+              <a:buNone/>
+            </a:pPr>
             <a:endParaRPr lang="en-US" dirty="0"/>
+          </a:p>
+          <a:p>
+            <a:pPr>
+              <a:spcBef>
+                <a:spcPts val="600"/>
+              </a:spcBef>
+              <a:buClrTx/>
+              <a:buFontTx/>
+              <a:buNone/>
+            </a:pPr>
+            <a:r>
+              <a:rPr lang="en-US" sz="2000" dirty="0" smtClean="0"/>
+              <a:t>* This lab is </a:t>
+            </a:r>
+            <a:r>
+              <a:rPr lang="en-US" sz="2000" dirty="0" err="1" smtClean="0"/>
+              <a:t>iOS</a:t>
+            </a:r>
+            <a:r>
+              <a:rPr lang="en-US" sz="2000" dirty="0" smtClean="0"/>
+              <a:t> only</a:t>
+            </a:r>
+            <a:endParaRPr lang="en-US" sz="2000" dirty="0"/>
           </a:p>
         </p:txBody>
       </p:sp>
@@ -9089,16 +9401,7 @@
                 </a:solidFill>
                 <a:cs typeface="Trebuchet MS" charset="0"/>
               </a:rPr>
-              <a:t>UI</a:t>
-            </a:r>
-            <a:r>
-              <a:rPr lang="en-US" sz="1200" b="1" dirty="0" smtClean="0">
-                <a:solidFill>
-                  <a:srgbClr val="122956"/>
-                </a:solidFill>
-                <a:cs typeface="Trebuchet MS" charset="0"/>
-              </a:rPr>
-              <a:t>-</a:t>
+              <a:t>UI-</a:t>
             </a:r>
             <a:fld id="{31B56995-E14C-B64F-86C9-12D6DB74A41E}" type="slidenum">
               <a:rPr lang="en-US" sz="1200" b="1">
